--- a/02 spfx sprest crud.pptx
+++ b/02 spfx sprest crud.pptx
@@ -281,7 +281,7 @@
               <a:rPr lang="en-US" smtClean="0">
                 <a:latin typeface="Segoe UI" pitchFamily="34" charset="0"/>
               </a:rPr>
-              <a:t>12/14/18 12:12 PM</a:t>
+              <a:t>12/20/18 12:43 PM</a:t>
             </a:fld>
             <a:endParaRPr lang="en-US" dirty="0">
               <a:latin typeface="Segoe UI" pitchFamily="34" charset="0"/>
@@ -575,7 +575,7 @@
           <a:p>
             <a:fld id="{D18B56EA-E28F-4F92-9F16-7A6F2501B303}" type="datetime8">
               <a:rPr lang="en-US" smtClean="0"/>
-              <a:t>12/14/18 12:12 PM</a:t>
+              <a:t>12/20/18 12:43 PM</a:t>
             </a:fld>
             <a:endParaRPr lang="en-US" dirty="0"/>
           </a:p>
@@ -958,7 +958,7 @@
           <a:p>
             <a:fld id="{D18B56EA-E28F-4F92-9F16-7A6F2501B303}" type="datetime8">
               <a:rPr lang="en-US" smtClean="0"/>
-              <a:t>12/14/18 12:12 PM</a:t>
+              <a:t>12/20/18 12:43 PM</a:t>
             </a:fld>
             <a:endParaRPr lang="en-US" dirty="0"/>
           </a:p>
@@ -1139,7 +1139,7 @@
           <a:p>
             <a:fld id="{D18B56EA-E28F-4F92-9F16-7A6F2501B303}" type="datetime8">
               <a:rPr lang="en-US" smtClean="0"/>
-              <a:t>12/14/18 12:12 PM</a:t>
+              <a:t>12/20/18 12:43 PM</a:t>
             </a:fld>
             <a:endParaRPr lang="en-US" dirty="0"/>
           </a:p>
@@ -1482,7 +1482,7 @@
           <a:p>
             <a:fld id="{D18B56EA-E28F-4F92-9F16-7A6F2501B303}" type="datetime8">
               <a:rPr lang="en-US" smtClean="0"/>
-              <a:t>12/14/18 12:12 PM</a:t>
+              <a:t>12/20/18 12:43 PM</a:t>
             </a:fld>
             <a:endParaRPr lang="en-US" dirty="0"/>
           </a:p>
@@ -1663,7 +1663,7 @@
           <a:p>
             <a:fld id="{D18B56EA-E28F-4F92-9F16-7A6F2501B303}" type="datetime8">
               <a:rPr lang="en-US" smtClean="0"/>
-              <a:t>12/14/18 12:12 PM</a:t>
+              <a:t>12/20/18 12:43 PM</a:t>
             </a:fld>
             <a:endParaRPr lang="en-US" dirty="0"/>
           </a:p>
@@ -1844,7 +1844,7 @@
           <a:p>
             <a:fld id="{D18B56EA-E28F-4F92-9F16-7A6F2501B303}" type="datetime8">
               <a:rPr lang="en-US" smtClean="0"/>
-              <a:t>12/14/18 12:12 PM</a:t>
+              <a:t>12/20/18 12:43 PM</a:t>
             </a:fld>
             <a:endParaRPr lang="en-US" dirty="0"/>
           </a:p>
@@ -2025,7 +2025,7 @@
           <a:p>
             <a:fld id="{D18B56EA-E28F-4F92-9F16-7A6F2501B303}" type="datetime8">
               <a:rPr lang="en-US" smtClean="0"/>
-              <a:t>12/14/18 12:12 PM</a:t>
+              <a:t>12/20/18 12:43 PM</a:t>
             </a:fld>
             <a:endParaRPr lang="en-US" dirty="0"/>
           </a:p>
@@ -6725,8 +6725,8 @@
 </file>
 
 <file path=ppt/slideLayouts/slideLayout26.xml><?xml version="1.0" encoding="utf-8"?>
-<p:sldLayout xmlns:a="http://schemas.openxmlformats.org/drawingml/2006/main" xmlns:r="http://schemas.openxmlformats.org/officeDocument/2006/relationships" xmlns:p="http://schemas.openxmlformats.org/presentationml/2006/main" userDrawn="1">
-  <p:cSld name="Developer Code Layout">
+<p:sldLayout xmlns:a="http://schemas.openxmlformats.org/drawingml/2006/main" xmlns:r="http://schemas.openxmlformats.org/officeDocument/2006/relationships" xmlns:p="http://schemas.openxmlformats.org/presentationml/2006/main" preserve="1" userDrawn="1">
+  <p:cSld name="1_Developer Code Layout">
     <p:spTree>
       <p:nvGrpSpPr>
         <p:cNvPr id="1" name=""/>
@@ -6751,27 +6751,31 @@
             <p:ph type="title" hasCustomPrompt="1"/>
           </p:nvPr>
         </p:nvSpPr>
-        <p:spPr/>
+        <p:spPr>
+          <a:xfrm>
+            <a:off x="464400" y="633600"/>
+            <a:ext cx="11575200" cy="410369"/>
+          </a:xfrm>
+        </p:spPr>
         <p:txBody>
-          <a:bodyPr/>
+          <a:bodyPr vert="horz" wrap="square" lIns="0" tIns="0" rIns="0" bIns="0" rtlCol="0" anchor="t">
+            <a:spAutoFit/>
+          </a:bodyPr>
           <a:lstStyle>
             <a:lvl1pPr>
-              <a:defRPr>
-                <a:gradFill>
-                  <a:gsLst>
-                    <a:gs pos="1250">
-                      <a:schemeClr val="tx2"/>
-                    </a:gs>
-                    <a:gs pos="100000">
-                      <a:schemeClr val="tx2"/>
-                    </a:gs>
-                  </a:gsLst>
-                  <a:lin ang="5400000" scaled="0"/>
-                </a:gradFill>
+              <a:defRPr lang="en-US" sz="2800" dirty="0">
+                <a:solidFill>
+                  <a:srgbClr val="2F2F2F"/>
+                </a:solidFill>
               </a:defRPr>
             </a:lvl1pPr>
           </a:lstStyle>
           <a:p>
+            <a:pPr lvl="0">
+              <a:lnSpc>
+                <a:spcPts val="3200"/>
+              </a:lnSpc>
+            </a:pPr>
             <a:r>
               <a:rPr lang="en-US" dirty="0"/>
               <a:t>Slide for Developer Code</a:t>
@@ -6864,8 +6868,8 @@
         </p:nvSpPr>
         <p:spPr>
           <a:xfrm>
-            <a:off x="528849" y="1476622"/>
-            <a:ext cx="11378776" cy="2360774"/>
+            <a:off x="464400" y="1178952"/>
+            <a:ext cx="11575200" cy="2658444"/>
           </a:xfrm>
         </p:spPr>
         <p:txBody>
@@ -6980,45 +6984,44 @@
           <a:p>
             <a:pPr lvl="0"/>
             <a:r>
-              <a:rPr lang="en-US"/>
+              <a:rPr lang="en-US" dirty="0"/>
               <a:t>Click to edit Master text styles</a:t>
             </a:r>
           </a:p>
           <a:p>
             <a:pPr lvl="1"/>
             <a:r>
-              <a:rPr lang="en-US"/>
+              <a:rPr lang="en-US" dirty="0"/>
               <a:t>Second level</a:t>
             </a:r>
           </a:p>
           <a:p>
             <a:pPr lvl="2"/>
             <a:r>
-              <a:rPr lang="en-US"/>
+              <a:rPr lang="en-US" dirty="0"/>
               <a:t>Third level</a:t>
             </a:r>
           </a:p>
           <a:p>
             <a:pPr lvl="3"/>
             <a:r>
-              <a:rPr lang="en-US"/>
+              <a:rPr lang="en-US" dirty="0"/>
               <a:t>Fourth level</a:t>
             </a:r>
           </a:p>
           <a:p>
             <a:pPr lvl="4"/>
             <a:r>
-              <a:rPr lang="en-US"/>
+              <a:rPr lang="en-US" dirty="0"/>
               <a:t>Fifth level</a:t>
             </a:r>
-            <a:endParaRPr lang="en-US" dirty="0"/>
           </a:p>
         </p:txBody>
       </p:sp>
     </p:spTree>
     <p:extLst>
       <p:ext uri="{BB962C8B-B14F-4D97-AF65-F5344CB8AC3E}">
-        <p14:creationId xmlns:p14="http://schemas.microsoft.com/office/powerpoint/2010/main" val="2517332202"/>
+        <p14:creationId xmlns:p14="http://schemas.microsoft.com/office/powerpoint/2010/main" val="342951836"/>
       </p:ext>
     </p:extLst>
   </p:cSld>
@@ -7032,8 +7035,8 @@
 </file>
 
 <file path=ppt/slideLayouts/slideLayout27.xml><?xml version="1.0" encoding="utf-8"?>
-<p:sldLayout xmlns:a="http://schemas.openxmlformats.org/drawingml/2006/main" xmlns:r="http://schemas.openxmlformats.org/officeDocument/2006/relationships" xmlns:p="http://schemas.openxmlformats.org/presentationml/2006/main" userDrawn="1">
-  <p:cSld name="Title &amp; 2-color Non-bulleted text">
+<p:sldLayout xmlns:a="http://schemas.openxmlformats.org/drawingml/2006/main" xmlns:r="http://schemas.openxmlformats.org/officeDocument/2006/relationships" xmlns:p="http://schemas.openxmlformats.org/presentationml/2006/main" preserve="1" userDrawn="1">
+  <p:cSld name="1_Title &amp; 2-color Non-bulleted text">
     <p:spTree>
       <p:nvGrpSpPr>
         <p:cNvPr id="1" name=""/>
@@ -7048,36 +7051,6 @@
           <a:chExt cx="0" cy="0"/>
         </a:xfrm>
       </p:grpSpPr>
-      <p:pic>
-        <p:nvPicPr>
-          <p:cNvPr id="7" name="Picture 6"/>
-          <p:cNvPicPr>
-            <a:picLocks noChangeAspect="1"/>
-          </p:cNvPicPr>
-          <p:nvPr userDrawn="1"/>
-        </p:nvPicPr>
-        <p:blipFill>
-          <a:blip r:embed="rId2" cstate="screen">
-            <a:extLst>
-              <a:ext uri="{28A0092B-C50C-407E-A947-70E740481C1C}">
-                <a14:useLocalDpi xmlns:a14="http://schemas.microsoft.com/office/drawing/2010/main"/>
-              </a:ext>
-            </a:extLst>
-          </a:blip>
-          <a:stretch>
-            <a:fillRect/>
-          </a:stretch>
-        </p:blipFill>
-        <p:spPr>
-          <a:xfrm>
-            <a:off x="10933639" y="6533467"/>
-            <a:ext cx="1501954" cy="477297"/>
-          </a:xfrm>
-          <a:prstGeom prst="rect">
-            <a:avLst/>
-          </a:prstGeom>
-        </p:spPr>
-      </p:pic>
       <p:sp>
         <p:nvSpPr>
           <p:cNvPr id="2" name="Title 1"/>
@@ -7088,16 +7061,35 @@
             <p:ph type="title"/>
           </p:nvPr>
         </p:nvSpPr>
-        <p:spPr/>
+        <p:spPr>
+          <a:xfrm>
+            <a:off x="464400" y="633600"/>
+            <a:ext cx="11574000" cy="410369"/>
+          </a:xfrm>
+        </p:spPr>
         <p:txBody>
-          <a:bodyPr/>
-          <a:lstStyle/>
-          <a:p>
-            <a:r>
-              <a:rPr lang="en-US"/>
+          <a:bodyPr vert="horz" wrap="square" lIns="0" tIns="0" rIns="0" bIns="0" rtlCol="0" anchor="t">
+            <a:spAutoFit/>
+          </a:bodyPr>
+          <a:lstStyle>
+            <a:lvl1pPr>
+              <a:defRPr lang="en-US" sz="2800" dirty="0">
+                <a:solidFill>
+                  <a:srgbClr val="2F2F2F"/>
+                </a:solidFill>
+              </a:defRPr>
+            </a:lvl1pPr>
+          </a:lstStyle>
+          <a:p>
+            <a:pPr lvl="0">
+              <a:lnSpc>
+                <a:spcPts val="3200"/>
+              </a:lnSpc>
+            </a:pPr>
+            <a:r>
+              <a:rPr lang="en-US" dirty="0"/>
               <a:t>Click to edit Master title style</a:t>
             </a:r>
-            <a:endParaRPr lang="en-US" dirty="0"/>
           </a:p>
         </p:txBody>
       </p:sp>
@@ -7113,8 +7105,8 @@
         </p:nvSpPr>
         <p:spPr>
           <a:xfrm>
-            <a:off x="274638" y="1212850"/>
-            <a:ext cx="11887200" cy="1889748"/>
+            <a:off x="464400" y="1212850"/>
+            <a:ext cx="11574000" cy="1346522"/>
           </a:xfrm>
         </p:spPr>
         <p:txBody>
@@ -7122,7 +7114,7 @@
           <a:lstStyle>
             <a:lvl1pPr marL="0" indent="0">
               <a:buNone/>
-              <a:defRPr>
+              <a:defRPr sz="2400">
                 <a:solidFill>
                   <a:schemeClr val="tx2"/>
                 </a:solidFill>
@@ -7131,63 +7123,62 @@
             <a:lvl2pPr marL="0" indent="0">
               <a:buFontTx/>
               <a:buNone/>
-              <a:defRPr sz="2000"/>
+              <a:defRPr sz="1400"/>
             </a:lvl2pPr>
             <a:lvl3pPr marL="228600" indent="0">
               <a:buNone/>
-              <a:defRPr sz="1800"/>
+              <a:defRPr sz="1200"/>
             </a:lvl3pPr>
             <a:lvl4pPr marL="457200" indent="0">
               <a:buNone/>
-              <a:defRPr sz="1600"/>
+              <a:defRPr sz="1100"/>
             </a:lvl4pPr>
             <a:lvl5pPr marL="685800" indent="0">
               <a:buNone/>
-              <a:defRPr sz="1400"/>
+              <a:defRPr sz="1050"/>
             </a:lvl5pPr>
           </a:lstStyle>
           <a:p>
             <a:pPr lvl="0"/>
             <a:r>
-              <a:rPr lang="en-US"/>
+              <a:rPr lang="en-US" dirty="0"/>
               <a:t>Edit Master text styles</a:t>
             </a:r>
           </a:p>
           <a:p>
             <a:pPr lvl="1"/>
             <a:r>
-              <a:rPr lang="en-US"/>
+              <a:rPr lang="en-US" dirty="0"/>
               <a:t>Second level</a:t>
             </a:r>
           </a:p>
           <a:p>
             <a:pPr lvl="2"/>
             <a:r>
-              <a:rPr lang="en-US"/>
+              <a:rPr lang="en-US" dirty="0"/>
               <a:t>Third level</a:t>
             </a:r>
           </a:p>
           <a:p>
             <a:pPr lvl="3"/>
             <a:r>
-              <a:rPr lang="en-US"/>
+              <a:rPr lang="en-US" dirty="0"/>
               <a:t>Fourth level</a:t>
             </a:r>
           </a:p>
           <a:p>
             <a:pPr lvl="4"/>
             <a:r>
-              <a:rPr lang="en-US"/>
+              <a:rPr lang="en-US" dirty="0"/>
               <a:t>Fifth level</a:t>
             </a:r>
-            <a:endParaRPr lang="en-US" dirty="0"/>
           </a:p>
         </p:txBody>
       </p:sp>
     </p:spTree>
     <p:extLst>
       <p:ext uri="{BB962C8B-B14F-4D97-AF65-F5344CB8AC3E}">
-        <p14:creationId xmlns:p14="http://schemas.microsoft.com/office/powerpoint/2010/main" val="3845859015"/>
+        <p14:creationId xmlns:p14="http://schemas.microsoft.com/office/powerpoint/2010/main" val="1368051134"/>
       </p:ext>
     </p:extLst>
   </p:cSld>
@@ -7201,8 +7192,8 @@
 </file>
 
 <file path=ppt/slideLayouts/slideLayout28.xml><?xml version="1.0" encoding="utf-8"?>
-<p:sldLayout xmlns:a="http://schemas.openxmlformats.org/drawingml/2006/main" xmlns:r="http://schemas.openxmlformats.org/officeDocument/2006/relationships" xmlns:p="http://schemas.openxmlformats.org/presentationml/2006/main" userDrawn="1">
-  <p:cSld name="Title and Content">
+<p:sldLayout xmlns:a="http://schemas.openxmlformats.org/drawingml/2006/main" xmlns:r="http://schemas.openxmlformats.org/officeDocument/2006/relationships" xmlns:p="http://schemas.openxmlformats.org/presentationml/2006/main" preserve="1" userDrawn="1">
+  <p:cSld name="1_Title and Content">
     <p:spTree>
       <p:nvGrpSpPr>
         <p:cNvPr id="1" name=""/>
@@ -7229,8 +7220,8 @@
         </p:nvSpPr>
         <p:spPr>
           <a:xfrm>
-            <a:off x="274638" y="1212850"/>
-            <a:ext cx="11887200" cy="2240229"/>
+            <a:off x="464400" y="1212850"/>
+            <a:ext cx="11574000" cy="1566583"/>
           </a:xfrm>
         </p:spPr>
         <p:txBody>
@@ -7238,51 +7229,56 @@
             <a:spAutoFit/>
           </a:bodyPr>
           <a:lstStyle>
+            <a:lvl1pPr>
+              <a:defRPr sz="2400"/>
+            </a:lvl1pPr>
+            <a:lvl2pPr>
+              <a:defRPr sz="1800"/>
+            </a:lvl2pPr>
             <a:lvl3pPr>
-              <a:defRPr sz="2399"/>
+              <a:defRPr sz="1600"/>
             </a:lvl3pPr>
             <a:lvl4pPr>
-              <a:defRPr sz="1999"/>
+              <a:defRPr sz="1400"/>
             </a:lvl4pPr>
             <a:lvl5pPr>
-              <a:defRPr sz="1999"/>
+              <a:defRPr sz="1400"/>
             </a:lvl5pPr>
           </a:lstStyle>
           <a:p>
             <a:pPr lvl="0"/>
             <a:r>
-              <a:rPr lang="en-US"/>
+              <a:rPr lang="en-US" dirty="0"/>
               <a:t>Edit Master text styles</a:t>
             </a:r>
           </a:p>
           <a:p>
             <a:pPr lvl="1"/>
             <a:r>
-              <a:rPr lang="en-US"/>
+              <a:rPr lang="en-US" dirty="0"/>
               <a:t>Second level</a:t>
             </a:r>
           </a:p>
           <a:p>
             <a:pPr lvl="2"/>
             <a:r>
-              <a:rPr lang="en-US"/>
+              <a:rPr lang="en-US" dirty="0"/>
               <a:t>Third level</a:t>
             </a:r>
           </a:p>
           <a:p>
             <a:pPr lvl="3"/>
             <a:r>
-              <a:rPr lang="en-US"/>
+              <a:rPr lang="en-US" dirty="0"/>
               <a:t>Fourth level</a:t>
             </a:r>
           </a:p>
           <a:p>
             <a:pPr lvl="4"/>
             <a:r>
-              <a:rPr lang="en-US"/>
+              <a:rPr lang="en-US" dirty="0"/>
               <a:t>Fifth level</a:t>
             </a:r>
-            <a:endParaRPr lang="en-US" dirty="0"/>
           </a:p>
         </p:txBody>
       </p:sp>
@@ -7296,13 +7292,33 @@
             <p:ph type="title"/>
           </p:nvPr>
         </p:nvSpPr>
-        <p:spPr/>
+        <p:spPr>
+          <a:xfrm>
+            <a:off x="464400" y="633600"/>
+            <a:ext cx="11574000" cy="410369"/>
+          </a:xfrm>
+        </p:spPr>
         <p:txBody>
-          <a:bodyPr/>
-          <a:lstStyle/>
-          <a:p>
-            <a:r>
-              <a:rPr lang="en-US"/>
+          <a:bodyPr vert="horz" wrap="square" lIns="0" tIns="0" rIns="0" bIns="0" rtlCol="0" anchor="t">
+            <a:spAutoFit/>
+          </a:bodyPr>
+          <a:lstStyle>
+            <a:lvl1pPr>
+              <a:defRPr lang="en-US" sz="2800">
+                <a:solidFill>
+                  <a:srgbClr val="2F2F2F"/>
+                </a:solidFill>
+              </a:defRPr>
+            </a:lvl1pPr>
+          </a:lstStyle>
+          <a:p>
+            <a:pPr lvl="0">
+              <a:lnSpc>
+                <a:spcPts val="3200"/>
+              </a:lnSpc>
+            </a:pPr>
+            <a:r>
+              <a:rPr lang="en-US" dirty="0"/>
               <a:t>Click to edit Master title style</a:t>
             </a:r>
           </a:p>
@@ -7311,7 +7327,7 @@
     </p:spTree>
     <p:extLst>
       <p:ext uri="{BB962C8B-B14F-4D97-AF65-F5344CB8AC3E}">
-        <p14:creationId xmlns:p14="http://schemas.microsoft.com/office/powerpoint/2010/main" val="3733558018"/>
+        <p14:creationId xmlns:p14="http://schemas.microsoft.com/office/powerpoint/2010/main" val="20216221"/>
       </p:ext>
     </p:extLst>
   </p:cSld>
@@ -14220,9 +14236,9 @@
     <p:sldLayoutId id="2147484545" r:id="rId23"/>
     <p:sldLayoutId id="2147484546" r:id="rId24"/>
     <p:sldLayoutId id="2147484299" r:id="rId25"/>
-    <p:sldLayoutId id="2147484552" r:id="rId26"/>
-    <p:sldLayoutId id="2147484556" r:id="rId27"/>
-    <p:sldLayoutId id="2147484558" r:id="rId28"/>
+    <p:sldLayoutId id="2147484559" r:id="rId26"/>
+    <p:sldLayoutId id="2147484560" r:id="rId27"/>
+    <p:sldLayoutId id="2147484561" r:id="rId28"/>
   </p:sldLayoutIdLst>
   <p:transition>
     <p:fade/>
@@ -14864,12 +14880,7 @@
             <p:ph type="body" sz="quarter" idx="10"/>
           </p:nvPr>
         </p:nvSpPr>
-        <p:spPr>
-          <a:xfrm>
-            <a:off x="528849" y="1476622"/>
-            <a:ext cx="11378776" cy="4805931"/>
-          </a:xfrm>
-        </p:spPr>
+        <p:spPr/>
         <p:txBody>
           <a:bodyPr/>
           <a:lstStyle/>
@@ -16490,12 +16501,7 @@
             <p:ph type="body" sz="quarter" idx="10"/>
           </p:nvPr>
         </p:nvSpPr>
-        <p:spPr>
-          <a:xfrm>
-            <a:off x="274638" y="1212850"/>
-            <a:ext cx="11887200" cy="4007251"/>
-          </a:xfrm>
-        </p:spPr>
+        <p:spPr/>
         <p:txBody>
           <a:bodyPr/>
           <a:lstStyle/>
@@ -16714,12 +16720,7 @@
             <p:ph type="body" sz="quarter" idx="10"/>
           </p:nvPr>
         </p:nvSpPr>
-        <p:spPr>
-          <a:xfrm>
-            <a:off x="274638" y="1212850"/>
-            <a:ext cx="11887200" cy="3373231"/>
-          </a:xfrm>
-        </p:spPr>
+        <p:spPr/>
         <p:txBody>
           <a:bodyPr/>
           <a:lstStyle/>
@@ -16883,8 +16884,8 @@
         </p:nvSpPr>
         <p:spPr>
           <a:xfrm>
-            <a:off x="528849" y="1476622"/>
-            <a:ext cx="11378776" cy="5432256"/>
+            <a:off x="464400" y="1178952"/>
+            <a:ext cx="11575200" cy="4907497"/>
           </a:xfrm>
         </p:spPr>
         <p:txBody>
@@ -16892,60 +16893,60 @@
           <a:lstStyle/>
           <a:p>
             <a:r>
-              <a:rPr lang="en-US" sz="2000" dirty="0"/>
+              <a:rPr lang="en-US" sz="1800" dirty="0"/>
               <a:t>private _</a:t>
             </a:r>
             <a:r>
-              <a:rPr lang="en-US" sz="2000" dirty="0" err="1"/>
+              <a:rPr lang="en-US" sz="1800" dirty="0" err="1"/>
               <a:t>getItemEntityType</a:t>
             </a:r>
             <a:r>
-              <a:rPr lang="en-US" sz="2000" dirty="0"/>
+              <a:rPr lang="en-US" sz="1800" dirty="0"/>
               <a:t>(): Promise&lt;string&gt; {</a:t>
             </a:r>
           </a:p>
           <a:p>
             <a:r>
-              <a:rPr lang="en-US" sz="2000" dirty="0"/>
+              <a:rPr lang="en-US" sz="1800" dirty="0"/>
               <a:t>  </a:t>
             </a:r>
             <a:r>
-              <a:rPr lang="en-US" sz="2000" dirty="0" err="1"/>
+              <a:rPr lang="en-US" sz="1800" dirty="0" err="1"/>
               <a:t>const</a:t>
             </a:r>
             <a:r>
-              <a:rPr lang="en-US" sz="2000" dirty="0"/>
+              <a:rPr lang="en-US" sz="1800" dirty="0"/>
               <a:t> endpoint: string = </a:t>
             </a:r>
             <a:r>
-              <a:rPr lang="en-US" sz="2000" dirty="0" err="1"/>
+              <a:rPr lang="en-US" sz="1800" dirty="0" err="1"/>
               <a:t>this.context.pageContext.web.absoluteUrl</a:t>
             </a:r>
-            <a:endParaRPr lang="en-US" sz="2000" dirty="0"/>
-          </a:p>
-          <a:p>
-            <a:r>
-              <a:rPr lang="en-US" sz="2000" dirty="0"/>
+            <a:endParaRPr lang="en-US" sz="1800" dirty="0"/>
+          </a:p>
+          <a:p>
+            <a:r>
+              <a:rPr lang="en-US" sz="1800" dirty="0"/>
               <a:t>+ `/_</a:t>
             </a:r>
             <a:r>
-              <a:rPr lang="en-US" sz="2000" dirty="0" err="1"/>
+              <a:rPr lang="en-US" sz="1800" dirty="0" err="1"/>
               <a:t>api</a:t>
             </a:r>
             <a:r>
-              <a:rPr lang="en-US" sz="2000" dirty="0"/>
+              <a:rPr lang="en-US" sz="1800" dirty="0"/>
               <a:t>/web/lists/</a:t>
             </a:r>
             <a:r>
-              <a:rPr lang="en-US" sz="2000" dirty="0" err="1"/>
+              <a:rPr lang="en-US" sz="1800" dirty="0" err="1"/>
               <a:t>getbytitle</a:t>
             </a:r>
             <a:r>
-              <a:rPr lang="en-US" sz="2000" dirty="0"/>
+              <a:rPr lang="en-US" sz="1800" dirty="0"/>
               <a:t>('Countries')?$select=</a:t>
             </a:r>
             <a:r>
-              <a:rPr lang="en-US" sz="2000" dirty="0" err="1">
+              <a:rPr lang="en-US" sz="1800" dirty="0" err="1">
                 <a:solidFill>
                   <a:schemeClr val="accent1"/>
                 </a:solidFill>
@@ -16953,108 +16954,108 @@
               <a:t>ListItemEntityTypeFullName</a:t>
             </a:r>
             <a:r>
-              <a:rPr lang="en-US" sz="2000" dirty="0"/>
+              <a:rPr lang="en-US" sz="1800" dirty="0"/>
               <a:t>`</a:t>
             </a:r>
           </a:p>
           <a:p>
-            <a:endParaRPr lang="en-US" sz="2000" dirty="0"/>
-          </a:p>
-          <a:p>
-            <a:r>
-              <a:rPr lang="en-US" sz="2000" dirty="0"/>
+            <a:endParaRPr lang="en-US" sz="1800" dirty="0"/>
+          </a:p>
+          <a:p>
+            <a:r>
+              <a:rPr lang="en-US" sz="1800" dirty="0"/>
               <a:t>  return </a:t>
             </a:r>
             <a:r>
-              <a:rPr lang="en-US" sz="2000" dirty="0" err="1"/>
+              <a:rPr lang="en-US" sz="1800" dirty="0" err="1"/>
               <a:t>this.context.spHttpClient.get</a:t>
             </a:r>
             <a:r>
-              <a:rPr lang="en-US" sz="2000" dirty="0"/>
+              <a:rPr lang="en-US" sz="1800" dirty="0"/>
               <a:t>(</a:t>
             </a:r>
           </a:p>
           <a:p>
             <a:r>
-              <a:rPr lang="en-US" sz="2000" dirty="0"/>
+              <a:rPr lang="en-US" sz="1800" dirty="0"/>
               <a:t>    endpoint,</a:t>
             </a:r>
           </a:p>
           <a:p>
             <a:r>
-              <a:rPr lang="en-US" sz="2000" dirty="0"/>
+              <a:rPr lang="en-US" sz="1800" dirty="0"/>
               <a:t>    SPHttpClient.configurations.v1</a:t>
             </a:r>
           </a:p>
           <a:p>
             <a:r>
-              <a:rPr lang="en-US" sz="2000" dirty="0"/>
+              <a:rPr lang="en-US" sz="1800" dirty="0"/>
               <a:t>  )</a:t>
             </a:r>
           </a:p>
           <a:p>
             <a:r>
-              <a:rPr lang="en-US" sz="2000" dirty="0"/>
+              <a:rPr lang="en-US" sz="1800" dirty="0"/>
               <a:t>  .then(response =&gt; {</a:t>
             </a:r>
           </a:p>
           <a:p>
             <a:r>
-              <a:rPr lang="en-US" sz="2000" dirty="0"/>
+              <a:rPr lang="en-US" sz="1800" dirty="0"/>
               <a:t>    return </a:t>
             </a:r>
             <a:r>
-              <a:rPr lang="en-US" sz="2000" dirty="0" err="1"/>
+              <a:rPr lang="en-US" sz="1800" dirty="0" err="1"/>
               <a:t>response.json</a:t>
             </a:r>
             <a:r>
-              <a:rPr lang="en-US" sz="2000" dirty="0"/>
+              <a:rPr lang="en-US" sz="1800" dirty="0"/>
               <a:t>();</a:t>
             </a:r>
           </a:p>
           <a:p>
             <a:r>
-              <a:rPr lang="en-US" sz="2000" dirty="0"/>
+              <a:rPr lang="en-US" sz="1800" dirty="0"/>
               <a:t>  })</a:t>
             </a:r>
           </a:p>
           <a:p>
             <a:r>
-              <a:rPr lang="en-US" sz="2000" dirty="0"/>
+              <a:rPr lang="en-US" sz="1800" dirty="0"/>
               <a:t>  .then(</a:t>
             </a:r>
             <a:r>
-              <a:rPr lang="en-US" sz="2000" dirty="0" err="1"/>
+              <a:rPr lang="en-US" sz="1800" dirty="0" err="1"/>
               <a:t>jsonResponse</a:t>
             </a:r>
             <a:r>
-              <a:rPr lang="en-US" sz="2000" dirty="0"/>
+              <a:rPr lang="en-US" sz="1800" dirty="0"/>
               <a:t> =&gt; {</a:t>
             </a:r>
           </a:p>
           <a:p>
             <a:r>
-              <a:rPr lang="en-US" sz="2000" dirty="0"/>
+              <a:rPr lang="en-US" sz="1800" dirty="0"/>
               <a:t>    return </a:t>
             </a:r>
             <a:r>
-              <a:rPr lang="en-US" sz="2000" dirty="0" err="1"/>
+              <a:rPr lang="en-US" sz="1800" dirty="0" err="1"/>
               <a:t>jsonResponse.ListItemEntityTypeFullName</a:t>
             </a:r>
             <a:r>
-              <a:rPr lang="en-US" sz="2000" dirty="0"/>
+              <a:rPr lang="en-US" sz="1800" dirty="0"/>
               <a:t>;</a:t>
             </a:r>
           </a:p>
           <a:p>
             <a:r>
-              <a:rPr lang="en-US" sz="2000" dirty="0"/>
+              <a:rPr lang="en-US" sz="1800" dirty="0"/>
               <a:t>  }) as Promise&lt;string&gt;;</a:t>
             </a:r>
           </a:p>
           <a:p>
             <a:r>
-              <a:rPr lang="en-US" sz="2000" dirty="0"/>
+              <a:rPr lang="en-US" sz="1800" dirty="0"/>
               <a:t>}</a:t>
             </a:r>
           </a:p>
@@ -17142,12 +17143,7 @@
             <p:ph type="body" sz="quarter" idx="10"/>
           </p:nvPr>
         </p:nvSpPr>
-        <p:spPr>
-          <a:xfrm>
-            <a:off x="528849" y="1476622"/>
-            <a:ext cx="11378776" cy="5115246"/>
-          </a:xfrm>
-        </p:spPr>
+        <p:spPr/>
         <p:txBody>
           <a:bodyPr/>
           <a:lstStyle/>
@@ -17491,12 +17487,7 @@
             <p:ph type="body" sz="quarter" idx="10"/>
           </p:nvPr>
         </p:nvSpPr>
-        <p:spPr>
-          <a:xfrm>
-            <a:off x="274638" y="1212850"/>
-            <a:ext cx="11887200" cy="5521512"/>
-          </a:xfrm>
-        </p:spPr>
+        <p:spPr/>
         <p:txBody>
           <a:bodyPr/>
           <a:lstStyle/>
@@ -17721,12 +17712,7 @@
             <p:ph type="body" sz="quarter" idx="10"/>
           </p:nvPr>
         </p:nvSpPr>
-        <p:spPr>
-          <a:xfrm>
-            <a:off x="528849" y="1476622"/>
-            <a:ext cx="11378776" cy="5549211"/>
-          </a:xfrm>
-        </p:spPr>
+        <p:spPr/>
         <p:txBody>
           <a:bodyPr/>
           <a:lstStyle/>
@@ -18168,12 +18154,7 @@
             <p:ph type="body" sz="quarter" idx="10"/>
           </p:nvPr>
         </p:nvSpPr>
-        <p:spPr>
-          <a:xfrm>
-            <a:off x="274638" y="1212850"/>
-            <a:ext cx="11887200" cy="5607689"/>
-          </a:xfrm>
-        </p:spPr>
+        <p:spPr/>
         <p:txBody>
           <a:bodyPr/>
           <a:lstStyle/>

--- a/02 spfx sprest crud.pptx
+++ b/02 spfx sprest crud.pptx
@@ -13,7 +13,7 @@
   <p:sldIdLst>
     <p:sldId id="257" r:id="rId3"/>
     <p:sldId id="263" r:id="rId4"/>
-    <p:sldId id="1547" r:id="rId5"/>
+    <p:sldId id="1572" r:id="rId5"/>
     <p:sldId id="1552" r:id="rId6"/>
     <p:sldId id="1553" r:id="rId7"/>
     <p:sldId id="1551" r:id="rId8"/>
@@ -133,25 +133,25 @@
             <p14:sldId id="263"/>
           </p14:sldIdLst>
         </p14:section>
-        <p14:section name="body" id="{3A7429EF-79F1-A44F-B2E7-33EA665B892A}">
+        <p14:section name="body" id="{3D9C80B2-EAAE-E24F-83D7-5970E147313E}">
           <p14:sldIdLst>
-            <p14:sldId id="1547"/>
+            <p14:sldId id="1572"/>
           </p14:sldIdLst>
         </p14:section>
-        <p14:section name="create" id="{4B3D5954-F480-F645-82AB-DD867F4A9BF6}">
+        <p14:section name="create" id="{9BFCA81B-B9A8-4657-9504-CADE32D3ABD7}">
           <p14:sldIdLst>
             <p14:sldId id="1552"/>
             <p14:sldId id="1553"/>
             <p14:sldId id="1551"/>
           </p14:sldIdLst>
         </p14:section>
-        <p14:section name="update" id="{09F97F85-9DD7-7443-B6E8-F6ECFA6C39AC}">
+        <p14:section name="update" id="{0E297532-73B1-4A1E-B083-CE49DB2EE8FE}">
           <p14:sldIdLst>
             <p14:sldId id="1554"/>
             <p14:sldId id="1555"/>
           </p14:sldIdLst>
         </p14:section>
-        <p14:section name="deleting" id="{2EE736BB-68F4-D44A-BE47-B67874AD71A0}">
+        <p14:section name="deleting" id="{96116395-6EFF-46CE-A655-2BB43F60F6E1}">
           <p14:sldIdLst>
             <p14:sldId id="1556"/>
             <p14:sldId id="1557"/>
@@ -244,9 +244,12 @@
             </a:lvl1pPr>
           </a:lstStyle>
           <a:p>
-            <a:endParaRPr lang="en-US" dirty="0">
-              <a:latin typeface="Segoe UI" pitchFamily="34" charset="0"/>
-            </a:endParaRPr>
+            <a:r>
+              <a:rPr lang="en-US" dirty="0">
+                <a:latin typeface="Segoe UI" pitchFamily="34" charset="0"/>
+              </a:rPr>
+              <a:t>SharePoint Framework</a:t>
+            </a:r>
           </a:p>
         </p:txBody>
       </p:sp>
@@ -281,7 +284,7 @@
               <a:rPr lang="en-US" smtClean="0">
                 <a:latin typeface="Segoe UI" pitchFamily="34" charset="0"/>
               </a:rPr>
-              <a:t>12/20/18 12:43 PM</a:t>
+              <a:t>12/20/2018 9:08 PM</a:t>
             </a:fld>
             <a:endParaRPr lang="en-US" dirty="0">
               <a:latin typeface="Segoe UI" pitchFamily="34" charset="0"/>
@@ -441,7 +444,10 @@
             </a:lvl1pPr>
           </a:lstStyle>
           <a:p>
-            <a:endParaRPr lang="en-US" dirty="0"/>
+            <a:r>
+              <a:rPr lang="en-US" dirty="0"/>
+              <a:t>SharePoint Framework</a:t>
+            </a:r>
           </a:p>
         </p:txBody>
       </p:sp>
@@ -575,7 +581,7 @@
           <a:p>
             <a:fld id="{D18B56EA-E28F-4F92-9F16-7A6F2501B303}" type="datetime8">
               <a:rPr lang="en-US" smtClean="0"/>
-              <a:t>12/20/18 12:43 PM</a:t>
+              <a:t>12/20/2018 9:08 PM</a:t>
             </a:fld>
             <a:endParaRPr lang="en-US" dirty="0"/>
           </a:p>
@@ -958,7 +964,7 @@
           <a:p>
             <a:fld id="{D18B56EA-E28F-4F92-9F16-7A6F2501B303}" type="datetime8">
               <a:rPr lang="en-US" smtClean="0"/>
-              <a:t>12/20/18 12:43 PM</a:t>
+              <a:t>12/20/2018 9:08 PM</a:t>
             </a:fld>
             <a:endParaRPr lang="en-US" dirty="0"/>
           </a:p>
@@ -1139,7 +1145,7 @@
           <a:p>
             <a:fld id="{D18B56EA-E28F-4F92-9F16-7A6F2501B303}" type="datetime8">
               <a:rPr lang="en-US" smtClean="0"/>
-              <a:t>12/20/18 12:43 PM</a:t>
+              <a:t>12/20/2018 9:08 PM</a:t>
             </a:fld>
             <a:endParaRPr lang="en-US" dirty="0"/>
           </a:p>
@@ -1482,7 +1488,7 @@
           <a:p>
             <a:fld id="{D18B56EA-E28F-4F92-9F16-7A6F2501B303}" type="datetime8">
               <a:rPr lang="en-US" smtClean="0"/>
-              <a:t>12/20/18 12:43 PM</a:t>
+              <a:t>12/20/2018 9:09 PM</a:t>
             </a:fld>
             <a:endParaRPr lang="en-US" dirty="0"/>
           </a:p>
@@ -1663,7 +1669,7 @@
           <a:p>
             <a:fld id="{D18B56EA-E28F-4F92-9F16-7A6F2501B303}" type="datetime8">
               <a:rPr lang="en-US" smtClean="0"/>
-              <a:t>12/20/18 12:43 PM</a:t>
+              <a:t>12/20/2018 9:10 PM</a:t>
             </a:fld>
             <a:endParaRPr lang="en-US" dirty="0"/>
           </a:p>
@@ -1844,7 +1850,7 @@
           <a:p>
             <a:fld id="{D18B56EA-E28F-4F92-9F16-7A6F2501B303}" type="datetime8">
               <a:rPr lang="en-US" smtClean="0"/>
-              <a:t>12/20/18 12:43 PM</a:t>
+              <a:t>12/20/2018 9:10 PM</a:t>
             </a:fld>
             <a:endParaRPr lang="en-US" dirty="0"/>
           </a:p>
@@ -2025,7 +2031,7 @@
           <a:p>
             <a:fld id="{D18B56EA-E28F-4F92-9F16-7A6F2501B303}" type="datetime8">
               <a:rPr lang="en-US" smtClean="0"/>
-              <a:t>12/20/18 12:43 PM</a:t>
+              <a:t>12/20/2018 9:10 PM</a:t>
             </a:fld>
             <a:endParaRPr lang="en-US" dirty="0"/>
           </a:p>
@@ -6304,7 +6310,7 @@
           <a:lstStyle/>
           <a:p>
             <a:r>
-              <a:rPr lang="en-US"/>
+              <a:rPr lang="en-US" dirty="0"/>
               <a:t>Click icon to add table</a:t>
             </a:r>
           </a:p>
@@ -6725,8 +6731,8 @@
 </file>
 
 <file path=ppt/slideLayouts/slideLayout26.xml><?xml version="1.0" encoding="utf-8"?>
-<p:sldLayout xmlns:a="http://schemas.openxmlformats.org/drawingml/2006/main" xmlns:r="http://schemas.openxmlformats.org/officeDocument/2006/relationships" xmlns:p="http://schemas.openxmlformats.org/presentationml/2006/main" preserve="1" userDrawn="1">
-  <p:cSld name="1_Developer Code Layout">
+<p:sldLayout xmlns:a="http://schemas.openxmlformats.org/drawingml/2006/main" xmlns:r="http://schemas.openxmlformats.org/officeDocument/2006/relationships" xmlns:p="http://schemas.openxmlformats.org/presentationml/2006/main" userDrawn="1">
+  <p:cSld name="Developer Code Layout">
     <p:spTree>
       <p:nvGrpSpPr>
         <p:cNvPr id="1" name=""/>
@@ -7021,7 +7027,7 @@
     </p:spTree>
     <p:extLst>
       <p:ext uri="{BB962C8B-B14F-4D97-AF65-F5344CB8AC3E}">
-        <p14:creationId xmlns:p14="http://schemas.microsoft.com/office/powerpoint/2010/main" val="342951836"/>
+        <p14:creationId xmlns:p14="http://schemas.microsoft.com/office/powerpoint/2010/main" val="2517332202"/>
       </p:ext>
     </p:extLst>
   </p:cSld>
@@ -7035,8 +7041,8 @@
 </file>
 
 <file path=ppt/slideLayouts/slideLayout27.xml><?xml version="1.0" encoding="utf-8"?>
-<p:sldLayout xmlns:a="http://schemas.openxmlformats.org/drawingml/2006/main" xmlns:r="http://schemas.openxmlformats.org/officeDocument/2006/relationships" xmlns:p="http://schemas.openxmlformats.org/presentationml/2006/main" preserve="1" userDrawn="1">
-  <p:cSld name="1_Title &amp; 2-color Non-bulleted text">
+<p:sldLayout xmlns:a="http://schemas.openxmlformats.org/drawingml/2006/main" xmlns:r="http://schemas.openxmlformats.org/officeDocument/2006/relationships" xmlns:p="http://schemas.openxmlformats.org/presentationml/2006/main" userDrawn="1">
+  <p:cSld name="Title &amp; 2-color Non-bulleted text">
     <p:spTree>
       <p:nvGrpSpPr>
         <p:cNvPr id="1" name=""/>
@@ -7178,7 +7184,7 @@
     </p:spTree>
     <p:extLst>
       <p:ext uri="{BB962C8B-B14F-4D97-AF65-F5344CB8AC3E}">
-        <p14:creationId xmlns:p14="http://schemas.microsoft.com/office/powerpoint/2010/main" val="1368051134"/>
+        <p14:creationId xmlns:p14="http://schemas.microsoft.com/office/powerpoint/2010/main" val="3845859015"/>
       </p:ext>
     </p:extLst>
   </p:cSld>
@@ -7192,8 +7198,8 @@
 </file>
 
 <file path=ppt/slideLayouts/slideLayout28.xml><?xml version="1.0" encoding="utf-8"?>
-<p:sldLayout xmlns:a="http://schemas.openxmlformats.org/drawingml/2006/main" xmlns:r="http://schemas.openxmlformats.org/officeDocument/2006/relationships" xmlns:p="http://schemas.openxmlformats.org/presentationml/2006/main" preserve="1" userDrawn="1">
-  <p:cSld name="1_Title and Content">
+<p:sldLayout xmlns:a="http://schemas.openxmlformats.org/drawingml/2006/main" xmlns:r="http://schemas.openxmlformats.org/officeDocument/2006/relationships" xmlns:p="http://schemas.openxmlformats.org/presentationml/2006/main" userDrawn="1">
+  <p:cSld name="Title and Content">
     <p:spTree>
       <p:nvGrpSpPr>
         <p:cNvPr id="1" name=""/>
@@ -7327,7 +7333,7 @@
     </p:spTree>
     <p:extLst>
       <p:ext uri="{BB962C8B-B14F-4D97-AF65-F5344CB8AC3E}">
-        <p14:creationId xmlns:p14="http://schemas.microsoft.com/office/powerpoint/2010/main" val="20216221"/>
+        <p14:creationId xmlns:p14="http://schemas.microsoft.com/office/powerpoint/2010/main" val="2439250095"/>
       </p:ext>
     </p:extLst>
   </p:cSld>
@@ -14236,9 +14242,9 @@
     <p:sldLayoutId id="2147484545" r:id="rId23"/>
     <p:sldLayoutId id="2147484546" r:id="rId24"/>
     <p:sldLayoutId id="2147484299" r:id="rId25"/>
-    <p:sldLayoutId id="2147484559" r:id="rId26"/>
-    <p:sldLayoutId id="2147484560" r:id="rId27"/>
-    <p:sldLayoutId id="2147484561" r:id="rId28"/>
+    <p:sldLayoutId id="2147484552" r:id="rId26"/>
+    <p:sldLayoutId id="2147484556" r:id="rId27"/>
+    <p:sldLayoutId id="2147484559" r:id="rId28"/>
   </p:sldLayoutIdLst>
   <p:transition>
     <p:fade/>
@@ -15225,7 +15231,7 @@
     </p:spTree>
     <p:extLst>
       <p:ext uri="{BB962C8B-B14F-4D97-AF65-F5344CB8AC3E}">
-        <p14:creationId xmlns:p14="http://schemas.microsoft.com/office/powerpoint/2010/main" val="2050046902"/>
+        <p14:creationId xmlns:p14="http://schemas.microsoft.com/office/powerpoint/2010/main" val="1619244268"/>
       </p:ext>
     </p:extLst>
   </p:cSld>
@@ -16083,7 +16089,7 @@
     </p:spTree>
     <p:extLst>
       <p:ext uri="{BB962C8B-B14F-4D97-AF65-F5344CB8AC3E}">
-        <p14:creationId xmlns:p14="http://schemas.microsoft.com/office/powerpoint/2010/main" val="1745997778"/>
+        <p14:creationId xmlns:p14="http://schemas.microsoft.com/office/powerpoint/2010/main" val="535631507"/>
       </p:ext>
     </p:extLst>
   </p:cSld>
@@ -16674,7 +16680,7 @@
     </p:spTree>
     <p:extLst>
       <p:ext uri="{BB962C8B-B14F-4D97-AF65-F5344CB8AC3E}">
-        <p14:creationId xmlns:p14="http://schemas.microsoft.com/office/powerpoint/2010/main" val="616216480"/>
+        <p14:creationId xmlns:p14="http://schemas.microsoft.com/office/powerpoint/2010/main" val="4068060436"/>
       </p:ext>
     </p:extLst>
   </p:cSld>
@@ -17441,7 +17447,7 @@
     </p:spTree>
     <p:extLst>
       <p:ext uri="{BB962C8B-B14F-4D97-AF65-F5344CB8AC3E}">
-        <p14:creationId xmlns:p14="http://schemas.microsoft.com/office/powerpoint/2010/main" val="3459404198"/>
+        <p14:creationId xmlns:p14="http://schemas.microsoft.com/office/powerpoint/2010/main" val="805045749"/>
       </p:ext>
     </p:extLst>
   </p:cSld>

--- a/02 spfx sprest crud.pptx
+++ b/02 spfx sprest crud.pptx
@@ -284,7 +284,7 @@
               <a:rPr lang="en-US" smtClean="0">
                 <a:latin typeface="Segoe UI" pitchFamily="34" charset="0"/>
               </a:rPr>
-              <a:t>12/20/2018 9:08 PM</a:t>
+              <a:t>1/7/19 3:45 PM</a:t>
             </a:fld>
             <a:endParaRPr lang="en-US" dirty="0">
               <a:latin typeface="Segoe UI" pitchFamily="34" charset="0"/>
@@ -581,7 +581,7 @@
           <a:p>
             <a:fld id="{D18B56EA-E28F-4F92-9F16-7A6F2501B303}" type="datetime8">
               <a:rPr lang="en-US" smtClean="0"/>
-              <a:t>12/20/2018 9:08 PM</a:t>
+              <a:t>1/7/19 3:45 PM</a:t>
             </a:fld>
             <a:endParaRPr lang="en-US" dirty="0"/>
           </a:p>
@@ -964,7 +964,7 @@
           <a:p>
             <a:fld id="{D18B56EA-E28F-4F92-9F16-7A6F2501B303}" type="datetime8">
               <a:rPr lang="en-US" smtClean="0"/>
-              <a:t>12/20/2018 9:08 PM</a:t>
+              <a:t>1/7/19 3:45 PM</a:t>
             </a:fld>
             <a:endParaRPr lang="en-US" dirty="0"/>
           </a:p>
@@ -1145,7 +1145,7 @@
           <a:p>
             <a:fld id="{D18B56EA-E28F-4F92-9F16-7A6F2501B303}" type="datetime8">
               <a:rPr lang="en-US" smtClean="0"/>
-              <a:t>12/20/2018 9:08 PM</a:t>
+              <a:t>1/7/19 3:45 PM</a:t>
             </a:fld>
             <a:endParaRPr lang="en-US" dirty="0"/>
           </a:p>
@@ -1488,7 +1488,7 @@
           <a:p>
             <a:fld id="{D18B56EA-E28F-4F92-9F16-7A6F2501B303}" type="datetime8">
               <a:rPr lang="en-US" smtClean="0"/>
-              <a:t>12/20/2018 9:09 PM</a:t>
+              <a:t>1/7/19 3:45 PM</a:t>
             </a:fld>
             <a:endParaRPr lang="en-US" dirty="0"/>
           </a:p>
@@ -1669,7 +1669,7 @@
           <a:p>
             <a:fld id="{D18B56EA-E28F-4F92-9F16-7A6F2501B303}" type="datetime8">
               <a:rPr lang="en-US" smtClean="0"/>
-              <a:t>12/20/2018 9:10 PM</a:t>
+              <a:t>1/7/19 3:45 PM</a:t>
             </a:fld>
             <a:endParaRPr lang="en-US" dirty="0"/>
           </a:p>
@@ -1850,7 +1850,7 @@
           <a:p>
             <a:fld id="{D18B56EA-E28F-4F92-9F16-7A6F2501B303}" type="datetime8">
               <a:rPr lang="en-US" smtClean="0"/>
-              <a:t>12/20/2018 9:10 PM</a:t>
+              <a:t>1/7/19 3:45 PM</a:t>
             </a:fld>
             <a:endParaRPr lang="en-US" dirty="0"/>
           </a:p>
@@ -2031,7 +2031,7 @@
           <a:p>
             <a:fld id="{D18B56EA-E28F-4F92-9F16-7A6F2501B303}" type="datetime8">
               <a:rPr lang="en-US" smtClean="0"/>
-              <a:t>12/20/2018 9:10 PM</a:t>
+              <a:t>1/7/19 3:45 PM</a:t>
             </a:fld>
             <a:endParaRPr lang="en-US" dirty="0"/>
           </a:p>

--- a/02 spfx sprest crud.pptx
+++ b/02 spfx sprest crud.pptx
@@ -284,7 +284,7 @@
               <a:rPr lang="en-US" smtClean="0">
                 <a:latin typeface="Segoe UI" pitchFamily="34" charset="0"/>
               </a:rPr>
-              <a:t>12/20/2018 9:08 PM</a:t>
+              <a:t>1/17/2019 4:18 PM</a:t>
             </a:fld>
             <a:endParaRPr lang="en-US" dirty="0">
               <a:latin typeface="Segoe UI" pitchFamily="34" charset="0"/>
@@ -581,7 +581,7 @@
           <a:p>
             <a:fld id="{D18B56EA-E28F-4F92-9F16-7A6F2501B303}" type="datetime8">
               <a:rPr lang="en-US" smtClean="0"/>
-              <a:t>12/20/2018 9:08 PM</a:t>
+              <a:t>1/17/2019 4:17 PM</a:t>
             </a:fld>
             <a:endParaRPr lang="en-US" dirty="0"/>
           </a:p>
@@ -964,7 +964,7 @@
           <a:p>
             <a:fld id="{D18B56EA-E28F-4F92-9F16-7A6F2501B303}" type="datetime8">
               <a:rPr lang="en-US" smtClean="0"/>
-              <a:t>12/20/2018 9:08 PM</a:t>
+              <a:t>1/17/2019 4:17 PM</a:t>
             </a:fld>
             <a:endParaRPr lang="en-US" dirty="0"/>
           </a:p>
@@ -1145,7 +1145,7 @@
           <a:p>
             <a:fld id="{D18B56EA-E28F-4F92-9F16-7A6F2501B303}" type="datetime8">
               <a:rPr lang="en-US" smtClean="0"/>
-              <a:t>12/20/2018 9:08 PM</a:t>
+              <a:t>1/17/2019 4:17 PM</a:t>
             </a:fld>
             <a:endParaRPr lang="en-US" dirty="0"/>
           </a:p>
@@ -1488,7 +1488,7 @@
           <a:p>
             <a:fld id="{D18B56EA-E28F-4F92-9F16-7A6F2501B303}" type="datetime8">
               <a:rPr lang="en-US" smtClean="0"/>
-              <a:t>12/20/2018 9:09 PM</a:t>
+              <a:t>1/17/2019 4:17 PM</a:t>
             </a:fld>
             <a:endParaRPr lang="en-US" dirty="0"/>
           </a:p>
@@ -1669,7 +1669,7 @@
           <a:p>
             <a:fld id="{D18B56EA-E28F-4F92-9F16-7A6F2501B303}" type="datetime8">
               <a:rPr lang="en-US" smtClean="0"/>
-              <a:t>12/20/2018 9:10 PM</a:t>
+              <a:t>1/17/2019 4:17 PM</a:t>
             </a:fld>
             <a:endParaRPr lang="en-US" dirty="0"/>
           </a:p>
@@ -1850,7 +1850,7 @@
           <a:p>
             <a:fld id="{D18B56EA-E28F-4F92-9F16-7A6F2501B303}" type="datetime8">
               <a:rPr lang="en-US" smtClean="0"/>
-              <a:t>12/20/2018 9:10 PM</a:t>
+              <a:t>1/17/2019 4:17 PM</a:t>
             </a:fld>
             <a:endParaRPr lang="en-US" dirty="0"/>
           </a:p>
@@ -2031,7 +2031,7 @@
           <a:p>
             <a:fld id="{D18B56EA-E28F-4F92-9F16-7A6F2501B303}" type="datetime8">
               <a:rPr lang="en-US" smtClean="0"/>
-              <a:t>12/20/2018 9:10 PM</a:t>
+              <a:t>1/17/2019 4:17 PM</a:t>
             </a:fld>
             <a:endParaRPr lang="en-US" dirty="0"/>
           </a:p>
@@ -16507,7 +16507,12 @@
             <p:ph type="body" sz="quarter" idx="10"/>
           </p:nvPr>
         </p:nvSpPr>
-        <p:spPr/>
+        <p:spPr>
+          <a:xfrm>
+            <a:off x="464400" y="1212850"/>
+            <a:ext cx="11574000" cy="3878369"/>
+          </a:xfrm>
+        </p:spPr>
         <p:txBody>
           <a:bodyPr/>
           <a:lstStyle/>
@@ -16563,7 +16568,11 @@
             </a:r>
             <a:r>
               <a:rPr lang="en-US" sz="2000" dirty="0"/>
-              <a:t>: specify version of the item on the server to be updated / deleted</a:t>
+              <a:t>: specify version of the item on the server to be updated </a:t>
+            </a:r>
+            <a:r>
+              <a:rPr lang="en-US" sz="2000"/>
+              <a:t>/ deleted </a:t>
             </a:r>
             <a:endParaRPr lang="en-US" sz="2000" dirty="0">
               <a:latin typeface="Courier New" panose="02070309020205020404" pitchFamily="49" charset="0"/>

--- a/02 spfx sprest crud.pptx
+++ b/02 spfx sprest crud.pptx
@@ -284,7 +284,7 @@
               <a:rPr lang="en-US" smtClean="0">
                 <a:latin typeface="Segoe UI" pitchFamily="34" charset="0"/>
               </a:rPr>
-              <a:t>1/17/2019 4:18 PM</a:t>
+              <a:t>3/8/2019 7:00 PM</a:t>
             </a:fld>
             <a:endParaRPr lang="en-US" dirty="0">
               <a:latin typeface="Segoe UI" pitchFamily="34" charset="0"/>
@@ -581,7 +581,7 @@
           <a:p>
             <a:fld id="{D18B56EA-E28F-4F92-9F16-7A6F2501B303}" type="datetime8">
               <a:rPr lang="en-US" smtClean="0"/>
-              <a:t>1/17/2019 4:17 PM</a:t>
+              <a:t>3/8/2019 6:58 PM</a:t>
             </a:fld>
             <a:endParaRPr lang="en-US" dirty="0"/>
           </a:p>
@@ -964,7 +964,7 @@
           <a:p>
             <a:fld id="{D18B56EA-E28F-4F92-9F16-7A6F2501B303}" type="datetime8">
               <a:rPr lang="en-US" smtClean="0"/>
-              <a:t>1/17/2019 4:17 PM</a:t>
+              <a:t>3/8/2019 6:58 PM</a:t>
             </a:fld>
             <a:endParaRPr lang="en-US" dirty="0"/>
           </a:p>
@@ -1145,7 +1145,7 @@
           <a:p>
             <a:fld id="{D18B56EA-E28F-4F92-9F16-7A6F2501B303}" type="datetime8">
               <a:rPr lang="en-US" smtClean="0"/>
-              <a:t>1/17/2019 4:17 PM</a:t>
+              <a:t>3/8/2019 6:58 PM</a:t>
             </a:fld>
             <a:endParaRPr lang="en-US" dirty="0"/>
           </a:p>
@@ -1488,7 +1488,7 @@
           <a:p>
             <a:fld id="{D18B56EA-E28F-4F92-9F16-7A6F2501B303}" type="datetime8">
               <a:rPr lang="en-US" smtClean="0"/>
-              <a:t>1/17/2019 4:17 PM</a:t>
+              <a:t>3/8/2019 6:58 PM</a:t>
             </a:fld>
             <a:endParaRPr lang="en-US" dirty="0"/>
           </a:p>
@@ -1669,7 +1669,7 @@
           <a:p>
             <a:fld id="{D18B56EA-E28F-4F92-9F16-7A6F2501B303}" type="datetime8">
               <a:rPr lang="en-US" smtClean="0"/>
-              <a:t>1/17/2019 4:17 PM</a:t>
+              <a:t>3/8/2019 6:58 PM</a:t>
             </a:fld>
             <a:endParaRPr lang="en-US" dirty="0"/>
           </a:p>
@@ -1850,7 +1850,7 @@
           <a:p>
             <a:fld id="{D18B56EA-E28F-4F92-9F16-7A6F2501B303}" type="datetime8">
               <a:rPr lang="en-US" smtClean="0"/>
-              <a:t>1/17/2019 4:17 PM</a:t>
+              <a:t>3/8/2019 6:58 PM</a:t>
             </a:fld>
             <a:endParaRPr lang="en-US" dirty="0"/>
           </a:p>
@@ -2031,7 +2031,7 @@
           <a:p>
             <a:fld id="{D18B56EA-E28F-4F92-9F16-7A6F2501B303}" type="datetime8">
               <a:rPr lang="en-US" smtClean="0"/>
-              <a:t>1/17/2019 4:17 PM</a:t>
+              <a:t>3/8/2019 6:58 PM</a:t>
             </a:fld>
             <a:endParaRPr lang="en-US" dirty="0"/>
           </a:p>
@@ -15936,7 +15936,7 @@
               <a:rPr lang="en-US" sz="1800" dirty="0">
                 <a:latin typeface="+mj-lt"/>
               </a:rPr>
-              <a:t>SharePoint Framework</a:t>
+              <a:t>Overview of the SharePoint Framework</a:t>
             </a:r>
           </a:p>
           <a:p>
@@ -15955,7 +15955,7 @@
                 <a:latin typeface="+mj-lt"/>
                 <a:hlinkClick r:id="rId3"/>
               </a:rPr>
-              <a:t>https://docs.microsoft.com/sharepoint/dev/spfx</a:t>
+              <a:t>https://docs.microsoft.com/sharepoint/dev/spfx/sharepoint-framework-overview</a:t>
             </a:r>
             <a:endParaRPr lang="en-US" sz="1800" dirty="0">
               <a:latin typeface="+mj-lt"/>

--- a/02 spfx sprest crud.pptx
+++ b/02 spfx sprest crud.pptx
@@ -284,7 +284,7 @@
               <a:rPr lang="en-US" smtClean="0">
                 <a:latin typeface="Segoe UI" pitchFamily="34" charset="0"/>
               </a:rPr>
-              <a:t>3/8/2019 7:00 PM</a:t>
+              <a:t>3/4/20 5:23 PM</a:t>
             </a:fld>
             <a:endParaRPr lang="en-US" dirty="0">
               <a:latin typeface="Segoe UI" pitchFamily="34" charset="0"/>
@@ -581,7 +581,7 @@
           <a:p>
             <a:fld id="{D18B56EA-E28F-4F92-9F16-7A6F2501B303}" type="datetime8">
               <a:rPr lang="en-US" smtClean="0"/>
-              <a:t>3/8/2019 6:58 PM</a:t>
+              <a:t>3/4/20 5:23 PM</a:t>
             </a:fld>
             <a:endParaRPr lang="en-US" dirty="0"/>
           </a:p>
@@ -964,7 +964,7 @@
           <a:p>
             <a:fld id="{D18B56EA-E28F-4F92-9F16-7A6F2501B303}" type="datetime8">
               <a:rPr lang="en-US" smtClean="0"/>
-              <a:t>3/8/2019 6:58 PM</a:t>
+              <a:t>3/4/20 5:23 PM</a:t>
             </a:fld>
             <a:endParaRPr lang="en-US" dirty="0"/>
           </a:p>
@@ -998,6 +998,921 @@
     <p:extLst>
       <p:ext uri="{BB962C8B-B14F-4D97-AF65-F5344CB8AC3E}">
         <p14:creationId xmlns:p14="http://schemas.microsoft.com/office/powerpoint/2010/main" val="909857904"/>
+      </p:ext>
+    </p:extLst>
+  </p:cSld>
+  <p:clrMapOvr>
+    <a:masterClrMapping/>
+  </p:clrMapOvr>
+</p:notes>
+</file>
+
+<file path=ppt/notesSlides/notesSlide10.xml><?xml version="1.0" encoding="utf-8"?>
+<p:notes xmlns:a="http://schemas.openxmlformats.org/drawingml/2006/main" xmlns:r="http://schemas.openxmlformats.org/officeDocument/2006/relationships" xmlns:p="http://schemas.openxmlformats.org/presentationml/2006/main">
+  <p:cSld>
+    <p:spTree>
+      <p:nvGrpSpPr>
+        <p:cNvPr id="1" name=""/>
+        <p:cNvGrpSpPr/>
+        <p:nvPr/>
+      </p:nvGrpSpPr>
+      <p:grpSpPr>
+        <a:xfrm>
+          <a:off x="0" y="0"/>
+          <a:ext cx="0" cy="0"/>
+          <a:chOff x="0" y="0"/>
+          <a:chExt cx="0" cy="0"/>
+        </a:xfrm>
+      </p:grpSpPr>
+      <p:sp>
+        <p:nvSpPr>
+          <p:cNvPr id="2" name="Slide Image Placeholder 1"/>
+          <p:cNvSpPr>
+            <a:spLocks noGrp="1" noRot="1" noChangeAspect="1"/>
+          </p:cNvSpPr>
+          <p:nvPr>
+            <p:ph type="sldImg"/>
+          </p:nvPr>
+        </p:nvSpPr>
+        <p:spPr/>
+      </p:sp>
+      <p:sp>
+        <p:nvSpPr>
+          <p:cNvPr id="3" name="Notes Placeholder 2"/>
+          <p:cNvSpPr>
+            <a:spLocks noGrp="1"/>
+          </p:cNvSpPr>
+          <p:nvPr>
+            <p:ph type="body" idx="1"/>
+          </p:nvPr>
+        </p:nvSpPr>
+        <p:spPr/>
+        <p:txBody>
+          <a:bodyPr/>
+          <a:lstStyle/>
+          <a:p>
+            <a:r>
+              <a:rPr lang="en-US" dirty="0"/>
+              <a:t>The following TypeScript method demonstrates how to delete an item in a SharePoint list. After first obtaining an item from a list, it then modifies the request using the HTTP request headers `IF-MATCH` and `X-HTTP-METHOD` are added as previously discussed.</a:t>
+            </a:r>
+          </a:p>
+          <a:p>
+            <a:endParaRPr lang="en-US" dirty="0"/>
+          </a:p>
+        </p:txBody>
+      </p:sp>
+      <p:sp>
+        <p:nvSpPr>
+          <p:cNvPr id="4" name="Header Placeholder 3"/>
+          <p:cNvSpPr>
+            <a:spLocks noGrp="1"/>
+          </p:cNvSpPr>
+          <p:nvPr>
+            <p:ph type="hdr" sz="quarter"/>
+          </p:nvPr>
+        </p:nvSpPr>
+        <p:spPr/>
+        <p:txBody>
+          <a:bodyPr/>
+          <a:lstStyle/>
+          <a:p>
+            <a:r>
+              <a:rPr lang="en-US"/>
+              <a:t>SharePoint Framework</a:t>
+            </a:r>
+            <a:endParaRPr lang="en-US" dirty="0"/>
+          </a:p>
+        </p:txBody>
+      </p:sp>
+      <p:sp>
+        <p:nvSpPr>
+          <p:cNvPr id="5" name="Footer Placeholder 4"/>
+          <p:cNvSpPr>
+            <a:spLocks noGrp="1"/>
+          </p:cNvSpPr>
+          <p:nvPr>
+            <p:ph type="ftr" sz="quarter" idx="4"/>
+          </p:nvPr>
+        </p:nvSpPr>
+        <p:spPr/>
+        <p:txBody>
+          <a:bodyPr/>
+          <a:lstStyle/>
+          <a:p>
+            <a:pPr defTabSz="914099" eaLnBrk="0" hangingPunct="0"/>
+            <a:r>
+              <a:rPr lang="en-US" sz="400">
+                <a:gradFill>
+                  <a:gsLst>
+                    <a:gs pos="0">
+                      <a:prstClr val="black"/>
+                    </a:gs>
+                    <a:gs pos="100000">
+                      <a:prstClr val="black"/>
+                    </a:gs>
+                  </a:gsLst>
+                  <a:lin ang="5400000" scaled="0"/>
+                </a:gradFill>
+                <a:latin typeface="Segoe UI" pitchFamily="34" charset="0"/>
+                <a:ea typeface="Segoe UI" pitchFamily="34" charset="0"/>
+                <a:cs typeface="Segoe UI" pitchFamily="34" charset="0"/>
+              </a:rPr>
+              <a:t>© Microsoft Corporation. All rights reserved. MICROSOFT MAKES NO WARRANTIES, EXPRESS, IMPLIED OR STATUTORY, AS TO THE INFORMATION IN THIS PRESENTATION.</a:t>
+            </a:r>
+            <a:endParaRPr lang="en-US" sz="400" dirty="0">
+              <a:gradFill>
+                <a:gsLst>
+                  <a:gs pos="0">
+                    <a:prstClr val="black"/>
+                  </a:gs>
+                  <a:gs pos="100000">
+                    <a:prstClr val="black"/>
+                  </a:gs>
+                </a:gsLst>
+                <a:lin ang="5400000" scaled="0"/>
+              </a:gradFill>
+              <a:latin typeface="Segoe UI" pitchFamily="34" charset="0"/>
+              <a:ea typeface="Segoe UI" pitchFamily="34" charset="0"/>
+              <a:cs typeface="Segoe UI" pitchFamily="34" charset="0"/>
+            </a:endParaRPr>
+          </a:p>
+        </p:txBody>
+      </p:sp>
+      <p:sp>
+        <p:nvSpPr>
+          <p:cNvPr id="6" name="Date Placeholder 5"/>
+          <p:cNvSpPr>
+            <a:spLocks noGrp="1"/>
+          </p:cNvSpPr>
+          <p:nvPr>
+            <p:ph type="dt" idx="1"/>
+          </p:nvPr>
+        </p:nvSpPr>
+        <p:spPr/>
+        <p:txBody>
+          <a:bodyPr/>
+          <a:lstStyle/>
+          <a:p>
+            <a:fld id="{D18B56EA-E28F-4F92-9F16-7A6F2501B303}" type="datetime8">
+              <a:rPr lang="en-US" smtClean="0"/>
+              <a:t>3/4/20 6:18 PM</a:t>
+            </a:fld>
+            <a:endParaRPr lang="en-US" dirty="0"/>
+          </a:p>
+        </p:txBody>
+      </p:sp>
+      <p:sp>
+        <p:nvSpPr>
+          <p:cNvPr id="7" name="Slide Number Placeholder 6"/>
+          <p:cNvSpPr>
+            <a:spLocks noGrp="1"/>
+          </p:cNvSpPr>
+          <p:nvPr>
+            <p:ph type="sldNum" sz="quarter" idx="5"/>
+          </p:nvPr>
+        </p:nvSpPr>
+        <p:spPr/>
+        <p:txBody>
+          <a:bodyPr/>
+          <a:lstStyle/>
+          <a:p>
+            <a:fld id="{B4008EB6-D09E-4580-8CD6-DDB14511944F}" type="slidenum">
+              <a:rPr lang="en-US" smtClean="0"/>
+              <a:pPr/>
+              <a:t>10</a:t>
+            </a:fld>
+            <a:endParaRPr lang="en-US" dirty="0"/>
+          </a:p>
+        </p:txBody>
+      </p:sp>
+    </p:spTree>
+    <p:extLst>
+      <p:ext uri="{BB962C8B-B14F-4D97-AF65-F5344CB8AC3E}">
+        <p14:creationId xmlns:p14="http://schemas.microsoft.com/office/powerpoint/2010/main" val="505683733"/>
+      </p:ext>
+    </p:extLst>
+  </p:cSld>
+  <p:clrMapOvr>
+    <a:masterClrMapping/>
+  </p:clrMapOvr>
+</p:notes>
+</file>
+
+<file path=ppt/notesSlides/notesSlide11.xml><?xml version="1.0" encoding="utf-8"?>
+<p:notes xmlns:a="http://schemas.openxmlformats.org/drawingml/2006/main" xmlns:r="http://schemas.openxmlformats.org/officeDocument/2006/relationships" xmlns:p="http://schemas.openxmlformats.org/presentationml/2006/main">
+  <p:cSld>
+    <p:spTree>
+      <p:nvGrpSpPr>
+        <p:cNvPr id="1" name=""/>
+        <p:cNvGrpSpPr/>
+        <p:nvPr/>
+      </p:nvGrpSpPr>
+      <p:grpSpPr>
+        <a:xfrm>
+          <a:off x="0" y="0"/>
+          <a:ext cx="0" cy="0"/>
+          <a:chOff x="0" y="0"/>
+          <a:chExt cx="0" cy="0"/>
+        </a:xfrm>
+      </p:grpSpPr>
+      <p:sp>
+        <p:nvSpPr>
+          <p:cNvPr id="2" name="Slide Image Placeholder 1"/>
+          <p:cNvSpPr>
+            <a:spLocks noGrp="1" noRot="1" noChangeAspect="1"/>
+          </p:cNvSpPr>
+          <p:nvPr>
+            <p:ph type="sldImg"/>
+          </p:nvPr>
+        </p:nvSpPr>
+        <p:spPr/>
+      </p:sp>
+      <p:sp>
+        <p:nvSpPr>
+          <p:cNvPr id="3" name="Notes Placeholder 2"/>
+          <p:cNvSpPr>
+            <a:spLocks noGrp="1"/>
+          </p:cNvSpPr>
+          <p:nvPr>
+            <p:ph type="body" idx="1"/>
+          </p:nvPr>
+        </p:nvSpPr>
+        <p:spPr/>
+        <p:txBody>
+          <a:bodyPr/>
+          <a:lstStyle/>
+          <a:p>
+            <a:endParaRPr lang="en-US" dirty="0"/>
+          </a:p>
+        </p:txBody>
+      </p:sp>
+      <p:sp>
+        <p:nvSpPr>
+          <p:cNvPr id="4" name="Header Placeholder 3"/>
+          <p:cNvSpPr>
+            <a:spLocks noGrp="1"/>
+          </p:cNvSpPr>
+          <p:nvPr>
+            <p:ph type="hdr" sz="quarter" idx="10"/>
+          </p:nvPr>
+        </p:nvSpPr>
+        <p:spPr/>
+        <p:txBody>
+          <a:bodyPr/>
+          <a:lstStyle/>
+          <a:p>
+            <a:endParaRPr lang="en-US" dirty="0"/>
+          </a:p>
+        </p:txBody>
+      </p:sp>
+      <p:sp>
+        <p:nvSpPr>
+          <p:cNvPr id="5" name="Footer Placeholder 4"/>
+          <p:cNvSpPr>
+            <a:spLocks noGrp="1"/>
+          </p:cNvSpPr>
+          <p:nvPr>
+            <p:ph type="ftr" sz="quarter" idx="11"/>
+          </p:nvPr>
+        </p:nvSpPr>
+        <p:spPr/>
+        <p:txBody>
+          <a:bodyPr/>
+          <a:lstStyle/>
+          <a:p>
+            <a:pPr defTabSz="914099" eaLnBrk="0" hangingPunct="0"/>
+            <a:r>
+              <a:rPr lang="en-US" sz="400">
+                <a:gradFill>
+                  <a:gsLst>
+                    <a:gs pos="0">
+                      <a:prstClr val="black"/>
+                    </a:gs>
+                    <a:gs pos="100000">
+                      <a:prstClr val="black"/>
+                    </a:gs>
+                  </a:gsLst>
+                  <a:lin ang="5400000" scaled="0"/>
+                </a:gradFill>
+                <a:latin typeface="Segoe UI" pitchFamily="34" charset="0"/>
+                <a:ea typeface="Segoe UI" pitchFamily="34" charset="0"/>
+                <a:cs typeface="Segoe UI" pitchFamily="34" charset="0"/>
+              </a:rPr>
+              <a:t>© Microsoft Corporation. All rights reserved. MICROSOFT MAKES NO WARRANTIES, EXPRESS, IMPLIED OR STATUTORY, AS TO THE INFORMATION IN THIS PRESENTATION.</a:t>
+            </a:r>
+            <a:endParaRPr lang="en-US" sz="400" dirty="0">
+              <a:gradFill>
+                <a:gsLst>
+                  <a:gs pos="0">
+                    <a:prstClr val="black"/>
+                  </a:gs>
+                  <a:gs pos="100000">
+                    <a:prstClr val="black"/>
+                  </a:gs>
+                </a:gsLst>
+                <a:lin ang="5400000" scaled="0"/>
+              </a:gradFill>
+              <a:latin typeface="Segoe UI" pitchFamily="34" charset="0"/>
+              <a:ea typeface="Segoe UI" pitchFamily="34" charset="0"/>
+              <a:cs typeface="Segoe UI" pitchFamily="34" charset="0"/>
+            </a:endParaRPr>
+          </a:p>
+        </p:txBody>
+      </p:sp>
+      <p:sp>
+        <p:nvSpPr>
+          <p:cNvPr id="6" name="Date Placeholder 5"/>
+          <p:cNvSpPr>
+            <a:spLocks noGrp="1"/>
+          </p:cNvSpPr>
+          <p:nvPr>
+            <p:ph type="dt" idx="12"/>
+          </p:nvPr>
+        </p:nvSpPr>
+        <p:spPr/>
+        <p:txBody>
+          <a:bodyPr/>
+          <a:lstStyle/>
+          <a:p>
+            <a:fld id="{D18B56EA-E28F-4F92-9F16-7A6F2501B303}" type="datetime8">
+              <a:rPr lang="en-US" smtClean="0"/>
+              <a:t>3/4/20 5:23 PM</a:t>
+            </a:fld>
+            <a:endParaRPr lang="en-US" dirty="0"/>
+          </a:p>
+        </p:txBody>
+      </p:sp>
+      <p:sp>
+        <p:nvSpPr>
+          <p:cNvPr id="7" name="Slide Number Placeholder 6"/>
+          <p:cNvSpPr>
+            <a:spLocks noGrp="1"/>
+          </p:cNvSpPr>
+          <p:nvPr>
+            <p:ph type="sldNum" sz="quarter" idx="13"/>
+          </p:nvPr>
+        </p:nvSpPr>
+        <p:spPr/>
+        <p:txBody>
+          <a:bodyPr/>
+          <a:lstStyle/>
+          <a:p>
+            <a:fld id="{B4008EB6-D09E-4580-8CD6-DDB14511944F}" type="slidenum">
+              <a:rPr lang="en-US" smtClean="0"/>
+              <a:pPr/>
+              <a:t>11</a:t>
+            </a:fld>
+            <a:endParaRPr lang="en-US" dirty="0"/>
+          </a:p>
+        </p:txBody>
+      </p:sp>
+    </p:spTree>
+    <p:extLst>
+      <p:ext uri="{BB962C8B-B14F-4D97-AF65-F5344CB8AC3E}">
+        <p14:creationId xmlns:p14="http://schemas.microsoft.com/office/powerpoint/2010/main" val="1143990261"/>
+      </p:ext>
+    </p:extLst>
+  </p:cSld>
+  <p:clrMapOvr>
+    <a:masterClrMapping/>
+  </p:clrMapOvr>
+</p:notes>
+</file>
+
+<file path=ppt/notesSlides/notesSlide12.xml><?xml version="1.0" encoding="utf-8"?>
+<p:notes xmlns:a="http://schemas.openxmlformats.org/drawingml/2006/main" xmlns:r="http://schemas.openxmlformats.org/officeDocument/2006/relationships" xmlns:p="http://schemas.openxmlformats.org/presentationml/2006/main">
+  <p:cSld>
+    <p:spTree>
+      <p:nvGrpSpPr>
+        <p:cNvPr id="1" name=""/>
+        <p:cNvGrpSpPr/>
+        <p:nvPr/>
+      </p:nvGrpSpPr>
+      <p:grpSpPr>
+        <a:xfrm>
+          <a:off x="0" y="0"/>
+          <a:ext cx="0" cy="0"/>
+          <a:chOff x="0" y="0"/>
+          <a:chExt cx="0" cy="0"/>
+        </a:xfrm>
+      </p:grpSpPr>
+      <p:sp>
+        <p:nvSpPr>
+          <p:cNvPr id="2" name="Slide Image Placeholder 1"/>
+          <p:cNvSpPr>
+            <a:spLocks noGrp="1" noRot="1" noChangeAspect="1"/>
+          </p:cNvSpPr>
+          <p:nvPr>
+            <p:ph type="sldImg"/>
+          </p:nvPr>
+        </p:nvSpPr>
+        <p:spPr/>
+      </p:sp>
+      <p:sp>
+        <p:nvSpPr>
+          <p:cNvPr id="3" name="Notes Placeholder 2"/>
+          <p:cNvSpPr>
+            <a:spLocks noGrp="1"/>
+          </p:cNvSpPr>
+          <p:nvPr>
+            <p:ph type="body" idx="1"/>
+          </p:nvPr>
+        </p:nvSpPr>
+        <p:spPr/>
+        <p:txBody>
+          <a:bodyPr/>
+          <a:lstStyle/>
+          <a:p>
+            <a:endParaRPr lang="en-US" dirty="0"/>
+          </a:p>
+        </p:txBody>
+      </p:sp>
+      <p:sp>
+        <p:nvSpPr>
+          <p:cNvPr id="4" name="Header Placeholder 3"/>
+          <p:cNvSpPr>
+            <a:spLocks noGrp="1"/>
+          </p:cNvSpPr>
+          <p:nvPr>
+            <p:ph type="hdr" sz="quarter" idx="10"/>
+          </p:nvPr>
+        </p:nvSpPr>
+        <p:spPr/>
+        <p:txBody>
+          <a:bodyPr/>
+          <a:lstStyle/>
+          <a:p>
+            <a:endParaRPr lang="en-US" dirty="0"/>
+          </a:p>
+        </p:txBody>
+      </p:sp>
+      <p:sp>
+        <p:nvSpPr>
+          <p:cNvPr id="5" name="Footer Placeholder 4"/>
+          <p:cNvSpPr>
+            <a:spLocks noGrp="1"/>
+          </p:cNvSpPr>
+          <p:nvPr>
+            <p:ph type="ftr" sz="quarter" idx="11"/>
+          </p:nvPr>
+        </p:nvSpPr>
+        <p:spPr/>
+        <p:txBody>
+          <a:bodyPr/>
+          <a:lstStyle/>
+          <a:p>
+            <a:pPr defTabSz="914099" eaLnBrk="0" hangingPunct="0"/>
+            <a:r>
+              <a:rPr lang="en-US" sz="400">
+                <a:gradFill>
+                  <a:gsLst>
+                    <a:gs pos="0">
+                      <a:prstClr val="black"/>
+                    </a:gs>
+                    <a:gs pos="100000">
+                      <a:prstClr val="black"/>
+                    </a:gs>
+                  </a:gsLst>
+                  <a:lin ang="5400000" scaled="0"/>
+                </a:gradFill>
+                <a:latin typeface="Segoe UI" pitchFamily="34" charset="0"/>
+                <a:ea typeface="Segoe UI" pitchFamily="34" charset="0"/>
+                <a:cs typeface="Segoe UI" pitchFamily="34" charset="0"/>
+              </a:rPr>
+              <a:t>© Microsoft Corporation. All rights reserved. MICROSOFT MAKES NO WARRANTIES, EXPRESS, IMPLIED OR STATUTORY, AS TO THE INFORMATION IN THIS PRESENTATION.</a:t>
+            </a:r>
+            <a:endParaRPr lang="en-US" sz="400" dirty="0">
+              <a:gradFill>
+                <a:gsLst>
+                  <a:gs pos="0">
+                    <a:prstClr val="black"/>
+                  </a:gs>
+                  <a:gs pos="100000">
+                    <a:prstClr val="black"/>
+                  </a:gs>
+                </a:gsLst>
+                <a:lin ang="5400000" scaled="0"/>
+              </a:gradFill>
+              <a:latin typeface="Segoe UI" pitchFamily="34" charset="0"/>
+              <a:ea typeface="Segoe UI" pitchFamily="34" charset="0"/>
+              <a:cs typeface="Segoe UI" pitchFamily="34" charset="0"/>
+            </a:endParaRPr>
+          </a:p>
+        </p:txBody>
+      </p:sp>
+      <p:sp>
+        <p:nvSpPr>
+          <p:cNvPr id="6" name="Date Placeholder 5"/>
+          <p:cNvSpPr>
+            <a:spLocks noGrp="1"/>
+          </p:cNvSpPr>
+          <p:nvPr>
+            <p:ph type="dt" idx="12"/>
+          </p:nvPr>
+        </p:nvSpPr>
+        <p:spPr/>
+        <p:txBody>
+          <a:bodyPr/>
+          <a:lstStyle/>
+          <a:p>
+            <a:fld id="{D18B56EA-E28F-4F92-9F16-7A6F2501B303}" type="datetime8">
+              <a:rPr lang="en-US" smtClean="0"/>
+              <a:t>3/4/20 5:23 PM</a:t>
+            </a:fld>
+            <a:endParaRPr lang="en-US" dirty="0"/>
+          </a:p>
+        </p:txBody>
+      </p:sp>
+      <p:sp>
+        <p:nvSpPr>
+          <p:cNvPr id="7" name="Slide Number Placeholder 6"/>
+          <p:cNvSpPr>
+            <a:spLocks noGrp="1"/>
+          </p:cNvSpPr>
+          <p:nvPr>
+            <p:ph type="sldNum" sz="quarter" idx="13"/>
+          </p:nvPr>
+        </p:nvSpPr>
+        <p:spPr/>
+        <p:txBody>
+          <a:bodyPr/>
+          <a:lstStyle/>
+          <a:p>
+            <a:fld id="{B4008EB6-D09E-4580-8CD6-DDB14511944F}" type="slidenum">
+              <a:rPr lang="en-US" smtClean="0"/>
+              <a:pPr/>
+              <a:t>13</a:t>
+            </a:fld>
+            <a:endParaRPr lang="en-US" dirty="0"/>
+          </a:p>
+        </p:txBody>
+      </p:sp>
+    </p:spTree>
+    <p:extLst>
+      <p:ext uri="{BB962C8B-B14F-4D97-AF65-F5344CB8AC3E}">
+        <p14:creationId xmlns:p14="http://schemas.microsoft.com/office/powerpoint/2010/main" val="3282806226"/>
+      </p:ext>
+    </p:extLst>
+  </p:cSld>
+  <p:clrMapOvr>
+    <a:masterClrMapping/>
+  </p:clrMapOvr>
+</p:notes>
+</file>
+
+<file path=ppt/notesSlides/notesSlide13.xml><?xml version="1.0" encoding="utf-8"?>
+<p:notes xmlns:a="http://schemas.openxmlformats.org/drawingml/2006/main" xmlns:r="http://schemas.openxmlformats.org/officeDocument/2006/relationships" xmlns:p="http://schemas.openxmlformats.org/presentationml/2006/main">
+  <p:cSld>
+    <p:spTree>
+      <p:nvGrpSpPr>
+        <p:cNvPr id="1" name=""/>
+        <p:cNvGrpSpPr/>
+        <p:nvPr/>
+      </p:nvGrpSpPr>
+      <p:grpSpPr>
+        <a:xfrm>
+          <a:off x="0" y="0"/>
+          <a:ext cx="0" cy="0"/>
+          <a:chOff x="0" y="0"/>
+          <a:chExt cx="0" cy="0"/>
+        </a:xfrm>
+      </p:grpSpPr>
+      <p:sp>
+        <p:nvSpPr>
+          <p:cNvPr id="2" name="Slide Image Placeholder 1"/>
+          <p:cNvSpPr>
+            <a:spLocks noGrp="1" noRot="1" noChangeAspect="1"/>
+          </p:cNvSpPr>
+          <p:nvPr>
+            <p:ph type="sldImg"/>
+          </p:nvPr>
+        </p:nvSpPr>
+        <p:spPr/>
+      </p:sp>
+      <p:sp>
+        <p:nvSpPr>
+          <p:cNvPr id="3" name="Notes Placeholder 2"/>
+          <p:cNvSpPr>
+            <a:spLocks noGrp="1"/>
+          </p:cNvSpPr>
+          <p:nvPr>
+            <p:ph type="body" idx="1"/>
+          </p:nvPr>
+        </p:nvSpPr>
+        <p:spPr/>
+        <p:txBody>
+          <a:bodyPr/>
+          <a:lstStyle/>
+          <a:p>
+            <a:endParaRPr lang="en-US"/>
+          </a:p>
+        </p:txBody>
+      </p:sp>
+      <p:sp>
+        <p:nvSpPr>
+          <p:cNvPr id="4" name="Header Placeholder 3"/>
+          <p:cNvSpPr>
+            <a:spLocks noGrp="1"/>
+          </p:cNvSpPr>
+          <p:nvPr>
+            <p:ph type="hdr" sz="quarter" idx="10"/>
+          </p:nvPr>
+        </p:nvSpPr>
+        <p:spPr/>
+        <p:txBody>
+          <a:bodyPr/>
+          <a:lstStyle/>
+          <a:p>
+            <a:endParaRPr lang="en-US" dirty="0"/>
+          </a:p>
+        </p:txBody>
+      </p:sp>
+      <p:sp>
+        <p:nvSpPr>
+          <p:cNvPr id="5" name="Footer Placeholder 4"/>
+          <p:cNvSpPr>
+            <a:spLocks noGrp="1"/>
+          </p:cNvSpPr>
+          <p:nvPr>
+            <p:ph type="ftr" sz="quarter" idx="11"/>
+          </p:nvPr>
+        </p:nvSpPr>
+        <p:spPr/>
+        <p:txBody>
+          <a:bodyPr/>
+          <a:lstStyle/>
+          <a:p>
+            <a:pPr defTabSz="914099" eaLnBrk="0" hangingPunct="0"/>
+            <a:r>
+              <a:rPr lang="en-US" sz="400">
+                <a:gradFill>
+                  <a:gsLst>
+                    <a:gs pos="0">
+                      <a:prstClr val="black"/>
+                    </a:gs>
+                    <a:gs pos="100000">
+                      <a:prstClr val="black"/>
+                    </a:gs>
+                  </a:gsLst>
+                  <a:lin ang="5400000" scaled="0"/>
+                </a:gradFill>
+                <a:latin typeface="Segoe UI" pitchFamily="34" charset="0"/>
+                <a:ea typeface="Segoe UI" pitchFamily="34" charset="0"/>
+                <a:cs typeface="Segoe UI" pitchFamily="34" charset="0"/>
+              </a:rPr>
+              <a:t>© Microsoft Corporation. All rights reserved. MICROSOFT MAKES NO WARRANTIES, EXPRESS, IMPLIED OR STATUTORY, AS TO THE INFORMATION IN THIS PRESENTATION.</a:t>
+            </a:r>
+            <a:endParaRPr lang="en-US" sz="400" dirty="0">
+              <a:gradFill>
+                <a:gsLst>
+                  <a:gs pos="0">
+                    <a:prstClr val="black"/>
+                  </a:gs>
+                  <a:gs pos="100000">
+                    <a:prstClr val="black"/>
+                  </a:gs>
+                </a:gsLst>
+                <a:lin ang="5400000" scaled="0"/>
+              </a:gradFill>
+              <a:latin typeface="Segoe UI" pitchFamily="34" charset="0"/>
+              <a:ea typeface="Segoe UI" pitchFamily="34" charset="0"/>
+              <a:cs typeface="Segoe UI" pitchFamily="34" charset="0"/>
+            </a:endParaRPr>
+          </a:p>
+        </p:txBody>
+      </p:sp>
+      <p:sp>
+        <p:nvSpPr>
+          <p:cNvPr id="6" name="Date Placeholder 5"/>
+          <p:cNvSpPr>
+            <a:spLocks noGrp="1"/>
+          </p:cNvSpPr>
+          <p:nvPr>
+            <p:ph type="dt" idx="12"/>
+          </p:nvPr>
+        </p:nvSpPr>
+        <p:spPr/>
+        <p:txBody>
+          <a:bodyPr/>
+          <a:lstStyle/>
+          <a:p>
+            <a:fld id="{D18B56EA-E28F-4F92-9F16-7A6F2501B303}" type="datetime8">
+              <a:rPr lang="en-US" smtClean="0"/>
+              <a:t>3/4/20 5:23 PM</a:t>
+            </a:fld>
+            <a:endParaRPr lang="en-US" dirty="0"/>
+          </a:p>
+        </p:txBody>
+      </p:sp>
+      <p:sp>
+        <p:nvSpPr>
+          <p:cNvPr id="7" name="Slide Number Placeholder 6"/>
+          <p:cNvSpPr>
+            <a:spLocks noGrp="1"/>
+          </p:cNvSpPr>
+          <p:nvPr>
+            <p:ph type="sldNum" sz="quarter" idx="13"/>
+          </p:nvPr>
+        </p:nvSpPr>
+        <p:spPr/>
+        <p:txBody>
+          <a:bodyPr/>
+          <a:lstStyle/>
+          <a:p>
+            <a:fld id="{B4008EB6-D09E-4580-8CD6-DDB14511944F}" type="slidenum">
+              <a:rPr lang="en-US" smtClean="0"/>
+              <a:pPr/>
+              <a:t>14</a:t>
+            </a:fld>
+            <a:endParaRPr lang="en-US" dirty="0"/>
+          </a:p>
+        </p:txBody>
+      </p:sp>
+    </p:spTree>
+    <p:extLst>
+      <p:ext uri="{BB962C8B-B14F-4D97-AF65-F5344CB8AC3E}">
+        <p14:creationId xmlns:p14="http://schemas.microsoft.com/office/powerpoint/2010/main" val="2510823477"/>
+      </p:ext>
+    </p:extLst>
+  </p:cSld>
+  <p:clrMapOvr>
+    <a:masterClrMapping/>
+  </p:clrMapOvr>
+</p:notes>
+</file>
+
+<file path=ppt/notesSlides/notesSlide14.xml><?xml version="1.0" encoding="utf-8"?>
+<p:notes xmlns:a="http://schemas.openxmlformats.org/drawingml/2006/main" xmlns:r="http://schemas.openxmlformats.org/officeDocument/2006/relationships" xmlns:p="http://schemas.openxmlformats.org/presentationml/2006/main">
+  <p:cSld>
+    <p:spTree>
+      <p:nvGrpSpPr>
+        <p:cNvPr id="1" name=""/>
+        <p:cNvGrpSpPr/>
+        <p:nvPr/>
+      </p:nvGrpSpPr>
+      <p:grpSpPr>
+        <a:xfrm>
+          <a:off x="0" y="0"/>
+          <a:ext cx="0" cy="0"/>
+          <a:chOff x="0" y="0"/>
+          <a:chExt cx="0" cy="0"/>
+        </a:xfrm>
+      </p:grpSpPr>
+      <p:sp>
+        <p:nvSpPr>
+          <p:cNvPr id="2" name="Slide Image Placeholder 1"/>
+          <p:cNvSpPr>
+            <a:spLocks noGrp="1" noRot="1" noChangeAspect="1"/>
+          </p:cNvSpPr>
+          <p:nvPr>
+            <p:ph type="sldImg"/>
+          </p:nvPr>
+        </p:nvSpPr>
+        <p:spPr/>
+      </p:sp>
+      <p:sp>
+        <p:nvSpPr>
+          <p:cNvPr id="3" name="Notes Placeholder 2"/>
+          <p:cNvSpPr>
+            <a:spLocks noGrp="1"/>
+          </p:cNvSpPr>
+          <p:nvPr>
+            <p:ph type="body" idx="1"/>
+          </p:nvPr>
+        </p:nvSpPr>
+        <p:spPr/>
+        <p:txBody>
+          <a:bodyPr/>
+          <a:lstStyle/>
+          <a:p>
+            <a:endParaRPr lang="en-US"/>
+          </a:p>
+        </p:txBody>
+      </p:sp>
+      <p:sp>
+        <p:nvSpPr>
+          <p:cNvPr id="4" name="Header Placeholder 3"/>
+          <p:cNvSpPr>
+            <a:spLocks noGrp="1"/>
+          </p:cNvSpPr>
+          <p:nvPr>
+            <p:ph type="hdr" sz="quarter" idx="10"/>
+          </p:nvPr>
+        </p:nvSpPr>
+        <p:spPr/>
+        <p:txBody>
+          <a:bodyPr/>
+          <a:lstStyle/>
+          <a:p>
+            <a:endParaRPr lang="en-US" dirty="0"/>
+          </a:p>
+        </p:txBody>
+      </p:sp>
+      <p:sp>
+        <p:nvSpPr>
+          <p:cNvPr id="5" name="Footer Placeholder 4"/>
+          <p:cNvSpPr>
+            <a:spLocks noGrp="1"/>
+          </p:cNvSpPr>
+          <p:nvPr>
+            <p:ph type="ftr" sz="quarter" idx="11"/>
+          </p:nvPr>
+        </p:nvSpPr>
+        <p:spPr/>
+        <p:txBody>
+          <a:bodyPr/>
+          <a:lstStyle/>
+          <a:p>
+            <a:pPr defTabSz="914099" eaLnBrk="0" hangingPunct="0"/>
+            <a:r>
+              <a:rPr lang="en-US" sz="400">
+                <a:gradFill>
+                  <a:gsLst>
+                    <a:gs pos="0">
+                      <a:prstClr val="black"/>
+                    </a:gs>
+                    <a:gs pos="100000">
+                      <a:prstClr val="black"/>
+                    </a:gs>
+                  </a:gsLst>
+                  <a:lin ang="5400000" scaled="0"/>
+                </a:gradFill>
+                <a:latin typeface="Segoe UI" pitchFamily="34" charset="0"/>
+                <a:ea typeface="Segoe UI" pitchFamily="34" charset="0"/>
+                <a:cs typeface="Segoe UI" pitchFamily="34" charset="0"/>
+              </a:rPr>
+              <a:t>© Microsoft Corporation. All rights reserved. MICROSOFT MAKES NO WARRANTIES, EXPRESS, IMPLIED OR STATUTORY, AS TO THE INFORMATION IN THIS PRESENTATION.</a:t>
+            </a:r>
+            <a:endParaRPr lang="en-US" sz="400" dirty="0">
+              <a:gradFill>
+                <a:gsLst>
+                  <a:gs pos="0">
+                    <a:prstClr val="black"/>
+                  </a:gs>
+                  <a:gs pos="100000">
+                    <a:prstClr val="black"/>
+                  </a:gs>
+                </a:gsLst>
+                <a:lin ang="5400000" scaled="0"/>
+              </a:gradFill>
+              <a:latin typeface="Segoe UI" pitchFamily="34" charset="0"/>
+              <a:ea typeface="Segoe UI" pitchFamily="34" charset="0"/>
+              <a:cs typeface="Segoe UI" pitchFamily="34" charset="0"/>
+            </a:endParaRPr>
+          </a:p>
+        </p:txBody>
+      </p:sp>
+      <p:sp>
+        <p:nvSpPr>
+          <p:cNvPr id="6" name="Date Placeholder 5"/>
+          <p:cNvSpPr>
+            <a:spLocks noGrp="1"/>
+          </p:cNvSpPr>
+          <p:nvPr>
+            <p:ph type="dt" idx="12"/>
+          </p:nvPr>
+        </p:nvSpPr>
+        <p:spPr/>
+        <p:txBody>
+          <a:bodyPr/>
+          <a:lstStyle/>
+          <a:p>
+            <a:fld id="{D18B56EA-E28F-4F92-9F16-7A6F2501B303}" type="datetime8">
+              <a:rPr lang="en-US" smtClean="0"/>
+              <a:t>3/4/20 5:23 PM</a:t>
+            </a:fld>
+            <a:endParaRPr lang="en-US" dirty="0"/>
+          </a:p>
+        </p:txBody>
+      </p:sp>
+      <p:sp>
+        <p:nvSpPr>
+          <p:cNvPr id="7" name="Slide Number Placeholder 6"/>
+          <p:cNvSpPr>
+            <a:spLocks noGrp="1"/>
+          </p:cNvSpPr>
+          <p:nvPr>
+            <p:ph type="sldNum" sz="quarter" idx="13"/>
+          </p:nvPr>
+        </p:nvSpPr>
+        <p:spPr/>
+        <p:txBody>
+          <a:bodyPr/>
+          <a:lstStyle/>
+          <a:p>
+            <a:fld id="{B4008EB6-D09E-4580-8CD6-DDB14511944F}" type="slidenum">
+              <a:rPr lang="en-US" smtClean="0"/>
+              <a:pPr/>
+              <a:t>15</a:t>
+            </a:fld>
+            <a:endParaRPr lang="en-US" dirty="0"/>
+          </a:p>
+        </p:txBody>
+      </p:sp>
+    </p:spTree>
+    <p:extLst>
+      <p:ext uri="{BB962C8B-B14F-4D97-AF65-F5344CB8AC3E}">
+        <p14:creationId xmlns:p14="http://schemas.microsoft.com/office/powerpoint/2010/main" val="1685519606"/>
       </p:ext>
     </p:extLst>
   </p:cSld>
@@ -1051,7 +1966,10 @@
           <a:bodyPr/>
           <a:lstStyle/>
           <a:p>
-            <a:endParaRPr lang="en-US"/>
+            <a:r>
+              <a:rPr lang="en-US" dirty="0"/>
+              <a:t>In this unit, you'll extend what you learned in a previous unit from just reading SharePoint list data to writing data using the SharePoint REST API. You'll learn how to create, update, and delete data in SharePoint lists and libraries in SharePoint Framework components with the SharePoint REST API.</a:t>
+            </a:r>
           </a:p>
         </p:txBody>
       </p:sp>
@@ -1145,7 +2063,7 @@
           <a:p>
             <a:fld id="{D18B56EA-E28F-4F92-9F16-7A6F2501B303}" type="datetime8">
               <a:rPr lang="en-US" smtClean="0"/>
-              <a:t>3/8/2019 6:58 PM</a:t>
+              <a:t>3/4/20 5:34 PM</a:t>
             </a:fld>
             <a:endParaRPr lang="en-US" dirty="0"/>
           </a:p>
@@ -1232,7 +2150,61 @@
           <a:bodyPr/>
           <a:lstStyle/>
           <a:p>
+            <a:r>
+              <a:rPr lang="en-US" dirty="0"/>
+              <a:t>The operations referred to when reading and writing data is simplified to CRUD operations. CRUD stands for **create, read, update, and delete**. A previous unit covered reading data from SharePoint lists. To request data from SharePoint's REST API, you use the `get()` method on the `</a:t>
+            </a:r>
+            <a:r>
+              <a:rPr lang="en-US" dirty="0" err="1"/>
+              <a:t>SPHttpClient</a:t>
+            </a:r>
+            <a:r>
+              <a:rPr lang="en-US" dirty="0"/>
+              <a:t>` API from the SharePoint Framework API.</a:t>
+            </a:r>
+          </a:p>
+          <a:p>
             <a:endParaRPr lang="en-US" dirty="0"/>
+          </a:p>
+          <a:p>
+            <a:r>
+              <a:rPr lang="en-US" dirty="0"/>
+              <a:t>When writing data to SharePoint lists and libraries, you most submit HTTP POST requests. This is done using the `post()` method on the `</a:t>
+            </a:r>
+            <a:r>
+              <a:rPr lang="en-US" dirty="0" err="1"/>
+              <a:t>SPHttpClient</a:t>
+            </a:r>
+            <a:r>
+              <a:rPr lang="en-US" dirty="0"/>
+              <a:t>` API. The `get()` and `post()` methods have the exact same arguments, although each scenario may require additional steps.</a:t>
+            </a:r>
+          </a:p>
+          <a:p>
+            <a:endParaRPr lang="en-US" dirty="0"/>
+          </a:p>
+          <a:p>
+            <a:r>
+              <a:rPr lang="en-US" dirty="0"/>
+              <a:t>For example, when updating or deleting an item in a SharePoint list, you should include the `IF-MATCH` HTTP request header. You should also include the `X-HTTP-METHOD` when updating and deleting SharePoint list items as well. These two request headers are covered in more detail in the sections on updating and deleting items later in this unit.</a:t>
+            </a:r>
+          </a:p>
+          <a:p>
+            <a:endParaRPr lang="en-US" dirty="0"/>
+          </a:p>
+          <a:p>
+            <a:r>
+              <a:rPr lang="en-US" dirty="0"/>
+              <a:t>When creating or updating a SharePoint list item, you must submit the data for the new or updated item. This is done by including a JSON object that represents the new or updated item as a string in the body of the request. This object should also indicate what type of data it is using the `@</a:t>
+            </a:r>
+            <a:r>
+              <a:rPr lang="en-US" dirty="0" err="1"/>
+              <a:t>odata.type</a:t>
+            </a:r>
+            <a:r>
+              <a:rPr lang="en-US" dirty="0"/>
+              <a:t>` property. This is covered in more detail in the sections on creating and updating list items later in this unit.</a:t>
+            </a:r>
           </a:p>
         </p:txBody>
       </p:sp>
@@ -1394,8 +2366,45 @@
           <a:bodyPr/>
           <a:lstStyle/>
           <a:p>
+            <a:r>
+              <a:rPr lang="en-US" dirty="0"/>
+              <a:t>You must tell the SharePoint REST API the data type of the item submitted in the request payload when you create a new list item. To do this, specify the data type in the `@</a:t>
+            </a:r>
+            <a:r>
+              <a:rPr lang="en-US" dirty="0" err="1"/>
+              <a:t>odata.type</a:t>
+            </a:r>
+            <a:r>
+              <a:rPr lang="en-US" dirty="0"/>
+              <a:t>` property in the payload of the request.</a:t>
+            </a:r>
+          </a:p>
+          <a:p>
             <a:endParaRPr lang="en-US" dirty="0"/>
           </a:p>
+          <a:p>
+            <a:r>
+              <a:rPr lang="en-US" dirty="0"/>
+              <a:t>This is required as SharePoint lists can support multiple content types. Each content type can have unique or shared fields, but each field can have different settings, such as if they're required or not. Therefore, when creating an item, you must tell SharePoint the type of data so SharePoint knows which content type rules to enforce.</a:t>
+            </a:r>
+          </a:p>
+          <a:p>
+            <a:endParaRPr lang="en-US" dirty="0"/>
+          </a:p>
+          <a:p>
+            <a:r>
+              <a:rPr lang="en-US" dirty="0"/>
+              <a:t>You can obtain a list of all the data types supported on a list using the lists `</a:t>
+            </a:r>
+            <a:r>
+              <a:rPr lang="en-US" dirty="0" err="1"/>
+              <a:t>ListItemEntityTypeFullName</a:t>
+            </a:r>
+            <a:r>
+              <a:rPr lang="en-US" dirty="0"/>
+              <a:t>` property. It will return the data type supported by the list.</a:t>
+            </a:r>
+          </a:p>
         </p:txBody>
       </p:sp>
       <p:sp>
@@ -1405,7 +2414,7 @@
             <a:spLocks noGrp="1"/>
           </p:cNvSpPr>
           <p:nvPr>
-            <p:ph type="hdr" sz="quarter" idx="10"/>
+            <p:ph type="hdr" sz="quarter"/>
           </p:nvPr>
         </p:nvSpPr>
         <p:spPr/>
@@ -1413,6 +2422,10 @@
           <a:bodyPr/>
           <a:lstStyle/>
           <a:p>
+            <a:r>
+              <a:rPr lang="en-US"/>
+              <a:t>SharePoint Framework</a:t>
+            </a:r>
             <a:endParaRPr lang="en-US" dirty="0"/>
           </a:p>
         </p:txBody>
@@ -1424,7 +2437,7 @@
             <a:spLocks noGrp="1"/>
           </p:cNvSpPr>
           <p:nvPr>
-            <p:ph type="ftr" sz="quarter" idx="11"/>
+            <p:ph type="ftr" sz="quarter" idx="4"/>
           </p:nvPr>
         </p:nvSpPr>
         <p:spPr/>
@@ -1478,7 +2491,7 @@
             <a:spLocks noGrp="1"/>
           </p:cNvSpPr>
           <p:nvPr>
-            <p:ph type="dt" idx="12"/>
+            <p:ph type="dt" idx="1"/>
           </p:nvPr>
         </p:nvSpPr>
         <p:spPr/>
@@ -1488,7 +2501,7 @@
           <a:p>
             <a:fld id="{D18B56EA-E28F-4F92-9F16-7A6F2501B303}" type="datetime8">
               <a:rPr lang="en-US" smtClean="0"/>
-              <a:t>3/8/2019 6:58 PM</a:t>
+              <a:t>3/4/20 5:48 PM</a:t>
             </a:fld>
             <a:endParaRPr lang="en-US" dirty="0"/>
           </a:p>
@@ -1501,7 +2514,7 @@
             <a:spLocks noGrp="1"/>
           </p:cNvSpPr>
           <p:nvPr>
-            <p:ph type="sldNum" sz="quarter" idx="13"/>
+            <p:ph type="sldNum" sz="quarter" idx="5"/>
           </p:nvPr>
         </p:nvSpPr>
         <p:spPr/>
@@ -1512,7 +2525,7 @@
             <a:fld id="{B4008EB6-D09E-4580-8CD6-DDB14511944F}" type="slidenum">
               <a:rPr lang="en-US" smtClean="0"/>
               <a:pPr/>
-              <a:t>11</a:t>
+              <a:t>4</a:t>
             </a:fld>
             <a:endParaRPr lang="en-US" dirty="0"/>
           </a:p>
@@ -1521,7 +2534,7 @@
     </p:spTree>
     <p:extLst>
       <p:ext uri="{BB962C8B-B14F-4D97-AF65-F5344CB8AC3E}">
-        <p14:creationId xmlns:p14="http://schemas.microsoft.com/office/powerpoint/2010/main" val="1143990261"/>
+        <p14:creationId xmlns:p14="http://schemas.microsoft.com/office/powerpoint/2010/main" val="1547284661"/>
       </p:ext>
     </p:extLst>
   </p:cSld>
@@ -1575,7 +2588,18 @@
           <a:bodyPr/>
           <a:lstStyle/>
           <a:p>
-            <a:endParaRPr lang="en-US" dirty="0"/>
+            <a:r>
+              <a:rPr lang="en-US" dirty="0"/>
+              <a:t>Let's look at an example. This TypeScript method requests the data type for the **Countries** list. It does this by requesting the `</a:t>
+            </a:r>
+            <a:r>
+              <a:rPr lang="en-US" dirty="0" err="1"/>
+              <a:t>ListItemEntityTypeFullName</a:t>
+            </a:r>
+            <a:r>
+              <a:rPr lang="en-US" dirty="0"/>
+              <a:t>` property on the list and returning it back as a string in a JavaScript promise:</a:t>
+            </a:r>
           </a:p>
         </p:txBody>
       </p:sp>
@@ -1586,7 +2610,7 @@
             <a:spLocks noGrp="1"/>
           </p:cNvSpPr>
           <p:nvPr>
-            <p:ph type="hdr" sz="quarter" idx="10"/>
+            <p:ph type="hdr" sz="quarter"/>
           </p:nvPr>
         </p:nvSpPr>
         <p:spPr/>
@@ -1594,6 +2618,10 @@
           <a:bodyPr/>
           <a:lstStyle/>
           <a:p>
+            <a:r>
+              <a:rPr lang="en-US"/>
+              <a:t>SharePoint Framework</a:t>
+            </a:r>
             <a:endParaRPr lang="en-US" dirty="0"/>
           </a:p>
         </p:txBody>
@@ -1605,7 +2633,7 @@
             <a:spLocks noGrp="1"/>
           </p:cNvSpPr>
           <p:nvPr>
-            <p:ph type="ftr" sz="quarter" idx="11"/>
+            <p:ph type="ftr" sz="quarter" idx="4"/>
           </p:nvPr>
         </p:nvSpPr>
         <p:spPr/>
@@ -1659,7 +2687,7 @@
             <a:spLocks noGrp="1"/>
           </p:cNvSpPr>
           <p:nvPr>
-            <p:ph type="dt" idx="12"/>
+            <p:ph type="dt" idx="1"/>
           </p:nvPr>
         </p:nvSpPr>
         <p:spPr/>
@@ -1669,7 +2697,7 @@
           <a:p>
             <a:fld id="{D18B56EA-E28F-4F92-9F16-7A6F2501B303}" type="datetime8">
               <a:rPr lang="en-US" smtClean="0"/>
-              <a:t>3/8/2019 6:58 PM</a:t>
+              <a:t>3/4/20 5:49 PM</a:t>
             </a:fld>
             <a:endParaRPr lang="en-US" dirty="0"/>
           </a:p>
@@ -1682,7 +2710,7 @@
             <a:spLocks noGrp="1"/>
           </p:cNvSpPr>
           <p:nvPr>
-            <p:ph type="sldNum" sz="quarter" idx="13"/>
+            <p:ph type="sldNum" sz="quarter" idx="5"/>
           </p:nvPr>
         </p:nvSpPr>
         <p:spPr/>
@@ -1693,7 +2721,7 @@
             <a:fld id="{B4008EB6-D09E-4580-8CD6-DDB14511944F}" type="slidenum">
               <a:rPr lang="en-US" smtClean="0"/>
               <a:pPr/>
-              <a:t>13</a:t>
+              <a:t>5</a:t>
             </a:fld>
             <a:endParaRPr lang="en-US" dirty="0"/>
           </a:p>
@@ -1702,7 +2730,7 @@
     </p:spTree>
     <p:extLst>
       <p:ext uri="{BB962C8B-B14F-4D97-AF65-F5344CB8AC3E}">
-        <p14:creationId xmlns:p14="http://schemas.microsoft.com/office/powerpoint/2010/main" val="3282806226"/>
+        <p14:creationId xmlns:p14="http://schemas.microsoft.com/office/powerpoint/2010/main" val="4135513928"/>
       </p:ext>
     </p:extLst>
   </p:cSld>
@@ -1756,7 +2784,54 @@
           <a:bodyPr/>
           <a:lstStyle/>
           <a:p>
-            <a:endParaRPr lang="en-US"/>
+            <a:r>
+              <a:rPr lang="en-US" dirty="0"/>
+              <a:t>Call this method prior to creating a new list item. The following TypeScript method calls the `_</a:t>
+            </a:r>
+            <a:r>
+              <a:rPr lang="en-US" dirty="0" err="1"/>
+              <a:t>getItemEntityType</a:t>
+            </a:r>
+            <a:r>
+              <a:rPr lang="en-US" dirty="0"/>
+              <a:t>()` method to first get the data type supported by the list. It then creates a JSON object for the new item, setting the `Title` property of the item and the `@</a:t>
+            </a:r>
+            <a:r>
+              <a:rPr lang="en-US" dirty="0" err="1"/>
+              <a:t>odata.type</a:t>
+            </a:r>
+            <a:r>
+              <a:rPr lang="en-US" dirty="0"/>
+              <a:t>` property:</a:t>
+            </a:r>
+          </a:p>
+          <a:p>
+            <a:endParaRPr lang="en-US" dirty="0"/>
+          </a:p>
+          <a:p>
+            <a:r>
+              <a:rPr lang="en-US" dirty="0"/>
+              <a:t>Once the item is created, the object is converted to a JSON string using the `</a:t>
+            </a:r>
+            <a:r>
+              <a:rPr lang="en-US" dirty="0" err="1"/>
+              <a:t>JSON.stringify</a:t>
+            </a:r>
+            <a:r>
+              <a:rPr lang="en-US" dirty="0"/>
+              <a:t>()` method which is set to the `body` property of the request. Notice in the `</a:t>
+            </a:r>
+            <a:r>
+              <a:rPr lang="en-US" dirty="0" err="1"/>
+              <a:t>SPHttpClient.post</a:t>
+            </a:r>
+            <a:r>
+              <a:rPr lang="en-US" dirty="0"/>
+              <a:t>()` method, the third argument passed into the method is the request.</a:t>
+            </a:r>
+          </a:p>
+          <a:p>
+            <a:endParaRPr lang="en-US" dirty="0"/>
           </a:p>
         </p:txBody>
       </p:sp>
@@ -1767,7 +2842,7 @@
             <a:spLocks noGrp="1"/>
           </p:cNvSpPr>
           <p:nvPr>
-            <p:ph type="hdr" sz="quarter" idx="10"/>
+            <p:ph type="hdr" sz="quarter"/>
           </p:nvPr>
         </p:nvSpPr>
         <p:spPr/>
@@ -1775,6 +2850,10 @@
           <a:bodyPr/>
           <a:lstStyle/>
           <a:p>
+            <a:r>
+              <a:rPr lang="en-US"/>
+              <a:t>SharePoint Framework</a:t>
+            </a:r>
             <a:endParaRPr lang="en-US" dirty="0"/>
           </a:p>
         </p:txBody>
@@ -1786,7 +2865,7 @@
             <a:spLocks noGrp="1"/>
           </p:cNvSpPr>
           <p:nvPr>
-            <p:ph type="ftr" sz="quarter" idx="11"/>
+            <p:ph type="ftr" sz="quarter" idx="4"/>
           </p:nvPr>
         </p:nvSpPr>
         <p:spPr/>
@@ -1840,7 +2919,7 @@
             <a:spLocks noGrp="1"/>
           </p:cNvSpPr>
           <p:nvPr>
-            <p:ph type="dt" idx="12"/>
+            <p:ph type="dt" idx="1"/>
           </p:nvPr>
         </p:nvSpPr>
         <p:spPr/>
@@ -1850,7 +2929,7 @@
           <a:p>
             <a:fld id="{D18B56EA-E28F-4F92-9F16-7A6F2501B303}" type="datetime8">
               <a:rPr lang="en-US" smtClean="0"/>
-              <a:t>3/8/2019 6:58 PM</a:t>
+              <a:t>3/4/20 5:54 PM</a:t>
             </a:fld>
             <a:endParaRPr lang="en-US" dirty="0"/>
           </a:p>
@@ -1863,7 +2942,7 @@
             <a:spLocks noGrp="1"/>
           </p:cNvSpPr>
           <p:nvPr>
-            <p:ph type="sldNum" sz="quarter" idx="13"/>
+            <p:ph type="sldNum" sz="quarter" idx="5"/>
           </p:nvPr>
         </p:nvSpPr>
         <p:spPr/>
@@ -1874,7 +2953,7 @@
             <a:fld id="{B4008EB6-D09E-4580-8CD6-DDB14511944F}" type="slidenum">
               <a:rPr lang="en-US" smtClean="0"/>
               <a:pPr/>
-              <a:t>14</a:t>
+              <a:t>6</a:t>
             </a:fld>
             <a:endParaRPr lang="en-US" dirty="0"/>
           </a:p>
@@ -1883,7 +2962,7 @@
     </p:spTree>
     <p:extLst>
       <p:ext uri="{BB962C8B-B14F-4D97-AF65-F5344CB8AC3E}">
-        <p14:creationId xmlns:p14="http://schemas.microsoft.com/office/powerpoint/2010/main" val="2510823477"/>
+        <p14:creationId xmlns:p14="http://schemas.microsoft.com/office/powerpoint/2010/main" val="394747749"/>
       </p:ext>
     </p:extLst>
   </p:cSld>
@@ -1937,7 +3016,111 @@
           <a:bodyPr/>
           <a:lstStyle/>
           <a:p>
-            <a:endParaRPr lang="en-US"/>
+            <a:r>
+              <a:rPr lang="en-US" dirty="0"/>
+              <a:t>Updating list items with the SharePoint REST API is very similar to creating items with a few small differences.</a:t>
+            </a:r>
+          </a:p>
+          <a:p>
+            <a:endParaRPr lang="en-US" dirty="0"/>
+          </a:p>
+          <a:p>
+            <a:r>
+              <a:rPr lang="en-US" dirty="0"/>
+              <a:t>To update an item, you can submit an HTTP POST or HTTP MERGE operation to the SharePoint REST API. The difference between the two is that POST will update all properties on the specified item while MERGE will only update those properties included in the body of the request. This means that any properties omitted when submitting an HTTP POST will be nulled out because no value was submitted.</a:t>
+            </a:r>
+          </a:p>
+          <a:p>
+            <a:endParaRPr lang="en-US" dirty="0"/>
+          </a:p>
+          <a:p>
+            <a:r>
+              <a:rPr lang="en-US" dirty="0"/>
+              <a:t>If this is not the behavior you want, you can use the HTTP MERGE method which will ignore any properties not included in the body of the payload.</a:t>
+            </a:r>
+          </a:p>
+          <a:p>
+            <a:endParaRPr lang="en-US" dirty="0"/>
+          </a:p>
+          <a:p>
+            <a:r>
+              <a:rPr lang="en-US" dirty="0"/>
+              <a:t>The challenge with the HTTP MERGE method is that not all networking equipment and libraries support it. To get around this limitation, specify the desired method in an HTTP POST with the HTTP request header `X-HTTP-METHOD`. Set the `X-HTTP-METHOD` to `MERGE` when you submit an HTTP POST using the `</a:t>
+            </a:r>
+            <a:r>
+              <a:rPr lang="en-US" dirty="0" err="1"/>
+              <a:t>SPHttpClient.post</a:t>
+            </a:r>
+            <a:r>
+              <a:rPr lang="en-US" dirty="0"/>
+              <a:t>()` method when you want the SharePoint REST API to treat the HTTP POST as an HTTP MERGE.</a:t>
+            </a:r>
+          </a:p>
+          <a:p>
+            <a:endParaRPr lang="en-US" dirty="0"/>
+          </a:p>
+          <a:p>
+            <a:r>
+              <a:rPr lang="en-US" dirty="0"/>
+              <a:t>When you update an item, you need to be sure that you are updating same version of the item that is on the server. In other words, you don't want to update an item that has changed since you previously retrieved it, otherwise you would overwrite another user's changes.</a:t>
+            </a:r>
+          </a:p>
+          <a:p>
+            <a:endParaRPr lang="en-US" dirty="0"/>
+          </a:p>
+          <a:p>
+            <a:r>
+              <a:rPr lang="en-US" dirty="0"/>
+              <a:t>To protect against this scenario, use the `IF-MATCH` HTTP request header and set it's value to the **</a:t>
+            </a:r>
+            <a:r>
+              <a:rPr lang="en-US" dirty="0" err="1"/>
+              <a:t>etag</a:t>
+            </a:r>
+            <a:r>
+              <a:rPr lang="en-US" dirty="0"/>
+              <a:t>** of the current item. The </a:t>
+            </a:r>
+            <a:r>
+              <a:rPr lang="en-US" dirty="0" err="1"/>
+              <a:t>etag</a:t>
+            </a:r>
+            <a:r>
+              <a:rPr lang="en-US" dirty="0"/>
+              <a:t> is a unique string for the specific version of the item. If the </a:t>
+            </a:r>
+            <a:r>
+              <a:rPr lang="en-US" dirty="0" err="1"/>
+              <a:t>etag</a:t>
+            </a:r>
+            <a:r>
+              <a:rPr lang="en-US" dirty="0"/>
+              <a:t> matches the </a:t>
+            </a:r>
+            <a:r>
+              <a:rPr lang="en-US" dirty="0" err="1"/>
+              <a:t>etag</a:t>
+            </a:r>
+            <a:r>
+              <a:rPr lang="en-US" dirty="0"/>
+              <a:t> of the item on the server, the update is applied. If the </a:t>
+            </a:r>
+            <a:r>
+              <a:rPr lang="en-US" dirty="0" err="1"/>
+              <a:t>etags</a:t>
+            </a:r>
+            <a:r>
+              <a:rPr lang="en-US" dirty="0"/>
+              <a:t> don't match, the SharePoint REST API will return an HTTP error code 419 indicating the expected </a:t>
+            </a:r>
+            <a:r>
+              <a:rPr lang="en-US" dirty="0" err="1"/>
+              <a:t>etag</a:t>
+            </a:r>
+            <a:r>
+              <a:rPr lang="en-US" dirty="0"/>
+              <a:t> didn't match.</a:t>
+            </a:r>
           </a:p>
         </p:txBody>
       </p:sp>
@@ -1948,7 +3131,7 @@
             <a:spLocks noGrp="1"/>
           </p:cNvSpPr>
           <p:nvPr>
-            <p:ph type="hdr" sz="quarter" idx="10"/>
+            <p:ph type="hdr" sz="quarter"/>
           </p:nvPr>
         </p:nvSpPr>
         <p:spPr/>
@@ -1956,6 +3139,10 @@
           <a:bodyPr/>
           <a:lstStyle/>
           <a:p>
+            <a:r>
+              <a:rPr lang="en-US"/>
+              <a:t>SharePoint Framework</a:t>
+            </a:r>
             <a:endParaRPr lang="en-US" dirty="0"/>
           </a:p>
         </p:txBody>
@@ -1967,7 +3154,7 @@
             <a:spLocks noGrp="1"/>
           </p:cNvSpPr>
           <p:nvPr>
-            <p:ph type="ftr" sz="quarter" idx="11"/>
+            <p:ph type="ftr" sz="quarter" idx="4"/>
           </p:nvPr>
         </p:nvSpPr>
         <p:spPr/>
@@ -2021,7 +3208,7 @@
             <a:spLocks noGrp="1"/>
           </p:cNvSpPr>
           <p:nvPr>
-            <p:ph type="dt" idx="12"/>
+            <p:ph type="dt" idx="1"/>
           </p:nvPr>
         </p:nvSpPr>
         <p:spPr/>
@@ -2031,7 +3218,7 @@
           <a:p>
             <a:fld id="{D18B56EA-E28F-4F92-9F16-7A6F2501B303}" type="datetime8">
               <a:rPr lang="en-US" smtClean="0"/>
-              <a:t>3/8/2019 6:58 PM</a:t>
+              <a:t>3/4/20 6:08 PM</a:t>
             </a:fld>
             <a:endParaRPr lang="en-US" dirty="0"/>
           </a:p>
@@ -2044,7 +3231,7 @@
             <a:spLocks noGrp="1"/>
           </p:cNvSpPr>
           <p:nvPr>
-            <p:ph type="sldNum" sz="quarter" idx="13"/>
+            <p:ph type="sldNum" sz="quarter" idx="5"/>
           </p:nvPr>
         </p:nvSpPr>
         <p:spPr/>
@@ -2055,7 +3242,7 @@
             <a:fld id="{B4008EB6-D09E-4580-8CD6-DDB14511944F}" type="slidenum">
               <a:rPr lang="en-US" smtClean="0"/>
               <a:pPr/>
-              <a:t>15</a:t>
+              <a:t>7</a:t>
             </a:fld>
             <a:endParaRPr lang="en-US" dirty="0"/>
           </a:p>
@@ -2064,7 +3251,415 @@
     </p:spTree>
     <p:extLst>
       <p:ext uri="{BB962C8B-B14F-4D97-AF65-F5344CB8AC3E}">
-        <p14:creationId xmlns:p14="http://schemas.microsoft.com/office/powerpoint/2010/main" val="1685519606"/>
+        <p14:creationId xmlns:p14="http://schemas.microsoft.com/office/powerpoint/2010/main" val="3275565240"/>
+      </p:ext>
+    </p:extLst>
+  </p:cSld>
+  <p:clrMapOvr>
+    <a:masterClrMapping/>
+  </p:clrMapOvr>
+</p:notes>
+</file>
+
+<file path=ppt/notesSlides/notesSlide8.xml><?xml version="1.0" encoding="utf-8"?>
+<p:notes xmlns:a="http://schemas.openxmlformats.org/drawingml/2006/main" xmlns:r="http://schemas.openxmlformats.org/officeDocument/2006/relationships" xmlns:p="http://schemas.openxmlformats.org/presentationml/2006/main">
+  <p:cSld>
+    <p:spTree>
+      <p:nvGrpSpPr>
+        <p:cNvPr id="1" name=""/>
+        <p:cNvGrpSpPr/>
+        <p:nvPr/>
+      </p:nvGrpSpPr>
+      <p:grpSpPr>
+        <a:xfrm>
+          <a:off x="0" y="0"/>
+          <a:ext cx="0" cy="0"/>
+          <a:chOff x="0" y="0"/>
+          <a:chExt cx="0" cy="0"/>
+        </a:xfrm>
+      </p:grpSpPr>
+      <p:sp>
+        <p:nvSpPr>
+          <p:cNvPr id="2" name="Slide Image Placeholder 1"/>
+          <p:cNvSpPr>
+            <a:spLocks noGrp="1" noRot="1" noChangeAspect="1"/>
+          </p:cNvSpPr>
+          <p:nvPr>
+            <p:ph type="sldImg"/>
+          </p:nvPr>
+        </p:nvSpPr>
+        <p:spPr/>
+      </p:sp>
+      <p:sp>
+        <p:nvSpPr>
+          <p:cNvPr id="3" name="Notes Placeholder 2"/>
+          <p:cNvSpPr>
+            <a:spLocks noGrp="1"/>
+          </p:cNvSpPr>
+          <p:nvPr>
+            <p:ph type="body" idx="1"/>
+          </p:nvPr>
+        </p:nvSpPr>
+        <p:spPr/>
+        <p:txBody>
+          <a:bodyPr/>
+          <a:lstStyle/>
+          <a:p>
+            <a:r>
+              <a:rPr lang="en-US" dirty="0"/>
+              <a:t>The following TypeScript method demonstrates updating an item in a SharePoint list. After first obtaining an item from a list, it then modifies the returned object's `Title` property. Next, the two HTTP request headers `IF-MATCH` and `X-HTTP-METHOD` are added as previously discussed.</a:t>
+            </a:r>
+          </a:p>
+          <a:p>
+            <a:endParaRPr lang="en-US" dirty="0"/>
+          </a:p>
+          <a:p>
+            <a:r>
+              <a:rPr lang="en-US" dirty="0"/>
+              <a:t>Finally, the `request` object's `body` property is set with the JSON string version of the object. Notice that unlike creating an item, the endpoint of the request includes the unique endpoint of the item to be updated:</a:t>
+            </a:r>
+          </a:p>
+          <a:p>
+            <a:endParaRPr lang="en-US" dirty="0"/>
+          </a:p>
+        </p:txBody>
+      </p:sp>
+      <p:sp>
+        <p:nvSpPr>
+          <p:cNvPr id="4" name="Header Placeholder 3"/>
+          <p:cNvSpPr>
+            <a:spLocks noGrp="1"/>
+          </p:cNvSpPr>
+          <p:nvPr>
+            <p:ph type="hdr" sz="quarter"/>
+          </p:nvPr>
+        </p:nvSpPr>
+        <p:spPr/>
+        <p:txBody>
+          <a:bodyPr/>
+          <a:lstStyle/>
+          <a:p>
+            <a:r>
+              <a:rPr lang="en-US"/>
+              <a:t>SharePoint Framework</a:t>
+            </a:r>
+            <a:endParaRPr lang="en-US" dirty="0"/>
+          </a:p>
+        </p:txBody>
+      </p:sp>
+      <p:sp>
+        <p:nvSpPr>
+          <p:cNvPr id="5" name="Footer Placeholder 4"/>
+          <p:cNvSpPr>
+            <a:spLocks noGrp="1"/>
+          </p:cNvSpPr>
+          <p:nvPr>
+            <p:ph type="ftr" sz="quarter" idx="4"/>
+          </p:nvPr>
+        </p:nvSpPr>
+        <p:spPr/>
+        <p:txBody>
+          <a:bodyPr/>
+          <a:lstStyle/>
+          <a:p>
+            <a:pPr defTabSz="914099" eaLnBrk="0" hangingPunct="0"/>
+            <a:r>
+              <a:rPr lang="en-US" sz="400">
+                <a:gradFill>
+                  <a:gsLst>
+                    <a:gs pos="0">
+                      <a:prstClr val="black"/>
+                    </a:gs>
+                    <a:gs pos="100000">
+                      <a:prstClr val="black"/>
+                    </a:gs>
+                  </a:gsLst>
+                  <a:lin ang="5400000" scaled="0"/>
+                </a:gradFill>
+                <a:latin typeface="Segoe UI" pitchFamily="34" charset="0"/>
+                <a:ea typeface="Segoe UI" pitchFamily="34" charset="0"/>
+                <a:cs typeface="Segoe UI" pitchFamily="34" charset="0"/>
+              </a:rPr>
+              <a:t>© Microsoft Corporation. All rights reserved. MICROSOFT MAKES NO WARRANTIES, EXPRESS, IMPLIED OR STATUTORY, AS TO THE INFORMATION IN THIS PRESENTATION.</a:t>
+            </a:r>
+            <a:endParaRPr lang="en-US" sz="400" dirty="0">
+              <a:gradFill>
+                <a:gsLst>
+                  <a:gs pos="0">
+                    <a:prstClr val="black"/>
+                  </a:gs>
+                  <a:gs pos="100000">
+                    <a:prstClr val="black"/>
+                  </a:gs>
+                </a:gsLst>
+                <a:lin ang="5400000" scaled="0"/>
+              </a:gradFill>
+              <a:latin typeface="Segoe UI" pitchFamily="34" charset="0"/>
+              <a:ea typeface="Segoe UI" pitchFamily="34" charset="0"/>
+              <a:cs typeface="Segoe UI" pitchFamily="34" charset="0"/>
+            </a:endParaRPr>
+          </a:p>
+        </p:txBody>
+      </p:sp>
+      <p:sp>
+        <p:nvSpPr>
+          <p:cNvPr id="6" name="Date Placeholder 5"/>
+          <p:cNvSpPr>
+            <a:spLocks noGrp="1"/>
+          </p:cNvSpPr>
+          <p:nvPr>
+            <p:ph type="dt" idx="1"/>
+          </p:nvPr>
+        </p:nvSpPr>
+        <p:spPr/>
+        <p:txBody>
+          <a:bodyPr/>
+          <a:lstStyle/>
+          <a:p>
+            <a:fld id="{D18B56EA-E28F-4F92-9F16-7A6F2501B303}" type="datetime8">
+              <a:rPr lang="en-US" smtClean="0"/>
+              <a:t>3/4/20 6:12 PM</a:t>
+            </a:fld>
+            <a:endParaRPr lang="en-US" dirty="0"/>
+          </a:p>
+        </p:txBody>
+      </p:sp>
+      <p:sp>
+        <p:nvSpPr>
+          <p:cNvPr id="7" name="Slide Number Placeholder 6"/>
+          <p:cNvSpPr>
+            <a:spLocks noGrp="1"/>
+          </p:cNvSpPr>
+          <p:nvPr>
+            <p:ph type="sldNum" sz="quarter" idx="5"/>
+          </p:nvPr>
+        </p:nvSpPr>
+        <p:spPr/>
+        <p:txBody>
+          <a:bodyPr/>
+          <a:lstStyle/>
+          <a:p>
+            <a:fld id="{B4008EB6-D09E-4580-8CD6-DDB14511944F}" type="slidenum">
+              <a:rPr lang="en-US" smtClean="0"/>
+              <a:pPr/>
+              <a:t>8</a:t>
+            </a:fld>
+            <a:endParaRPr lang="en-US" dirty="0"/>
+          </a:p>
+        </p:txBody>
+      </p:sp>
+    </p:spTree>
+    <p:extLst>
+      <p:ext uri="{BB962C8B-B14F-4D97-AF65-F5344CB8AC3E}">
+        <p14:creationId xmlns:p14="http://schemas.microsoft.com/office/powerpoint/2010/main" val="983348669"/>
+      </p:ext>
+    </p:extLst>
+  </p:cSld>
+  <p:clrMapOvr>
+    <a:masterClrMapping/>
+  </p:clrMapOvr>
+</p:notes>
+</file>
+
+<file path=ppt/notesSlides/notesSlide9.xml><?xml version="1.0" encoding="utf-8"?>
+<p:notes xmlns:a="http://schemas.openxmlformats.org/drawingml/2006/main" xmlns:r="http://schemas.openxmlformats.org/officeDocument/2006/relationships" xmlns:p="http://schemas.openxmlformats.org/presentationml/2006/main">
+  <p:cSld>
+    <p:spTree>
+      <p:nvGrpSpPr>
+        <p:cNvPr id="1" name=""/>
+        <p:cNvGrpSpPr/>
+        <p:nvPr/>
+      </p:nvGrpSpPr>
+      <p:grpSpPr>
+        <a:xfrm>
+          <a:off x="0" y="0"/>
+          <a:ext cx="0" cy="0"/>
+          <a:chOff x="0" y="0"/>
+          <a:chExt cx="0" cy="0"/>
+        </a:xfrm>
+      </p:grpSpPr>
+      <p:sp>
+        <p:nvSpPr>
+          <p:cNvPr id="2" name="Slide Image Placeholder 1"/>
+          <p:cNvSpPr>
+            <a:spLocks noGrp="1" noRot="1" noChangeAspect="1"/>
+          </p:cNvSpPr>
+          <p:nvPr>
+            <p:ph type="sldImg"/>
+          </p:nvPr>
+        </p:nvSpPr>
+        <p:spPr/>
+      </p:sp>
+      <p:sp>
+        <p:nvSpPr>
+          <p:cNvPr id="3" name="Notes Placeholder 2"/>
+          <p:cNvSpPr>
+            <a:spLocks noGrp="1"/>
+          </p:cNvSpPr>
+          <p:nvPr>
+            <p:ph type="body" idx="1"/>
+          </p:nvPr>
+        </p:nvSpPr>
+        <p:spPr/>
+        <p:txBody>
+          <a:bodyPr/>
+          <a:lstStyle/>
+          <a:p>
+            <a:r>
+              <a:rPr lang="en-US" dirty="0"/>
+              <a:t>Deleting list items with the SharePoint REST API is very similar to updating items with a few small differences.</a:t>
+            </a:r>
+          </a:p>
+          <a:p>
+            <a:endParaRPr lang="en-US" dirty="0"/>
+          </a:p>
+          <a:p>
+            <a:r>
+              <a:rPr lang="en-US" dirty="0"/>
+              <a:t>The `</a:t>
+            </a:r>
+            <a:r>
+              <a:rPr lang="en-US" dirty="0" err="1"/>
+              <a:t>SPHttpClient</a:t>
+            </a:r>
+            <a:r>
+              <a:rPr lang="en-US" dirty="0"/>
+              <a:t>` API does not include a `delete()` method like the `get()` and `post()` methods. Instead, to submit an HTTP DELETE request, you'll use the `X-HTTP-METHOD` HTTP request header and set it to `DELETE`. Similar to how you update an item, this will tell the SharePoint REST API to treat the HTTP POST as an HTTP DELETE request.</a:t>
+            </a:r>
+          </a:p>
+          <a:p>
+            <a:endParaRPr lang="en-US" dirty="0"/>
+          </a:p>
+        </p:txBody>
+      </p:sp>
+      <p:sp>
+        <p:nvSpPr>
+          <p:cNvPr id="4" name="Header Placeholder 3"/>
+          <p:cNvSpPr>
+            <a:spLocks noGrp="1"/>
+          </p:cNvSpPr>
+          <p:nvPr>
+            <p:ph type="hdr" sz="quarter"/>
+          </p:nvPr>
+        </p:nvSpPr>
+        <p:spPr/>
+        <p:txBody>
+          <a:bodyPr/>
+          <a:lstStyle/>
+          <a:p>
+            <a:r>
+              <a:rPr lang="en-US"/>
+              <a:t>SharePoint Framework</a:t>
+            </a:r>
+            <a:endParaRPr lang="en-US" dirty="0"/>
+          </a:p>
+        </p:txBody>
+      </p:sp>
+      <p:sp>
+        <p:nvSpPr>
+          <p:cNvPr id="5" name="Footer Placeholder 4"/>
+          <p:cNvSpPr>
+            <a:spLocks noGrp="1"/>
+          </p:cNvSpPr>
+          <p:nvPr>
+            <p:ph type="ftr" sz="quarter" idx="4"/>
+          </p:nvPr>
+        </p:nvSpPr>
+        <p:spPr/>
+        <p:txBody>
+          <a:bodyPr/>
+          <a:lstStyle/>
+          <a:p>
+            <a:pPr defTabSz="914099" eaLnBrk="0" hangingPunct="0"/>
+            <a:r>
+              <a:rPr lang="en-US" sz="400">
+                <a:gradFill>
+                  <a:gsLst>
+                    <a:gs pos="0">
+                      <a:prstClr val="black"/>
+                    </a:gs>
+                    <a:gs pos="100000">
+                      <a:prstClr val="black"/>
+                    </a:gs>
+                  </a:gsLst>
+                  <a:lin ang="5400000" scaled="0"/>
+                </a:gradFill>
+                <a:latin typeface="Segoe UI" pitchFamily="34" charset="0"/>
+                <a:ea typeface="Segoe UI" pitchFamily="34" charset="0"/>
+                <a:cs typeface="Segoe UI" pitchFamily="34" charset="0"/>
+              </a:rPr>
+              <a:t>© Microsoft Corporation. All rights reserved. MICROSOFT MAKES NO WARRANTIES, EXPRESS, IMPLIED OR STATUTORY, AS TO THE INFORMATION IN THIS PRESENTATION.</a:t>
+            </a:r>
+            <a:endParaRPr lang="en-US" sz="400" dirty="0">
+              <a:gradFill>
+                <a:gsLst>
+                  <a:gs pos="0">
+                    <a:prstClr val="black"/>
+                  </a:gs>
+                  <a:gs pos="100000">
+                    <a:prstClr val="black"/>
+                  </a:gs>
+                </a:gsLst>
+                <a:lin ang="5400000" scaled="0"/>
+              </a:gradFill>
+              <a:latin typeface="Segoe UI" pitchFamily="34" charset="0"/>
+              <a:ea typeface="Segoe UI" pitchFamily="34" charset="0"/>
+              <a:cs typeface="Segoe UI" pitchFamily="34" charset="0"/>
+            </a:endParaRPr>
+          </a:p>
+        </p:txBody>
+      </p:sp>
+      <p:sp>
+        <p:nvSpPr>
+          <p:cNvPr id="6" name="Date Placeholder 5"/>
+          <p:cNvSpPr>
+            <a:spLocks noGrp="1"/>
+          </p:cNvSpPr>
+          <p:nvPr>
+            <p:ph type="dt" idx="1"/>
+          </p:nvPr>
+        </p:nvSpPr>
+        <p:spPr/>
+        <p:txBody>
+          <a:bodyPr/>
+          <a:lstStyle/>
+          <a:p>
+            <a:fld id="{D18B56EA-E28F-4F92-9F16-7A6F2501B303}" type="datetime8">
+              <a:rPr lang="en-US" smtClean="0"/>
+              <a:t>3/4/20 6:17 PM</a:t>
+            </a:fld>
+            <a:endParaRPr lang="en-US" dirty="0"/>
+          </a:p>
+        </p:txBody>
+      </p:sp>
+      <p:sp>
+        <p:nvSpPr>
+          <p:cNvPr id="7" name="Slide Number Placeholder 6"/>
+          <p:cNvSpPr>
+            <a:spLocks noGrp="1"/>
+          </p:cNvSpPr>
+          <p:nvPr>
+            <p:ph type="sldNum" sz="quarter" idx="5"/>
+          </p:nvPr>
+        </p:nvSpPr>
+        <p:spPr/>
+        <p:txBody>
+          <a:bodyPr/>
+          <a:lstStyle/>
+          <a:p>
+            <a:fld id="{B4008EB6-D09E-4580-8CD6-DDB14511944F}" type="slidenum">
+              <a:rPr lang="en-US" smtClean="0"/>
+              <a:pPr/>
+              <a:t>9</a:t>
+            </a:fld>
+            <a:endParaRPr lang="en-US" dirty="0"/>
+          </a:p>
+        </p:txBody>
+      </p:sp>
+    </p:spTree>
+    <p:extLst>
+      <p:ext uri="{BB962C8B-B14F-4D97-AF65-F5344CB8AC3E}">
+        <p14:creationId xmlns:p14="http://schemas.microsoft.com/office/powerpoint/2010/main" val="1296328128"/>
       </p:ext>
     </p:extLst>
   </p:cSld>
@@ -14599,7 +16194,7 @@
       </a:lvl9pPr>
     </p:otherStyle>
   </p:txStyles>
-  <p:extLst mod="1">
+  <p:extLst>
     <p:ext uri="{27BBF7A9-308A-43DC-89C8-2F10F3537804}">
       <p15:sldGuideLst xmlns:p15="http://schemas.microsoft.com/office/powerpoint/2012/main">
         <p15:guide id="3" pos="1381" userDrawn="1">
@@ -17158,7 +18753,12 @@
             <p:ph type="body" sz="quarter" idx="10"/>
           </p:nvPr>
         </p:nvSpPr>
-        <p:spPr/>
+        <p:spPr>
+          <a:xfrm>
+            <a:off x="464400" y="1178952"/>
+            <a:ext cx="11575200" cy="5115246"/>
+          </a:xfrm>
+        </p:spPr>
         <p:txBody>
           <a:bodyPr/>
           <a:lstStyle/>
@@ -17361,15 +18961,7 @@
           <a:p>
             <a:r>
               <a:rPr lang="en-US" sz="1800" dirty="0"/>
-              <a:t>      </a:t>
-            </a:r>
-            <a:r>
-              <a:rPr lang="en-US" sz="1800" dirty="0" err="1"/>
-              <a:t>const</a:t>
-            </a:r>
-            <a:r>
-              <a:rPr lang="en-US" sz="1800" dirty="0"/>
-              <a:t> endpoint: string = </a:t>
+              <a:t>      const endpoint: string = </a:t>
             </a:r>
             <a:r>
               <a:rPr lang="en-US" sz="1800" dirty="0" err="1"/>
@@ -17400,7 +18992,7 @@
             </a:r>
             <a:r>
               <a:rPr lang="en-US" sz="1800" dirty="0"/>
-              <a:t>('Countries')/items`</a:t>
+              <a:t>('Countries')/items`;</a:t>
             </a:r>
             <a:br>
               <a:rPr lang="en-US" sz="1800" dirty="0"/>

--- a/02 spfx sprest crud.pptx
+++ b/02 spfx sprest crud.pptx
@@ -284,7 +284,7 @@
               <a:rPr lang="en-US" smtClean="0">
                 <a:latin typeface="Segoe UI" pitchFamily="34" charset="0"/>
               </a:rPr>
-              <a:t>3/4/20 5:23 PM</a:t>
+              <a:t>8/23/2020 3:12 PM</a:t>
             </a:fld>
             <a:endParaRPr lang="en-US" dirty="0">
               <a:latin typeface="Segoe UI" pitchFamily="34" charset="0"/>
@@ -581,7 +581,7 @@
           <a:p>
             <a:fld id="{D18B56EA-E28F-4F92-9F16-7A6F2501B303}" type="datetime8">
               <a:rPr lang="en-US" smtClean="0"/>
-              <a:t>3/4/20 5:23 PM</a:t>
+              <a:t>8/23/2020 3:12 PM</a:t>
             </a:fld>
             <a:endParaRPr lang="en-US" dirty="0"/>
           </a:p>
@@ -964,7 +964,7 @@
           <a:p>
             <a:fld id="{D18B56EA-E28F-4F92-9F16-7A6F2501B303}" type="datetime8">
               <a:rPr lang="en-US" smtClean="0"/>
-              <a:t>3/4/20 5:23 PM</a:t>
+              <a:t>8/23/2020 3:12 PM</a:t>
             </a:fld>
             <a:endParaRPr lang="en-US" dirty="0"/>
           </a:p>
@@ -1155,7 +1155,7 @@
           <a:p>
             <a:fld id="{D18B56EA-E28F-4F92-9F16-7A6F2501B303}" type="datetime8">
               <a:rPr lang="en-US" smtClean="0"/>
-              <a:t>3/4/20 6:18 PM</a:t>
+              <a:t>8/23/2020 3:12 PM</a:t>
             </a:fld>
             <a:endParaRPr lang="en-US" dirty="0"/>
           </a:p>
@@ -1336,7 +1336,7 @@
           <a:p>
             <a:fld id="{D18B56EA-E28F-4F92-9F16-7A6F2501B303}" type="datetime8">
               <a:rPr lang="en-US" smtClean="0"/>
-              <a:t>3/4/20 5:23 PM</a:t>
+              <a:t>8/23/2020 3:12 PM</a:t>
             </a:fld>
             <a:endParaRPr lang="en-US" dirty="0"/>
           </a:p>
@@ -1517,7 +1517,7 @@
           <a:p>
             <a:fld id="{D18B56EA-E28F-4F92-9F16-7A6F2501B303}" type="datetime8">
               <a:rPr lang="en-US" smtClean="0"/>
-              <a:t>3/4/20 5:23 PM</a:t>
+              <a:t>8/23/2020 3:12 PM</a:t>
             </a:fld>
             <a:endParaRPr lang="en-US" dirty="0"/>
           </a:p>
@@ -1698,7 +1698,7 @@
           <a:p>
             <a:fld id="{D18B56EA-E28F-4F92-9F16-7A6F2501B303}" type="datetime8">
               <a:rPr lang="en-US" smtClean="0"/>
-              <a:t>3/4/20 5:23 PM</a:t>
+              <a:t>8/23/2020 3:12 PM</a:t>
             </a:fld>
             <a:endParaRPr lang="en-US" dirty="0"/>
           </a:p>
@@ -1879,7 +1879,7 @@
           <a:p>
             <a:fld id="{D18B56EA-E28F-4F92-9F16-7A6F2501B303}" type="datetime8">
               <a:rPr lang="en-US" smtClean="0"/>
-              <a:t>3/4/20 5:23 PM</a:t>
+              <a:t>8/23/2020 3:12 PM</a:t>
             </a:fld>
             <a:endParaRPr lang="en-US" dirty="0"/>
           </a:p>
@@ -2063,7 +2063,7 @@
           <a:p>
             <a:fld id="{D18B56EA-E28F-4F92-9F16-7A6F2501B303}" type="datetime8">
               <a:rPr lang="en-US" smtClean="0"/>
-              <a:t>3/4/20 5:34 PM</a:t>
+              <a:t>8/23/2020 3:12 PM</a:t>
             </a:fld>
             <a:endParaRPr lang="en-US" dirty="0"/>
           </a:p>
@@ -2501,7 +2501,7 @@
           <a:p>
             <a:fld id="{D18B56EA-E28F-4F92-9F16-7A6F2501B303}" type="datetime8">
               <a:rPr lang="en-US" smtClean="0"/>
-              <a:t>3/4/20 5:48 PM</a:t>
+              <a:t>8/23/2020 3:12 PM</a:t>
             </a:fld>
             <a:endParaRPr lang="en-US" dirty="0"/>
           </a:p>
@@ -2697,7 +2697,7 @@
           <a:p>
             <a:fld id="{D18B56EA-E28F-4F92-9F16-7A6F2501B303}" type="datetime8">
               <a:rPr lang="en-US" smtClean="0"/>
-              <a:t>3/4/20 5:49 PM</a:t>
+              <a:t>8/23/2020 3:12 PM</a:t>
             </a:fld>
             <a:endParaRPr lang="en-US" dirty="0"/>
           </a:p>
@@ -2929,7 +2929,7 @@
           <a:p>
             <a:fld id="{D18B56EA-E28F-4F92-9F16-7A6F2501B303}" type="datetime8">
               <a:rPr lang="en-US" smtClean="0"/>
-              <a:t>3/4/20 5:54 PM</a:t>
+              <a:t>8/23/2020 3:12 PM</a:t>
             </a:fld>
             <a:endParaRPr lang="en-US" dirty="0"/>
           </a:p>
@@ -3026,8 +3026,24 @@
           </a:p>
           <a:p>
             <a:r>
-              <a:rPr lang="en-US" dirty="0"/>
-              <a:t>To update an item, you can submit an HTTP POST or HTTP MERGE operation to the SharePoint REST API. The difference between the two is that POST will update all properties on the specified item while MERGE will only update those properties included in the body of the request. This means that any properties omitted when submitting an HTTP POST will be nulled out because no value was submitted.</a:t>
+              <a:rPr lang="en-US" b="0" dirty="0">
+                <a:solidFill>
+                  <a:srgbClr val="000000"/>
+                </a:solidFill>
+                <a:effectLst/>
+                <a:latin typeface="Consolas" panose="020B0609020204030204" pitchFamily="49" charset="0"/>
+              </a:rPr>
+              <a:t>To update an item, you can submit an HTTP PUT or HTTP MERGE operation to the SharePoint REST API. The difference between the two is that PUT will update all properties on the specified item while MERGE will only update those properties included in the body of the request. </a:t>
+            </a:r>
+            <a:r>
+              <a:rPr lang="en-US" b="0">
+                <a:solidFill>
+                  <a:srgbClr val="000000"/>
+                </a:solidFill>
+                <a:effectLst/>
+                <a:latin typeface="Consolas" panose="020B0609020204030204" pitchFamily="49" charset="0"/>
+              </a:rPr>
+              <a:t>This means that any properties omitted when submitting an HTTP PUT will be nulled out because no value was submitted.</a:t>
             </a:r>
           </a:p>
           <a:p>
@@ -3218,7 +3234,7 @@
           <a:p>
             <a:fld id="{D18B56EA-E28F-4F92-9F16-7A6F2501B303}" type="datetime8">
               <a:rPr lang="en-US" smtClean="0"/>
-              <a:t>3/4/20 6:08 PM</a:t>
+              <a:t>8/23/2020 3:12 PM</a:t>
             </a:fld>
             <a:endParaRPr lang="en-US" dirty="0"/>
           </a:p>
@@ -3418,7 +3434,7 @@
           <a:p>
             <a:fld id="{D18B56EA-E28F-4F92-9F16-7A6F2501B303}" type="datetime8">
               <a:rPr lang="en-US" smtClean="0"/>
-              <a:t>3/4/20 6:12 PM</a:t>
+              <a:t>8/23/2020 3:12 PM</a:t>
             </a:fld>
             <a:endParaRPr lang="en-US" dirty="0"/>
           </a:p>
@@ -3626,7 +3642,7 @@
           <a:p>
             <a:fld id="{D18B56EA-E28F-4F92-9F16-7A6F2501B303}" type="datetime8">
               <a:rPr lang="en-US" smtClean="0"/>
-              <a:t>3/4/20 6:17 PM</a:t>
+              <a:t>8/23/2020 3:12 PM</a:t>
             </a:fld>
             <a:endParaRPr lang="en-US" dirty="0"/>
           </a:p>

--- a/02 spfx sprest crud.pptx
+++ b/02 spfx sprest crud.pptx
@@ -284,7 +284,7 @@
               <a:rPr lang="en-US" smtClean="0">
                 <a:latin typeface="Segoe UI" pitchFamily="34" charset="0"/>
               </a:rPr>
-              <a:t>8/23/2020 3:12 PM</a:t>
+              <a:t>8/22/2022 4:23 PM</a:t>
             </a:fld>
             <a:endParaRPr lang="en-US" dirty="0">
               <a:latin typeface="Segoe UI" pitchFamily="34" charset="0"/>
@@ -581,7 +581,7 @@
           <a:p>
             <a:fld id="{D18B56EA-E28F-4F92-9F16-7A6F2501B303}" type="datetime8">
               <a:rPr lang="en-US" smtClean="0"/>
-              <a:t>8/23/2020 3:12 PM</a:t>
+              <a:t>8/22/2022 4:22 PM</a:t>
             </a:fld>
             <a:endParaRPr lang="en-US" dirty="0"/>
           </a:p>
@@ -964,7 +964,7 @@
           <a:p>
             <a:fld id="{D18B56EA-E28F-4F92-9F16-7A6F2501B303}" type="datetime8">
               <a:rPr lang="en-US" smtClean="0"/>
-              <a:t>8/23/2020 3:12 PM</a:t>
+              <a:t>8/22/2022 4:22 PM</a:t>
             </a:fld>
             <a:endParaRPr lang="en-US" dirty="0"/>
           </a:p>
@@ -1155,7 +1155,7 @@
           <a:p>
             <a:fld id="{D18B56EA-E28F-4F92-9F16-7A6F2501B303}" type="datetime8">
               <a:rPr lang="en-US" smtClean="0"/>
-              <a:t>8/23/2020 3:12 PM</a:t>
+              <a:t>8/22/2022 4:22 PM</a:t>
             </a:fld>
             <a:endParaRPr lang="en-US" dirty="0"/>
           </a:p>
@@ -1336,7 +1336,7 @@
           <a:p>
             <a:fld id="{D18B56EA-E28F-4F92-9F16-7A6F2501B303}" type="datetime8">
               <a:rPr lang="en-US" smtClean="0"/>
-              <a:t>8/23/2020 3:12 PM</a:t>
+              <a:t>8/22/2022 4:22 PM</a:t>
             </a:fld>
             <a:endParaRPr lang="en-US" dirty="0"/>
           </a:p>
@@ -1517,7 +1517,7 @@
           <a:p>
             <a:fld id="{D18B56EA-E28F-4F92-9F16-7A6F2501B303}" type="datetime8">
               <a:rPr lang="en-US" smtClean="0"/>
-              <a:t>8/23/2020 3:12 PM</a:t>
+              <a:t>8/22/2022 4:22 PM</a:t>
             </a:fld>
             <a:endParaRPr lang="en-US" dirty="0"/>
           </a:p>
@@ -1698,7 +1698,7 @@
           <a:p>
             <a:fld id="{D18B56EA-E28F-4F92-9F16-7A6F2501B303}" type="datetime8">
               <a:rPr lang="en-US" smtClean="0"/>
-              <a:t>8/23/2020 3:12 PM</a:t>
+              <a:t>8/22/2022 4:22 PM</a:t>
             </a:fld>
             <a:endParaRPr lang="en-US" dirty="0"/>
           </a:p>
@@ -1879,7 +1879,7 @@
           <a:p>
             <a:fld id="{D18B56EA-E28F-4F92-9F16-7A6F2501B303}" type="datetime8">
               <a:rPr lang="en-US" smtClean="0"/>
-              <a:t>8/23/2020 3:12 PM</a:t>
+              <a:t>8/22/2022 4:22 PM</a:t>
             </a:fld>
             <a:endParaRPr lang="en-US" dirty="0"/>
           </a:p>
@@ -2063,7 +2063,7 @@
           <a:p>
             <a:fld id="{D18B56EA-E28F-4F92-9F16-7A6F2501B303}" type="datetime8">
               <a:rPr lang="en-US" smtClean="0"/>
-              <a:t>8/23/2020 3:12 PM</a:t>
+              <a:t>8/22/2022 4:22 PM</a:t>
             </a:fld>
             <a:endParaRPr lang="en-US" dirty="0"/>
           </a:p>
@@ -2501,7 +2501,7 @@
           <a:p>
             <a:fld id="{D18B56EA-E28F-4F92-9F16-7A6F2501B303}" type="datetime8">
               <a:rPr lang="en-US" smtClean="0"/>
-              <a:t>8/23/2020 3:12 PM</a:t>
+              <a:t>8/22/2022 4:22 PM</a:t>
             </a:fld>
             <a:endParaRPr lang="en-US" dirty="0"/>
           </a:p>
@@ -2697,7 +2697,7 @@
           <a:p>
             <a:fld id="{D18B56EA-E28F-4F92-9F16-7A6F2501B303}" type="datetime8">
               <a:rPr lang="en-US" smtClean="0"/>
-              <a:t>8/23/2020 3:12 PM</a:t>
+              <a:t>8/22/2022 4:22 PM</a:t>
             </a:fld>
             <a:endParaRPr lang="en-US" dirty="0"/>
           </a:p>
@@ -2929,7 +2929,7 @@
           <a:p>
             <a:fld id="{D18B56EA-E28F-4F92-9F16-7A6F2501B303}" type="datetime8">
               <a:rPr lang="en-US" smtClean="0"/>
-              <a:t>8/23/2020 3:12 PM</a:t>
+              <a:t>8/22/2022 4:22 PM</a:t>
             </a:fld>
             <a:endParaRPr lang="en-US" dirty="0"/>
           </a:p>
@@ -3234,7 +3234,7 @@
           <a:p>
             <a:fld id="{D18B56EA-E28F-4F92-9F16-7A6F2501B303}" type="datetime8">
               <a:rPr lang="en-US" smtClean="0"/>
-              <a:t>8/23/2020 3:12 PM</a:t>
+              <a:t>8/22/2022 4:22 PM</a:t>
             </a:fld>
             <a:endParaRPr lang="en-US" dirty="0"/>
           </a:p>
@@ -3434,7 +3434,7 @@
           <a:p>
             <a:fld id="{D18B56EA-E28F-4F92-9F16-7A6F2501B303}" type="datetime8">
               <a:rPr lang="en-US" smtClean="0"/>
-              <a:t>8/23/2020 3:12 PM</a:t>
+              <a:t>8/22/2022 4:22 PM</a:t>
             </a:fld>
             <a:endParaRPr lang="en-US" dirty="0"/>
           </a:p>
@@ -3642,7 +3642,7 @@
           <a:p>
             <a:fld id="{D18B56EA-E28F-4F92-9F16-7A6F2501B303}" type="datetime8">
               <a:rPr lang="en-US" smtClean="0"/>
-              <a:t>8/23/2020 3:12 PM</a:t>
+              <a:t>8/22/2022 4:22 PM</a:t>
             </a:fld>
             <a:endParaRPr lang="en-US" dirty="0"/>
           </a:p>
@@ -16497,14 +16497,19 @@
             <p:ph type="body" sz="quarter" idx="10"/>
           </p:nvPr>
         </p:nvSpPr>
-        <p:spPr/>
+        <p:spPr>
+          <a:xfrm>
+            <a:off x="464400" y="1178951"/>
+            <a:ext cx="11575200" cy="5344540"/>
+          </a:xfrm>
+        </p:spPr>
         <p:txBody>
           <a:bodyPr/>
           <a:lstStyle/>
           <a:p>
             <a:r>
               <a:rPr lang="en-US" sz="1400" dirty="0"/>
-              <a:t>private _</a:t>
+              <a:t>private async _</a:t>
             </a:r>
             <a:r>
               <a:rPr lang="en-US" sz="1400" dirty="0" err="1"/>
@@ -16526,8 +16531,282 @@
           <a:p>
             <a:r>
               <a:rPr lang="en-US" sz="1400" dirty="0"/>
-              <a:t>  // get the first item</a:t>
-            </a:r>
+              <a:t>  const </a:t>
+            </a:r>
+            <a:r>
+              <a:rPr lang="en-US" sz="1400" dirty="0" err="1"/>
+              <a:t>getEndpoint</a:t>
+            </a:r>
+            <a:r>
+              <a:rPr lang="en-US" sz="1400" dirty="0"/>
+              <a:t> = </a:t>
+            </a:r>
+            <a:r>
+              <a:rPr lang="en-US" sz="1400" dirty="0" err="1"/>
+              <a:t>this.context.pageContext.web.absoluteUrl</a:t>
+            </a:r>
+            <a:r>
+              <a:rPr lang="en-US" sz="1400" dirty="0"/>
+              <a:t> + </a:t>
+            </a:r>
+          </a:p>
+          <a:p>
+            <a:r>
+              <a:rPr lang="en-US" sz="1400" dirty="0"/>
+              <a:t>    `/_</a:t>
+            </a:r>
+            <a:r>
+              <a:rPr lang="en-US" sz="1400" dirty="0" err="1"/>
+              <a:t>api</a:t>
+            </a:r>
+            <a:r>
+              <a:rPr lang="en-US" sz="1400" dirty="0"/>
+              <a:t>/web/lists/</a:t>
+            </a:r>
+            <a:r>
+              <a:rPr lang="en-US" sz="1400" dirty="0" err="1"/>
+              <a:t>getbytitle</a:t>
+            </a:r>
+            <a:r>
+              <a:rPr lang="en-US" sz="1400" dirty="0"/>
+              <a:t>('Countries')/items?` +</a:t>
+            </a:r>
+          </a:p>
+          <a:p>
+            <a:r>
+              <a:rPr lang="en-US" sz="1400" dirty="0"/>
+              <a:t>    `$select=</a:t>
+            </a:r>
+            <a:r>
+              <a:rPr lang="en-US" sz="1400" dirty="0" err="1"/>
+              <a:t>Id,Title</a:t>
+            </a:r>
+            <a:r>
+              <a:rPr lang="en-US" sz="1400" dirty="0"/>
+              <a:t>&amp;$</a:t>
+            </a:r>
+            <a:r>
+              <a:rPr lang="en-US" sz="1400" dirty="0" err="1"/>
+              <a:t>orderby</a:t>
+            </a:r>
+            <a:r>
+              <a:rPr lang="en-US" sz="1400" dirty="0"/>
+              <a:t>=ID desc&amp;$top=1`;</a:t>
+            </a:r>
+          </a:p>
+          <a:p>
+            <a:endParaRPr lang="en-US" sz="1400" dirty="0"/>
+          </a:p>
+          <a:p>
+            <a:r>
+              <a:rPr lang="en-US" sz="1400" dirty="0"/>
+              <a:t>  const </a:t>
+            </a:r>
+            <a:r>
+              <a:rPr lang="en-US" sz="1400" dirty="0" err="1"/>
+              <a:t>getResponse</a:t>
+            </a:r>
+            <a:r>
+              <a:rPr lang="en-US" sz="1400" dirty="0"/>
+              <a:t> = await </a:t>
+            </a:r>
+            <a:r>
+              <a:rPr lang="en-US" sz="1400" dirty="0" err="1"/>
+              <a:t>this.context.spHttpClient.get</a:t>
+            </a:r>
+            <a:r>
+              <a:rPr lang="en-US" sz="1400" dirty="0"/>
+              <a:t>(</a:t>
+            </a:r>
+            <a:r>
+              <a:rPr lang="en-US" sz="1400" dirty="0" err="1"/>
+              <a:t>getEndpoint</a:t>
+            </a:r>
+            <a:r>
+              <a:rPr lang="en-US" sz="1400" dirty="0"/>
+              <a:t>, SPHttpClient.configurations.v1);</a:t>
+            </a:r>
+          </a:p>
+          <a:p>
+            <a:r>
+              <a:rPr lang="en-US" sz="1400" dirty="0"/>
+              <a:t>  const </a:t>
+            </a:r>
+            <a:r>
+              <a:rPr lang="en-US" sz="1400" dirty="0" err="1"/>
+              <a:t>responseJson</a:t>
+            </a:r>
+            <a:r>
+              <a:rPr lang="en-US" sz="1400" dirty="0"/>
+              <a:t> = await </a:t>
+            </a:r>
+            <a:r>
+              <a:rPr lang="en-US" sz="1400" dirty="0" err="1"/>
+              <a:t>getResponse.json</a:t>
+            </a:r>
+            <a:r>
+              <a:rPr lang="en-US" sz="1400" dirty="0"/>
+              <a:t>();</a:t>
+            </a:r>
+          </a:p>
+          <a:p>
+            <a:r>
+              <a:rPr lang="en-US" sz="1400" dirty="0"/>
+              <a:t>  const </a:t>
+            </a:r>
+            <a:r>
+              <a:rPr lang="en-US" sz="1400" dirty="0" err="1"/>
+              <a:t>listItem</a:t>
+            </a:r>
+            <a:r>
+              <a:rPr lang="en-US" sz="1400" dirty="0"/>
+              <a:t>: </a:t>
+            </a:r>
+            <a:r>
+              <a:rPr lang="en-US" sz="1400" dirty="0" err="1"/>
+              <a:t>ICountryListItem</a:t>
+            </a:r>
+            <a:r>
+              <a:rPr lang="en-US" sz="1400" dirty="0"/>
+              <a:t> = </a:t>
+            </a:r>
+            <a:r>
+              <a:rPr lang="en-US" sz="1400" dirty="0" err="1"/>
+              <a:t>responseJson.value</a:t>
+            </a:r>
+            <a:r>
+              <a:rPr lang="en-US" sz="1400" dirty="0"/>
+              <a:t>[0];</a:t>
+            </a:r>
+          </a:p>
+          <a:p>
+            <a:endParaRPr lang="en-US" sz="1400" dirty="0"/>
+          </a:p>
+          <a:p>
+            <a:r>
+              <a:rPr lang="en-US" sz="1400" dirty="0"/>
+              <a:t>  const request: any = {};</a:t>
+            </a:r>
+          </a:p>
+          <a:p>
+            <a:r>
+              <a:rPr lang="en-US" sz="1400" dirty="0"/>
+              <a:t>  </a:t>
+            </a:r>
+            <a:r>
+              <a:rPr lang="en-US" sz="1400" dirty="0" err="1"/>
+              <a:t>request.headers</a:t>
+            </a:r>
+            <a:r>
+              <a:rPr lang="en-US" sz="1400" dirty="0"/>
+              <a:t> = {</a:t>
+            </a:r>
+          </a:p>
+          <a:p>
+            <a:r>
+              <a:rPr lang="en-US" sz="1400" dirty="0"/>
+              <a:t>    'X-HTTP-Method': 'DELETE',</a:t>
+            </a:r>
+          </a:p>
+          <a:p>
+            <a:r>
+              <a:rPr lang="en-US" sz="1400" dirty="0"/>
+              <a:t>    'IF-MATCH': '*'</a:t>
+            </a:r>
+          </a:p>
+          <a:p>
+            <a:r>
+              <a:rPr lang="en-US" sz="1400" dirty="0"/>
+              <a:t>  };</a:t>
+            </a:r>
+          </a:p>
+          <a:p>
+            <a:r>
+              <a:rPr lang="en-US" sz="1400" dirty="0"/>
+              <a:t>  </a:t>
+            </a:r>
+            <a:r>
+              <a:rPr lang="en-US" sz="1400" dirty="0" err="1"/>
+              <a:t>request.body</a:t>
+            </a:r>
+            <a:r>
+              <a:rPr lang="en-US" sz="1400" dirty="0"/>
+              <a:t> = </a:t>
+            </a:r>
+            <a:r>
+              <a:rPr lang="en-US" sz="1400" dirty="0" err="1"/>
+              <a:t>JSON.stringify</a:t>
+            </a:r>
+            <a:r>
+              <a:rPr lang="en-US" sz="1400" dirty="0"/>
+              <a:t>(</a:t>
+            </a:r>
+            <a:r>
+              <a:rPr lang="en-US" sz="1400" dirty="0" err="1"/>
+              <a:t>listItem</a:t>
+            </a:r>
+            <a:r>
+              <a:rPr lang="en-US" sz="1400" dirty="0"/>
+              <a:t>);</a:t>
+            </a:r>
+          </a:p>
+          <a:p>
+            <a:endParaRPr lang="en-US" sz="1400" dirty="0"/>
+          </a:p>
+          <a:p>
+            <a:r>
+              <a:rPr lang="en-US" sz="1400" dirty="0"/>
+              <a:t>  const </a:t>
+            </a:r>
+            <a:r>
+              <a:rPr lang="en-US" sz="1400" dirty="0" err="1"/>
+              <a:t>postEndpoint</a:t>
+            </a:r>
+            <a:r>
+              <a:rPr lang="en-US" sz="1400" dirty="0"/>
+              <a:t> = </a:t>
+            </a:r>
+            <a:r>
+              <a:rPr lang="en-US" sz="1400" dirty="0" err="1"/>
+              <a:t>this.context.pageContext.web.absoluteUrl</a:t>
+            </a:r>
+            <a:r>
+              <a:rPr lang="en-US" sz="1400" dirty="0"/>
+              <a:t> + </a:t>
+            </a:r>
+          </a:p>
+          <a:p>
+            <a:r>
+              <a:rPr lang="en-US" sz="1400" dirty="0"/>
+              <a:t>    `/_</a:t>
+            </a:r>
+            <a:r>
+              <a:rPr lang="en-US" sz="1400" dirty="0" err="1"/>
+              <a:t>api</a:t>
+            </a:r>
+            <a:r>
+              <a:rPr lang="en-US" sz="1400" dirty="0"/>
+              <a:t>/web/lists/</a:t>
+            </a:r>
+            <a:r>
+              <a:rPr lang="en-US" sz="1400" dirty="0" err="1"/>
+              <a:t>getbytitle</a:t>
+            </a:r>
+            <a:r>
+              <a:rPr lang="en-US" sz="1400" dirty="0"/>
+              <a:t>('Countries')/items(${</a:t>
+            </a:r>
+            <a:r>
+              <a:rPr lang="en-US" sz="1400" dirty="0" err="1"/>
+              <a:t>listItem.Id</a:t>
+            </a:r>
+            <a:r>
+              <a:rPr lang="en-US" sz="1400" dirty="0"/>
+              <a:t>})`;</a:t>
+            </a:r>
+          </a:p>
+          <a:p>
+            <a:endParaRPr lang="en-US" sz="1400" dirty="0"/>
           </a:p>
           <a:p>
             <a:r>
@@ -16536,236 +16815,19 @@
             </a:r>
             <a:r>
               <a:rPr lang="en-US" sz="1400" dirty="0" err="1"/>
-              <a:t>this.context.spHttpClient.get</a:t>
+              <a:t>this.context.spHttpClient.post</a:t>
             </a:r>
             <a:r>
               <a:rPr lang="en-US" sz="1400" dirty="0"/>
               <a:t>(</a:t>
             </a:r>
-          </a:p>
-          <a:p>
-            <a:r>
-              <a:rPr lang="en-US" sz="1400" dirty="0">
-                <a:solidFill>
-                  <a:schemeClr val="accent1"/>
-                </a:solidFill>
-              </a:rPr>
-              <a:t>      // .. code to get item from SP REST API</a:t>
-            </a:r>
-          </a:p>
-          <a:p>
+            <a:r>
+              <a:rPr lang="en-US" sz="1400" dirty="0" err="1"/>
+              <a:t>postEndpoint</a:t>
+            </a:r>
             <a:r>
               <a:rPr lang="en-US" sz="1400" dirty="0"/>
-              <a:t>    })</a:t>
-            </a:r>
-          </a:p>
-          <a:p>
-            <a:r>
-              <a:rPr lang="en-US" sz="1400" dirty="0"/>
-              <a:t>    .then((</a:t>
-            </a:r>
-            <a:r>
-              <a:rPr lang="en-US" sz="1400" dirty="0" err="1"/>
-              <a:t>listItem</a:t>
-            </a:r>
-            <a:r>
-              <a:rPr lang="en-US" sz="1400" dirty="0"/>
-              <a:t>: </a:t>
-            </a:r>
-            <a:r>
-              <a:rPr lang="en-US" sz="1400" dirty="0" err="1"/>
-              <a:t>ICountryListItem</a:t>
-            </a:r>
-            <a:r>
-              <a:rPr lang="en-US" sz="1400" dirty="0"/>
-              <a:t>) =&gt; {</a:t>
-            </a:r>
-          </a:p>
-          <a:p>
-            <a:r>
-              <a:rPr lang="en-US" sz="1400" dirty="0"/>
-              <a:t>      // delete it</a:t>
-            </a:r>
-          </a:p>
-          <a:p>
-            <a:r>
-              <a:rPr lang="en-US" sz="1400" dirty="0"/>
-              <a:t>      </a:t>
-            </a:r>
-            <a:r>
-              <a:rPr lang="en-US" sz="1400" dirty="0" err="1"/>
-              <a:t>const</a:t>
-            </a:r>
-            <a:r>
-              <a:rPr lang="en-US" sz="1400" dirty="0"/>
-              <a:t> request: any = {};</a:t>
-            </a:r>
-          </a:p>
-          <a:p>
-            <a:r>
-              <a:rPr lang="en-US" sz="1400" dirty="0">
-                <a:solidFill>
-                  <a:schemeClr val="accent1"/>
-                </a:solidFill>
-              </a:rPr>
-              <a:t>      </a:t>
-            </a:r>
-            <a:r>
-              <a:rPr lang="en-US" sz="1400" dirty="0" err="1">
-                <a:solidFill>
-                  <a:schemeClr val="accent1"/>
-                </a:solidFill>
-              </a:rPr>
-              <a:t>request.headers</a:t>
-            </a:r>
-            <a:r>
-              <a:rPr lang="en-US" sz="1400" dirty="0">
-                <a:solidFill>
-                  <a:schemeClr val="accent1"/>
-                </a:solidFill>
-              </a:rPr>
-              <a:t> = {</a:t>
-            </a:r>
-          </a:p>
-          <a:p>
-            <a:r>
-              <a:rPr lang="en-US" sz="1400" dirty="0">
-                <a:solidFill>
-                  <a:schemeClr val="accent1"/>
-                </a:solidFill>
-              </a:rPr>
-              <a:t>        'X-HTTP-Method': 'DELETE',</a:t>
-            </a:r>
-          </a:p>
-          <a:p>
-            <a:r>
-              <a:rPr lang="en-US" sz="1400" dirty="0">
-                <a:solidFill>
-                  <a:schemeClr val="accent1"/>
-                </a:solidFill>
-              </a:rPr>
-              <a:t>        'IF-MATCH': '*'</a:t>
-            </a:r>
-          </a:p>
-          <a:p>
-            <a:r>
-              <a:rPr lang="en-US" sz="1400" dirty="0">
-                <a:solidFill>
-                  <a:schemeClr val="accent1"/>
-                </a:solidFill>
-              </a:rPr>
-              <a:t>      };</a:t>
-            </a:r>
-          </a:p>
-          <a:p>
-            <a:endParaRPr lang="en-US" sz="1400" dirty="0"/>
-          </a:p>
-          <a:p>
-            <a:r>
-              <a:rPr lang="en-US" sz="1400" dirty="0"/>
-              <a:t>      </a:t>
-            </a:r>
-            <a:r>
-              <a:rPr lang="en-US" sz="1400" dirty="0" err="1"/>
-              <a:t>const</a:t>
-            </a:r>
-            <a:r>
-              <a:rPr lang="en-US" sz="1400" dirty="0"/>
-              <a:t> endpoint: string = </a:t>
-            </a:r>
-            <a:r>
-              <a:rPr lang="en-US" sz="1400" dirty="0" err="1"/>
-              <a:t>this.context.pageContext.web.absoluteUrl</a:t>
-            </a:r>
-            <a:r>
-              <a:rPr lang="en-US" sz="1400" dirty="0"/>
-              <a:t> </a:t>
-            </a:r>
-            <a:br>
-              <a:rPr lang="en-US" sz="1400" dirty="0"/>
-            </a:br>
-            <a:r>
-              <a:rPr lang="en-US" sz="1400" dirty="0"/>
-              <a:t>                               + `/_</a:t>
-            </a:r>
-            <a:r>
-              <a:rPr lang="en-US" sz="1400" dirty="0" err="1"/>
-              <a:t>api</a:t>
-            </a:r>
-            <a:r>
-              <a:rPr lang="en-US" sz="1400" dirty="0"/>
-              <a:t>/web/lists/</a:t>
-            </a:r>
-            <a:r>
-              <a:rPr lang="en-US" sz="1400" dirty="0" err="1"/>
-              <a:t>getbytitle</a:t>
-            </a:r>
-            <a:r>
-              <a:rPr lang="en-US" sz="1400" dirty="0"/>
-              <a:t>('Countries')/items</a:t>
-            </a:r>
-            <a:r>
-              <a:rPr lang="en-US" sz="1400" dirty="0">
-                <a:solidFill>
-                  <a:schemeClr val="accent1"/>
-                </a:solidFill>
-              </a:rPr>
-              <a:t>(${</a:t>
-            </a:r>
-            <a:r>
-              <a:rPr lang="en-US" sz="1400" dirty="0" err="1">
-                <a:solidFill>
-                  <a:schemeClr val="accent1"/>
-                </a:solidFill>
-              </a:rPr>
-              <a:t>listItem.Id</a:t>
-            </a:r>
-            <a:r>
-              <a:rPr lang="en-US" sz="1400" dirty="0">
-                <a:solidFill>
-                  <a:schemeClr val="accent1"/>
-                </a:solidFill>
-              </a:rPr>
-              <a:t>})</a:t>
-            </a:r>
-            <a:r>
-              <a:rPr lang="en-US" sz="1400" dirty="0"/>
-              <a:t>`</a:t>
-            </a:r>
-          </a:p>
-          <a:p>
-            <a:endParaRPr lang="en-US" sz="1400" dirty="0"/>
-          </a:p>
-          <a:p>
-            <a:r>
-              <a:rPr lang="en-US" sz="1400" dirty="0"/>
-              <a:t>      return </a:t>
-            </a:r>
-            <a:r>
-              <a:rPr lang="en-US" sz="1400" dirty="0" err="1">
-                <a:solidFill>
-                  <a:schemeClr val="accent1"/>
-                </a:solidFill>
-              </a:rPr>
-              <a:t>this.context.spHttpClient.post</a:t>
-            </a:r>
-            <a:r>
-              <a:rPr lang="en-US" sz="1400" dirty="0">
-                <a:solidFill>
-                  <a:schemeClr val="accent1"/>
-                </a:solidFill>
-              </a:rPr>
-              <a:t>(endpoint, SPHttpClient.configurations.v1, request)</a:t>
-            </a:r>
-            <a:r>
-              <a:rPr lang="en-US" sz="1400" dirty="0"/>
-              <a:t>;</a:t>
-            </a:r>
-          </a:p>
-          <a:p>
-            <a:r>
-              <a:rPr lang="en-US" sz="1400" dirty="0"/>
-              <a:t>    });</a:t>
+              <a:t>, SPHttpClient.configurations.v1, request);</a:t>
             </a:r>
           </a:p>
           <a:p>
@@ -18511,7 +18573,7 @@
         <p:spPr>
           <a:xfrm>
             <a:off x="464400" y="1178952"/>
-            <a:ext cx="11575200" cy="4907497"/>
+            <a:ext cx="11575200" cy="3951851"/>
           </a:xfrm>
         </p:spPr>
         <p:txBody>
@@ -18520,7 +18582,7 @@
           <a:p>
             <a:r>
               <a:rPr lang="en-US" sz="1800" dirty="0"/>
-              <a:t>private _</a:t>
+              <a:t>private async _</a:t>
             </a:r>
             <a:r>
               <a:rPr lang="en-US" sz="1800" dirty="0" err="1"/>
@@ -18534,26 +18596,21 @@
           <a:p>
             <a:r>
               <a:rPr lang="en-US" sz="1800" dirty="0"/>
-              <a:t>  </a:t>
-            </a:r>
-            <a:r>
-              <a:rPr lang="en-US" sz="1800" dirty="0" err="1"/>
-              <a:t>const</a:t>
-            </a:r>
-            <a:r>
-              <a:rPr lang="en-US" sz="1800" dirty="0"/>
-              <a:t> endpoint: string = </a:t>
+              <a:t>  const endpoint: string = </a:t>
             </a:r>
             <a:r>
               <a:rPr lang="en-US" sz="1800" dirty="0" err="1"/>
               <a:t>this.context.pageContext.web.absoluteUrl</a:t>
             </a:r>
-            <a:endParaRPr lang="en-US" sz="1800" dirty="0"/>
-          </a:p>
-          <a:p>
             <a:r>
               <a:rPr lang="en-US" sz="1800" dirty="0"/>
-              <a:t>+ `/_</a:t>
+              <a:t> + </a:t>
+            </a:r>
+          </a:p>
+          <a:p>
+            <a:r>
+              <a:rPr lang="en-US" sz="1800" dirty="0"/>
+              <a:t>    `/_</a:t>
             </a:r>
             <a:r>
               <a:rPr lang="en-US" sz="1800" dirty="0" err="1"/>
@@ -18569,19 +18626,69 @@
             </a:r>
             <a:r>
               <a:rPr lang="en-US" sz="1800" dirty="0"/>
-              <a:t>('Countries')?$select=</a:t>
-            </a:r>
-            <a:r>
-              <a:rPr lang="en-US" sz="1800" dirty="0" err="1">
-                <a:solidFill>
-                  <a:schemeClr val="accent1"/>
-                </a:solidFill>
-              </a:rPr>
-              <a:t>ListItemEntityTypeFullName</a:t>
+              <a:t>('Countries')/items?$select=</a:t>
+            </a:r>
+            <a:r>
+              <a:rPr lang="en-US" sz="1800" dirty="0" err="1"/>
+              <a:t>Id,Title</a:t>
             </a:r>
             <a:r>
               <a:rPr lang="en-US" sz="1800" dirty="0"/>
-              <a:t>`</a:t>
+              <a:t>`;</a:t>
+            </a:r>
+          </a:p>
+          <a:p>
+            <a:endParaRPr lang="en-US" sz="1800" dirty="0"/>
+          </a:p>
+          <a:p>
+            <a:r>
+              <a:rPr lang="en-US" sz="1800" dirty="0"/>
+              <a:t>  const response = await </a:t>
+            </a:r>
+            <a:r>
+              <a:rPr lang="en-US" sz="1800" dirty="0" err="1"/>
+              <a:t>this.context.spHttpClient.get</a:t>
+            </a:r>
+            <a:r>
+              <a:rPr lang="en-US" sz="1800" dirty="0"/>
+              <a:t>(</a:t>
+            </a:r>
+          </a:p>
+          <a:p>
+            <a:r>
+              <a:rPr lang="en-US" sz="1800" dirty="0"/>
+              <a:t>    endpoint,</a:t>
+            </a:r>
+          </a:p>
+          <a:p>
+            <a:r>
+              <a:rPr lang="en-US" sz="1800" dirty="0"/>
+              <a:t>    SPHttpClient.configurations.v1);</a:t>
+            </a:r>
+          </a:p>
+          <a:p>
+            <a:endParaRPr lang="en-US" sz="1800" dirty="0"/>
+          </a:p>
+          <a:p>
+            <a:r>
+              <a:rPr lang="en-US" sz="1800" dirty="0"/>
+              <a:t>  const </a:t>
+            </a:r>
+            <a:r>
+              <a:rPr lang="en-US" sz="1800" dirty="0" err="1"/>
+              <a:t>responseJson</a:t>
+            </a:r>
+            <a:r>
+              <a:rPr lang="en-US" sz="1800" dirty="0"/>
+              <a:t> = await </a:t>
+            </a:r>
+            <a:r>
+              <a:rPr lang="en-US" sz="1800" dirty="0" err="1"/>
+              <a:t>response.json</a:t>
+            </a:r>
+            <a:r>
+              <a:rPr lang="en-US" sz="1800" dirty="0"/>
+              <a:t>();</a:t>
             </a:r>
           </a:p>
           <a:p>
@@ -18594,89 +18701,11 @@
             </a:r>
             <a:r>
               <a:rPr lang="en-US" sz="1800" dirty="0" err="1"/>
-              <a:t>this.context.spHttpClient.get</a:t>
-            </a:r>
-            <a:r>
-              <a:rPr lang="en-US" sz="1800" dirty="0"/>
-              <a:t>(</a:t>
-            </a:r>
-          </a:p>
-          <a:p>
-            <a:r>
-              <a:rPr lang="en-US" sz="1800" dirty="0"/>
-              <a:t>    endpoint,</a:t>
-            </a:r>
-          </a:p>
-          <a:p>
-            <a:r>
-              <a:rPr lang="en-US" sz="1800" dirty="0"/>
-              <a:t>    SPHttpClient.configurations.v1</a:t>
-            </a:r>
-          </a:p>
-          <a:p>
-            <a:r>
-              <a:rPr lang="en-US" sz="1800" dirty="0"/>
-              <a:t>  )</a:t>
-            </a:r>
-          </a:p>
-          <a:p>
-            <a:r>
-              <a:rPr lang="en-US" sz="1800" dirty="0"/>
-              <a:t>  .then(response =&gt; {</a:t>
-            </a:r>
-          </a:p>
-          <a:p>
-            <a:r>
-              <a:rPr lang="en-US" sz="1800" dirty="0"/>
-              <a:t>    return </a:t>
-            </a:r>
-            <a:r>
-              <a:rPr lang="en-US" sz="1800" dirty="0" err="1"/>
-              <a:t>response.json</a:t>
-            </a:r>
-            <a:r>
-              <a:rPr lang="en-US" sz="1800" dirty="0"/>
-              <a:t>();</a:t>
-            </a:r>
-          </a:p>
-          <a:p>
-            <a:r>
-              <a:rPr lang="en-US" sz="1800" dirty="0"/>
-              <a:t>  })</a:t>
-            </a:r>
-          </a:p>
-          <a:p>
-            <a:r>
-              <a:rPr lang="en-US" sz="1800" dirty="0"/>
-              <a:t>  .then(</a:t>
-            </a:r>
-            <a:r>
-              <a:rPr lang="en-US" sz="1800" dirty="0" err="1"/>
-              <a:t>jsonResponse</a:t>
-            </a:r>
-            <a:r>
-              <a:rPr lang="en-US" sz="1800" dirty="0"/>
-              <a:t> =&gt; {</a:t>
-            </a:r>
-          </a:p>
-          <a:p>
-            <a:r>
-              <a:rPr lang="en-US" sz="1800" dirty="0"/>
-              <a:t>    return </a:t>
-            </a:r>
-            <a:r>
-              <a:rPr lang="en-US" sz="1800" dirty="0" err="1"/>
-              <a:t>jsonResponse.ListItemEntityTypeFullName</a:t>
+              <a:t>responseJson.ListItemEntityTypeFullName</a:t>
             </a:r>
             <a:r>
               <a:rPr lang="en-US" sz="1800" dirty="0"/>
               <a:t>;</a:t>
-            </a:r>
-          </a:p>
-          <a:p>
-            <a:r>
-              <a:rPr lang="en-US" sz="1800" dirty="0"/>
-              <a:t>  }) as Promise&lt;string&gt;;</a:t>
             </a:r>
           </a:p>
           <a:p>
@@ -18772,7 +18801,7 @@
         <p:spPr>
           <a:xfrm>
             <a:off x="464400" y="1178952"/>
-            <a:ext cx="11575200" cy="5115246"/>
+            <a:ext cx="11575200" cy="5544595"/>
           </a:xfrm>
         </p:spPr>
         <p:txBody>
@@ -18781,7 +18810,7 @@
           <a:p>
             <a:r>
               <a:rPr lang="en-US" sz="1800" dirty="0"/>
-              <a:t>private _</a:t>
+              <a:t>private async _</a:t>
             </a:r>
             <a:r>
               <a:rPr lang="en-US" sz="1800" dirty="0" err="1"/>
@@ -18803,7 +18832,15 @@
           <a:p>
             <a:r>
               <a:rPr lang="en-US" sz="1800" dirty="0"/>
-              <a:t>  return this._</a:t>
+              <a:t>  const </a:t>
+            </a:r>
+            <a:r>
+              <a:rPr lang="en-US" sz="1800" dirty="0" err="1"/>
+              <a:t>itemEntityType</a:t>
+            </a:r>
+            <a:r>
+              <a:rPr lang="en-US" sz="1800" dirty="0"/>
+              <a:t> = await this._</a:t>
             </a:r>
             <a:r>
               <a:rPr lang="en-US" sz="1800" dirty="0" err="1"/>
@@ -18811,173 +18848,86 @@
             </a:r>
             <a:r>
               <a:rPr lang="en-US" sz="1800" dirty="0"/>
-              <a:t>()</a:t>
-            </a:r>
+              <a:t>();</a:t>
+            </a:r>
+          </a:p>
+          <a:p>
+            <a:endParaRPr lang="en-US" sz="1800" dirty="0"/>
           </a:p>
           <a:p>
             <a:r>
               <a:rPr lang="en-US" sz="1800" dirty="0"/>
-              <a:t>    .then(</a:t>
-            </a:r>
-            <a:r>
-              <a:rPr lang="en-US" sz="1800" dirty="0" err="1">
-                <a:solidFill>
-                  <a:schemeClr val="accent1"/>
-                </a:solidFill>
-              </a:rPr>
-              <a:t>spEntityType</a:t>
-            </a:r>
+              <a:t>  const request: any = {};</a:t>
+            </a:r>
+          </a:p>
+          <a:p>
             <a:r>
               <a:rPr lang="en-US" sz="1800" dirty="0"/>
-              <a:t> =&gt; {</a:t>
-            </a:r>
-          </a:p>
-          <a:p>
+              <a:t>  </a:t>
+            </a:r>
+            <a:r>
+              <a:rPr lang="en-US" sz="1800" dirty="0" err="1"/>
+              <a:t>request.body</a:t>
+            </a:r>
             <a:r>
               <a:rPr lang="en-US" sz="1800" dirty="0"/>
-              <a:t>      </a:t>
-            </a:r>
-            <a:r>
-              <a:rPr lang="en-US" sz="1800" dirty="0" err="1">
-                <a:solidFill>
-                  <a:schemeClr val="accent1"/>
-                </a:solidFill>
-              </a:rPr>
-              <a:t>const</a:t>
-            </a:r>
-            <a:r>
-              <a:rPr lang="en-US" sz="1800" dirty="0">
-                <a:solidFill>
-                  <a:schemeClr val="accent1"/>
-                </a:solidFill>
-              </a:rPr>
-              <a:t> request: any = {};</a:t>
-            </a:r>
-          </a:p>
-          <a:p>
-            <a:r>
-              <a:rPr lang="en-US" sz="1800" dirty="0">
-                <a:solidFill>
-                  <a:schemeClr val="accent1"/>
-                </a:solidFill>
-              </a:rPr>
-              <a:t>      </a:t>
-            </a:r>
-            <a:r>
-              <a:rPr lang="en-US" sz="1800" dirty="0" err="1">
-                <a:solidFill>
-                  <a:schemeClr val="accent1"/>
-                </a:solidFill>
-              </a:rPr>
-              <a:t>request.body</a:t>
-            </a:r>
-            <a:r>
-              <a:rPr lang="en-US" sz="1800" dirty="0">
-                <a:solidFill>
-                  <a:schemeClr val="accent1"/>
-                </a:solidFill>
-              </a:rPr>
               <a:t> = </a:t>
             </a:r>
             <a:r>
-              <a:rPr lang="en-US" sz="1800" dirty="0" err="1">
-                <a:solidFill>
-                  <a:schemeClr val="accent1"/>
-                </a:solidFill>
-              </a:rPr>
+              <a:rPr lang="en-US" sz="1800" dirty="0" err="1"/>
               <a:t>JSON.stringify</a:t>
             </a:r>
             <a:r>
-              <a:rPr lang="en-US" sz="1800" dirty="0">
-                <a:solidFill>
-                  <a:schemeClr val="accent1"/>
-                </a:solidFill>
-              </a:rPr>
+              <a:rPr lang="en-US" sz="1800" dirty="0"/>
               <a:t>({</a:t>
             </a:r>
           </a:p>
           <a:p>
             <a:r>
-              <a:rPr lang="en-US" sz="1800" dirty="0">
-                <a:solidFill>
-                  <a:schemeClr val="accent1"/>
-                </a:solidFill>
-              </a:rPr>
-              <a:t>        Title: new Date().</a:t>
-            </a:r>
-            <a:r>
-              <a:rPr lang="en-US" sz="1800" dirty="0" err="1">
-                <a:solidFill>
-                  <a:schemeClr val="accent1"/>
-                </a:solidFill>
-              </a:rPr>
+              <a:rPr lang="en-US" sz="1800" dirty="0"/>
+              <a:t>    Title: new Date().</a:t>
+            </a:r>
+            <a:r>
+              <a:rPr lang="en-US" sz="1800" dirty="0" err="1"/>
               <a:t>toUTCString</a:t>
             </a:r>
             <a:r>
-              <a:rPr lang="en-US" sz="1800" dirty="0">
-                <a:solidFill>
-                  <a:schemeClr val="accent1"/>
-                </a:solidFill>
-              </a:rPr>
+              <a:rPr lang="en-US" sz="1800" dirty="0"/>
               <a:t>(),</a:t>
             </a:r>
           </a:p>
           <a:p>
             <a:r>
-              <a:rPr lang="en-US" sz="1800" dirty="0">
-                <a:solidFill>
-                  <a:schemeClr val="accent1"/>
-                </a:solidFill>
-              </a:rPr>
-              <a:t>        '@</a:t>
-            </a:r>
-            <a:r>
-              <a:rPr lang="en-US" sz="1800" dirty="0" err="1">
-                <a:solidFill>
-                  <a:schemeClr val="accent1"/>
-                </a:solidFill>
-              </a:rPr>
+              <a:rPr lang="en-US" sz="1800" dirty="0"/>
+              <a:t>    '@</a:t>
+            </a:r>
+            <a:r>
+              <a:rPr lang="en-US" sz="1800" dirty="0" err="1"/>
               <a:t>odata.type</a:t>
             </a:r>
             <a:r>
-              <a:rPr lang="en-US" sz="1800" dirty="0">
-                <a:solidFill>
-                  <a:schemeClr val="accent1"/>
-                </a:solidFill>
-              </a:rPr>
+              <a:rPr lang="en-US" sz="1800" dirty="0"/>
               <a:t>': </a:t>
             </a:r>
             <a:r>
-              <a:rPr lang="en-US" sz="1800" dirty="0" err="1">
-                <a:solidFill>
-                  <a:schemeClr val="accent1"/>
-                </a:solidFill>
-              </a:rPr>
-              <a:t>spEntityType</a:t>
-            </a:r>
-            <a:endParaRPr lang="en-US" sz="1800" dirty="0">
-              <a:solidFill>
-                <a:schemeClr val="accent1"/>
-              </a:solidFill>
-            </a:endParaRPr>
-          </a:p>
-          <a:p>
-            <a:r>
-              <a:rPr lang="en-US" sz="1800" dirty="0">
-                <a:solidFill>
-                  <a:schemeClr val="accent1"/>
-                </a:solidFill>
-              </a:rPr>
-              <a:t>      });</a:t>
-            </a:r>
-          </a:p>
-          <a:p>
+              <a:rPr lang="en-US" sz="1800" dirty="0" err="1"/>
+              <a:t>itemEntityType</a:t>
+            </a:r>
             <a:endParaRPr lang="en-US" sz="1800" dirty="0"/>
           </a:p>
           <a:p>
             <a:r>
               <a:rPr lang="en-US" sz="1800" dirty="0"/>
-              <a:t>      const endpoint: string = </a:t>
+              <a:t>  });</a:t>
+            </a:r>
+          </a:p>
+          <a:p>
+            <a:endParaRPr lang="en-US" sz="1800" dirty="0"/>
+          </a:p>
+          <a:p>
+            <a:r>
+              <a:rPr lang="en-US" sz="1800" dirty="0"/>
+              <a:t>  const endpoint = </a:t>
             </a:r>
             <a:r>
               <a:rPr lang="en-US" sz="1800" dirty="0" err="1"/>
@@ -18985,14 +18935,13 @@
             </a:r>
             <a:r>
               <a:rPr lang="en-US" sz="1800" dirty="0"/>
-              <a:t> </a:t>
-            </a:r>
-            <a:br>
+              <a:t> + </a:t>
+            </a:r>
+          </a:p>
+          <a:p>
+            <a:r>
               <a:rPr lang="en-US" sz="1800" dirty="0"/>
-            </a:br>
-            <a:r>
-              <a:rPr lang="en-US" sz="1800" dirty="0"/>
-              <a:t>        + `/_</a:t>
+              <a:t>    `/_</a:t>
             </a:r>
             <a:r>
               <a:rPr lang="en-US" sz="1800" dirty="0" err="1"/>
@@ -19010,15 +18959,14 @@
               <a:rPr lang="en-US" sz="1800" dirty="0"/>
               <a:t>('Countries')/items`;</a:t>
             </a:r>
-            <a:br>
+          </a:p>
+          <a:p>
+            <a:endParaRPr lang="en-US" sz="1800" dirty="0"/>
+          </a:p>
+          <a:p>
+            <a:r>
               <a:rPr lang="en-US" sz="1800" dirty="0"/>
-            </a:br>
-            <a:endParaRPr lang="en-US" sz="1800" dirty="0"/>
-          </a:p>
-          <a:p>
-            <a:r>
-              <a:rPr lang="en-US" sz="1800" dirty="0"/>
-              <a:t>      return </a:t>
+              <a:t>  return </a:t>
             </a:r>
             <a:r>
               <a:rPr lang="en-US" sz="1800" dirty="0" err="1"/>
@@ -19032,25 +18980,19 @@
           <a:p>
             <a:r>
               <a:rPr lang="en-US" sz="1800" dirty="0"/>
-              <a:t>        endpoint, SPHttpClient.configurations.v1, </a:t>
-            </a:r>
-            <a:r>
-              <a:rPr lang="en-US" sz="1800" dirty="0">
-                <a:solidFill>
-                  <a:schemeClr val="accent1"/>
-                </a:solidFill>
-              </a:rPr>
-              <a:t>request</a:t>
-            </a:r>
+              <a:t>    endpoint,</a:t>
+            </a:r>
+          </a:p>
+          <a:p>
             <a:r>
               <a:rPr lang="en-US" sz="1800" dirty="0"/>
-              <a:t>);</a:t>
+              <a:t>    SPHttpClient.configurations.v1,</a:t>
             </a:r>
           </a:p>
           <a:p>
             <a:r>
               <a:rPr lang="en-US" sz="1800" dirty="0"/>
-              <a:t>    });</a:t>
+              <a:t>    request);</a:t>
             </a:r>
           </a:p>
           <a:p>
@@ -19335,14 +19277,19 @@
             <p:ph type="body" sz="quarter" idx="10"/>
           </p:nvPr>
         </p:nvSpPr>
-        <p:spPr/>
+        <p:spPr>
+          <a:xfrm>
+            <a:off x="464400" y="1178952"/>
+            <a:ext cx="11575200" cy="5531814"/>
+          </a:xfrm>
+        </p:spPr>
         <p:txBody>
           <a:bodyPr/>
           <a:lstStyle/>
           <a:p>
             <a:r>
               <a:rPr lang="en-US" sz="1400" dirty="0"/>
-              <a:t>private _</a:t>
+              <a:t>private async _</a:t>
             </a:r>
             <a:r>
               <a:rPr lang="en-US" sz="1400" dirty="0" err="1"/>
@@ -19364,8 +19311,304 @@
           <a:p>
             <a:r>
               <a:rPr lang="en-US" sz="1400" dirty="0"/>
-              <a:t>  // get the first item</a:t>
-            </a:r>
+              <a:t>  const </a:t>
+            </a:r>
+            <a:r>
+              <a:rPr lang="en-US" sz="1400" dirty="0" err="1"/>
+              <a:t>getEndpoint</a:t>
+            </a:r>
+            <a:r>
+              <a:rPr lang="en-US" sz="1400" dirty="0"/>
+              <a:t>: string = </a:t>
+            </a:r>
+            <a:r>
+              <a:rPr lang="en-US" sz="1400" dirty="0" err="1"/>
+              <a:t>this.context.pageContext.web.absoluteUrl</a:t>
+            </a:r>
+            <a:r>
+              <a:rPr lang="en-US" sz="1400" dirty="0"/>
+              <a:t> + </a:t>
+            </a:r>
+          </a:p>
+          <a:p>
+            <a:r>
+              <a:rPr lang="en-US" sz="1400" dirty="0"/>
+              <a:t>    `/_</a:t>
+            </a:r>
+            <a:r>
+              <a:rPr lang="en-US" sz="1400" dirty="0" err="1"/>
+              <a:t>api</a:t>
+            </a:r>
+            <a:r>
+              <a:rPr lang="en-US" sz="1400" dirty="0"/>
+              <a:t>/web/lists/</a:t>
+            </a:r>
+            <a:r>
+              <a:rPr lang="en-US" sz="1400" dirty="0" err="1"/>
+              <a:t>getbytitle</a:t>
+            </a:r>
+            <a:r>
+              <a:rPr lang="en-US" sz="1400" dirty="0"/>
+              <a:t>('Countries')/items?` +</a:t>
+            </a:r>
+          </a:p>
+          <a:p>
+            <a:r>
+              <a:rPr lang="en-US" sz="1400" dirty="0"/>
+              <a:t>    `$select=</a:t>
+            </a:r>
+            <a:r>
+              <a:rPr lang="en-US" sz="1400" dirty="0" err="1"/>
+              <a:t>Id,Title</a:t>
+            </a:r>
+            <a:r>
+              <a:rPr lang="en-US" sz="1400" dirty="0"/>
+              <a:t>&amp;$filter=Title eq 'United States'`;</a:t>
+            </a:r>
+          </a:p>
+          <a:p>
+            <a:endParaRPr lang="en-US" sz="1400" dirty="0"/>
+          </a:p>
+          <a:p>
+            <a:r>
+              <a:rPr lang="en-US" sz="1400" dirty="0"/>
+              <a:t>  const </a:t>
+            </a:r>
+            <a:r>
+              <a:rPr lang="en-US" sz="1400" dirty="0" err="1"/>
+              <a:t>getResponse</a:t>
+            </a:r>
+            <a:r>
+              <a:rPr lang="en-US" sz="1400" dirty="0"/>
+              <a:t> = await </a:t>
+            </a:r>
+            <a:r>
+              <a:rPr lang="en-US" sz="1400" dirty="0" err="1"/>
+              <a:t>this.context.spHttpClient.get</a:t>
+            </a:r>
+            <a:r>
+              <a:rPr lang="en-US" sz="1400" dirty="0"/>
+              <a:t>(</a:t>
+            </a:r>
+            <a:r>
+              <a:rPr lang="en-US" sz="1400" dirty="0" err="1"/>
+              <a:t>getEndpoint</a:t>
+            </a:r>
+            <a:r>
+              <a:rPr lang="en-US" sz="1400" dirty="0"/>
+              <a:t>, SPHttpClient.configurations.v1);</a:t>
+            </a:r>
+          </a:p>
+          <a:p>
+            <a:r>
+              <a:rPr lang="en-US" sz="1400" dirty="0"/>
+              <a:t>  const </a:t>
+            </a:r>
+            <a:r>
+              <a:rPr lang="en-US" sz="1400" dirty="0" err="1"/>
+              <a:t>responseJson</a:t>
+            </a:r>
+            <a:r>
+              <a:rPr lang="en-US" sz="1400" dirty="0"/>
+              <a:t> = await </a:t>
+            </a:r>
+            <a:r>
+              <a:rPr lang="en-US" sz="1400" dirty="0" err="1"/>
+              <a:t>getResponse.json</a:t>
+            </a:r>
+            <a:r>
+              <a:rPr lang="en-US" sz="1400" dirty="0"/>
+              <a:t>();</a:t>
+            </a:r>
+          </a:p>
+          <a:p>
+            <a:r>
+              <a:rPr lang="en-US" sz="1400" dirty="0"/>
+              <a:t>  const </a:t>
+            </a:r>
+            <a:r>
+              <a:rPr lang="en-US" sz="1400" dirty="0" err="1"/>
+              <a:t>listItem</a:t>
+            </a:r>
+            <a:r>
+              <a:rPr lang="en-US" sz="1400" dirty="0"/>
+              <a:t>: </a:t>
+            </a:r>
+            <a:r>
+              <a:rPr lang="en-US" sz="1400" dirty="0" err="1"/>
+              <a:t>ICountryListItem</a:t>
+            </a:r>
+            <a:r>
+              <a:rPr lang="en-US" sz="1400" dirty="0"/>
+              <a:t> = </a:t>
+            </a:r>
+            <a:r>
+              <a:rPr lang="en-US" sz="1400" dirty="0" err="1"/>
+              <a:t>responseJson.value</a:t>
+            </a:r>
+            <a:r>
+              <a:rPr lang="en-US" sz="1400" dirty="0"/>
+              <a:t>[0];</a:t>
+            </a:r>
+          </a:p>
+          <a:p>
+            <a:endParaRPr lang="en-US" sz="1400" dirty="0"/>
+          </a:p>
+          <a:p>
+            <a:r>
+              <a:rPr lang="en-US" sz="1400" dirty="0"/>
+              <a:t>  </a:t>
+            </a:r>
+            <a:r>
+              <a:rPr lang="en-US" sz="1400" dirty="0" err="1"/>
+              <a:t>listItem.Title</a:t>
+            </a:r>
+            <a:r>
+              <a:rPr lang="en-US" sz="1400" dirty="0"/>
+              <a:t> = 'USA’;</a:t>
+            </a:r>
+          </a:p>
+          <a:p>
+            <a:r>
+              <a:rPr lang="en-US" sz="1400" dirty="0"/>
+              <a:t>  const request: any = {};</a:t>
+            </a:r>
+          </a:p>
+          <a:p>
+            <a:r>
+              <a:rPr lang="en-US" sz="1400" dirty="0"/>
+              <a:t>  </a:t>
+            </a:r>
+            <a:r>
+              <a:rPr lang="en-US" sz="1400" dirty="0" err="1"/>
+              <a:t>request.headers</a:t>
+            </a:r>
+            <a:r>
+              <a:rPr lang="en-US" sz="1400" dirty="0"/>
+              <a:t> = {</a:t>
+            </a:r>
+          </a:p>
+          <a:p>
+            <a:r>
+              <a:rPr lang="en-US" sz="1400" dirty="0"/>
+              <a:t>    'X-HTTP-Method': 'MERGE',</a:t>
+            </a:r>
+          </a:p>
+          <a:p>
+            <a:r>
+              <a:rPr lang="en-US" sz="1400" dirty="0"/>
+              <a:t>    'IF-MATCH': (</a:t>
+            </a:r>
+            <a:r>
+              <a:rPr lang="en-US" sz="1400" dirty="0" err="1"/>
+              <a:t>listItem</a:t>
+            </a:r>
+            <a:r>
+              <a:rPr lang="en-US" sz="1400" dirty="0"/>
+              <a:t> as any)['@</a:t>
+            </a:r>
+            <a:r>
+              <a:rPr lang="en-US" sz="1400" dirty="0" err="1"/>
+              <a:t>odata.etag</a:t>
+            </a:r>
+            <a:r>
+              <a:rPr lang="en-US" sz="1400" dirty="0"/>
+              <a:t>']</a:t>
+            </a:r>
+          </a:p>
+          <a:p>
+            <a:r>
+              <a:rPr lang="en-US" sz="1400" dirty="0"/>
+              <a:t>  };</a:t>
+            </a:r>
+          </a:p>
+          <a:p>
+            <a:r>
+              <a:rPr lang="en-US" sz="1400" dirty="0"/>
+              <a:t>  </a:t>
+            </a:r>
+            <a:r>
+              <a:rPr lang="en-US" sz="1400" dirty="0" err="1"/>
+              <a:t>request.body</a:t>
+            </a:r>
+            <a:r>
+              <a:rPr lang="en-US" sz="1400" dirty="0"/>
+              <a:t> = </a:t>
+            </a:r>
+            <a:r>
+              <a:rPr lang="en-US" sz="1400" dirty="0" err="1"/>
+              <a:t>JSON.stringify</a:t>
+            </a:r>
+            <a:r>
+              <a:rPr lang="en-US" sz="1400" dirty="0"/>
+              <a:t>(</a:t>
+            </a:r>
+            <a:r>
+              <a:rPr lang="en-US" sz="1400" dirty="0" err="1"/>
+              <a:t>listItem</a:t>
+            </a:r>
+            <a:r>
+              <a:rPr lang="en-US" sz="1400" dirty="0"/>
+              <a:t>);</a:t>
+            </a:r>
+          </a:p>
+          <a:p>
+            <a:endParaRPr lang="en-US" sz="1400" dirty="0"/>
+          </a:p>
+          <a:p>
+            <a:r>
+              <a:rPr lang="en-US" sz="1400" dirty="0"/>
+              <a:t>  const </a:t>
+            </a:r>
+            <a:r>
+              <a:rPr lang="en-US" sz="1400" dirty="0" err="1"/>
+              <a:t>postEndpoint</a:t>
+            </a:r>
+            <a:r>
+              <a:rPr lang="en-US" sz="1400" dirty="0"/>
+              <a:t>: string = </a:t>
+            </a:r>
+            <a:r>
+              <a:rPr lang="en-US" sz="1400" dirty="0" err="1"/>
+              <a:t>this.context.pageContext.web.absoluteUrl</a:t>
+            </a:r>
+            <a:r>
+              <a:rPr lang="en-US" sz="1400" dirty="0"/>
+              <a:t> + </a:t>
+            </a:r>
+          </a:p>
+          <a:p>
+            <a:r>
+              <a:rPr lang="en-US" sz="1400" dirty="0"/>
+              <a:t>    `/_</a:t>
+            </a:r>
+            <a:r>
+              <a:rPr lang="en-US" sz="1400" dirty="0" err="1"/>
+              <a:t>api</a:t>
+            </a:r>
+            <a:r>
+              <a:rPr lang="en-US" sz="1400" dirty="0"/>
+              <a:t>/web/lists/</a:t>
+            </a:r>
+            <a:r>
+              <a:rPr lang="en-US" sz="1400" dirty="0" err="1"/>
+              <a:t>getbytitle</a:t>
+            </a:r>
+            <a:r>
+              <a:rPr lang="en-US" sz="1400" dirty="0"/>
+              <a:t>('Countries')/items(${</a:t>
+            </a:r>
+            <a:r>
+              <a:rPr lang="en-US" sz="1400" dirty="0" err="1"/>
+              <a:t>listItem.Id</a:t>
+            </a:r>
+            <a:r>
+              <a:rPr lang="en-US" sz="1400" dirty="0"/>
+              <a:t>})`;</a:t>
+            </a:r>
+          </a:p>
+          <a:p>
+            <a:endParaRPr lang="en-US" sz="1400" dirty="0"/>
           </a:p>
           <a:p>
             <a:r>
@@ -19374,350 +19617,19 @@
             </a:r>
             <a:r>
               <a:rPr lang="en-US" sz="1400" dirty="0" err="1"/>
-              <a:t>this.context.spHttpClient.get</a:t>
+              <a:t>this.context.spHttpClient.post</a:t>
             </a:r>
             <a:r>
               <a:rPr lang="en-US" sz="1400" dirty="0"/>
               <a:t>(</a:t>
             </a:r>
-          </a:p>
-          <a:p>
-            <a:r>
-              <a:rPr lang="en-US" sz="1400" dirty="0">
-                <a:solidFill>
-                  <a:schemeClr val="accent1"/>
-                </a:solidFill>
-              </a:rPr>
-              <a:t>      // .. code to get item from SP REST API</a:t>
-            </a:r>
-          </a:p>
-          <a:p>
+            <a:r>
+              <a:rPr lang="en-US" sz="1400" dirty="0" err="1"/>
+              <a:t>postEndpoint</a:t>
+            </a:r>
             <a:r>
               <a:rPr lang="en-US" sz="1400" dirty="0"/>
-              <a:t>    })</a:t>
-            </a:r>
-          </a:p>
-          <a:p>
-            <a:r>
-              <a:rPr lang="en-US" sz="1400" dirty="0"/>
-              <a:t>    .then((</a:t>
-            </a:r>
-            <a:r>
-              <a:rPr lang="en-US" sz="1400" dirty="0" err="1"/>
-              <a:t>listItem</a:t>
-            </a:r>
-            <a:r>
-              <a:rPr lang="en-US" sz="1400" dirty="0"/>
-              <a:t>: </a:t>
-            </a:r>
-            <a:r>
-              <a:rPr lang="en-US" sz="1400" dirty="0" err="1"/>
-              <a:t>ICountryListItem</a:t>
-            </a:r>
-            <a:r>
-              <a:rPr lang="en-US" sz="1400" dirty="0"/>
-              <a:t>) =&gt; {</a:t>
-            </a:r>
-          </a:p>
-          <a:p>
-            <a:r>
-              <a:rPr lang="en-US" sz="1400" dirty="0">
-                <a:solidFill>
-                  <a:schemeClr val="accent1"/>
-                </a:solidFill>
-              </a:rPr>
-              <a:t>      // update item</a:t>
-            </a:r>
-          </a:p>
-          <a:p>
-            <a:r>
-              <a:rPr lang="en-US" sz="1400" dirty="0"/>
-              <a:t>      </a:t>
-            </a:r>
-            <a:r>
-              <a:rPr lang="en-US" sz="1400" dirty="0" err="1"/>
-              <a:t>listItem.Title</a:t>
-            </a:r>
-            <a:r>
-              <a:rPr lang="en-US" sz="1400" dirty="0"/>
-              <a:t> = 'USA';</a:t>
-            </a:r>
-          </a:p>
-          <a:p>
-            <a:r>
-              <a:rPr lang="en-US" sz="1400" dirty="0"/>
-              <a:t>      // save it</a:t>
-            </a:r>
-          </a:p>
-          <a:p>
-            <a:r>
-              <a:rPr lang="en-US" sz="1400" dirty="0"/>
-              <a:t>      </a:t>
-            </a:r>
-            <a:r>
-              <a:rPr lang="en-US" sz="1400" dirty="0" err="1"/>
-              <a:t>const</a:t>
-            </a:r>
-            <a:r>
-              <a:rPr lang="en-US" sz="1400" dirty="0"/>
-              <a:t> request: any = {};</a:t>
-            </a:r>
-          </a:p>
-          <a:p>
-            <a:r>
-              <a:rPr lang="en-US" sz="1400" dirty="0">
-                <a:solidFill>
-                  <a:schemeClr val="accent1"/>
-                </a:solidFill>
-              </a:rPr>
-              <a:t>      </a:t>
-            </a:r>
-            <a:r>
-              <a:rPr lang="en-US" sz="1400" dirty="0" err="1">
-                <a:solidFill>
-                  <a:schemeClr val="accent1"/>
-                </a:solidFill>
-              </a:rPr>
-              <a:t>request.headers</a:t>
-            </a:r>
-            <a:r>
-              <a:rPr lang="en-US" sz="1400" dirty="0">
-                <a:solidFill>
-                  <a:schemeClr val="accent1"/>
-                </a:solidFill>
-              </a:rPr>
-              <a:t> = {</a:t>
-            </a:r>
-          </a:p>
-          <a:p>
-            <a:r>
-              <a:rPr lang="en-US" sz="1400" dirty="0">
-                <a:solidFill>
-                  <a:schemeClr val="accent1"/>
-                </a:solidFill>
-              </a:rPr>
-              <a:t>        'X-HTTP-Method': 'MERGE',</a:t>
-            </a:r>
-          </a:p>
-          <a:p>
-            <a:r>
-              <a:rPr lang="en-US" sz="1400" dirty="0">
-                <a:solidFill>
-                  <a:schemeClr val="accent1"/>
-                </a:solidFill>
-              </a:rPr>
-              <a:t>        'IF-MATCH': (</a:t>
-            </a:r>
-            <a:r>
-              <a:rPr lang="en-US" sz="1400" dirty="0" err="1">
-                <a:solidFill>
-                  <a:schemeClr val="accent1"/>
-                </a:solidFill>
-              </a:rPr>
-              <a:t>listItem</a:t>
-            </a:r>
-            <a:r>
-              <a:rPr lang="en-US" sz="1400" dirty="0">
-                <a:solidFill>
-                  <a:schemeClr val="accent1"/>
-                </a:solidFill>
-              </a:rPr>
-              <a:t> as any)['@</a:t>
-            </a:r>
-            <a:r>
-              <a:rPr lang="en-US" sz="1400" dirty="0" err="1">
-                <a:solidFill>
-                  <a:schemeClr val="accent1"/>
-                </a:solidFill>
-              </a:rPr>
-              <a:t>odata.etag</a:t>
-            </a:r>
-            <a:r>
-              <a:rPr lang="en-US" sz="1400" dirty="0">
-                <a:solidFill>
-                  <a:schemeClr val="accent1"/>
-                </a:solidFill>
-              </a:rPr>
-              <a:t>']</a:t>
-            </a:r>
-          </a:p>
-          <a:p>
-            <a:r>
-              <a:rPr lang="en-US" sz="1400" dirty="0">
-                <a:solidFill>
-                  <a:schemeClr val="accent1"/>
-                </a:solidFill>
-              </a:rPr>
-              <a:t>      };</a:t>
-            </a:r>
-          </a:p>
-          <a:p>
-            <a:r>
-              <a:rPr lang="en-US" sz="1400" dirty="0">
-                <a:solidFill>
-                  <a:schemeClr val="accent1"/>
-                </a:solidFill>
-              </a:rPr>
-              <a:t>      </a:t>
-            </a:r>
-            <a:r>
-              <a:rPr lang="en-US" sz="1400" dirty="0" err="1">
-                <a:solidFill>
-                  <a:schemeClr val="accent1"/>
-                </a:solidFill>
-              </a:rPr>
-              <a:t>request.body</a:t>
-            </a:r>
-            <a:r>
-              <a:rPr lang="en-US" sz="1400" dirty="0">
-                <a:solidFill>
-                  <a:schemeClr val="accent1"/>
-                </a:solidFill>
-              </a:rPr>
-              <a:t> = </a:t>
-            </a:r>
-            <a:r>
-              <a:rPr lang="en-US" sz="1400" dirty="0" err="1">
-                <a:solidFill>
-                  <a:schemeClr val="accent1"/>
-                </a:solidFill>
-              </a:rPr>
-              <a:t>JSON.stringify</a:t>
-            </a:r>
-            <a:r>
-              <a:rPr lang="en-US" sz="1400" dirty="0">
-                <a:solidFill>
-                  <a:schemeClr val="accent1"/>
-                </a:solidFill>
-              </a:rPr>
-              <a:t>(</a:t>
-            </a:r>
-            <a:r>
-              <a:rPr lang="en-US" sz="1400" dirty="0" err="1">
-                <a:solidFill>
-                  <a:schemeClr val="accent1"/>
-                </a:solidFill>
-              </a:rPr>
-              <a:t>listItem</a:t>
-            </a:r>
-            <a:r>
-              <a:rPr lang="en-US" sz="1400" dirty="0">
-                <a:solidFill>
-                  <a:schemeClr val="accent1"/>
-                </a:solidFill>
-              </a:rPr>
-              <a:t>);</a:t>
-            </a:r>
-          </a:p>
-          <a:p>
-            <a:endParaRPr lang="en-US" sz="1400" dirty="0"/>
-          </a:p>
-          <a:p>
-            <a:r>
-              <a:rPr lang="en-US" sz="1400" dirty="0"/>
-              <a:t>      </a:t>
-            </a:r>
-            <a:r>
-              <a:rPr lang="en-US" sz="1400" dirty="0" err="1"/>
-              <a:t>const</a:t>
-            </a:r>
-            <a:r>
-              <a:rPr lang="en-US" sz="1400" dirty="0"/>
-              <a:t> endpoint: string = </a:t>
-            </a:r>
-            <a:r>
-              <a:rPr lang="en-US" sz="1400" dirty="0" err="1"/>
-              <a:t>this.context.pageContext.web.absoluteUrl</a:t>
-            </a:r>
-            <a:r>
-              <a:rPr lang="en-US" sz="1400" dirty="0"/>
-              <a:t> </a:t>
-            </a:r>
-            <a:br>
-              <a:rPr lang="en-US" sz="1400" dirty="0"/>
-            </a:br>
-            <a:r>
-              <a:rPr lang="en-US" sz="1400" dirty="0"/>
-              <a:t>                               + `/_</a:t>
-            </a:r>
-            <a:r>
-              <a:rPr lang="en-US" sz="1400" dirty="0" err="1"/>
-              <a:t>api</a:t>
-            </a:r>
-            <a:r>
-              <a:rPr lang="en-US" sz="1400" dirty="0"/>
-              <a:t>/web/lists/</a:t>
-            </a:r>
-            <a:r>
-              <a:rPr lang="en-US" sz="1400" dirty="0" err="1"/>
-              <a:t>getbytitle</a:t>
-            </a:r>
-            <a:r>
-              <a:rPr lang="en-US" sz="1400" dirty="0"/>
-              <a:t>('Countries')/items</a:t>
-            </a:r>
-            <a:r>
-              <a:rPr lang="en-US" sz="1400" dirty="0">
-                <a:solidFill>
-                  <a:schemeClr val="accent1"/>
-                </a:solidFill>
-              </a:rPr>
-              <a:t>(${</a:t>
-            </a:r>
-            <a:r>
-              <a:rPr lang="en-US" sz="1400" dirty="0" err="1">
-                <a:solidFill>
-                  <a:schemeClr val="accent1"/>
-                </a:solidFill>
-              </a:rPr>
-              <a:t>listItem.Id</a:t>
-            </a:r>
-            <a:r>
-              <a:rPr lang="en-US" sz="1400" dirty="0">
-                <a:solidFill>
-                  <a:schemeClr val="accent1"/>
-                </a:solidFill>
-              </a:rPr>
-              <a:t>})</a:t>
-            </a:r>
-            <a:r>
-              <a:rPr lang="en-US" sz="1400" dirty="0"/>
-              <a:t>`</a:t>
-            </a:r>
-          </a:p>
-          <a:p>
-            <a:endParaRPr lang="en-US" sz="1400" dirty="0"/>
-          </a:p>
-          <a:p>
-            <a:r>
-              <a:rPr lang="en-US" sz="1400" dirty="0"/>
-              <a:t>      return </a:t>
-            </a:r>
-            <a:r>
-              <a:rPr lang="en-US" sz="1400" dirty="0" err="1">
-                <a:solidFill>
-                  <a:schemeClr val="accent1"/>
-                </a:solidFill>
-              </a:rPr>
-              <a:t>this.context.spHttpClient.post</a:t>
-            </a:r>
-            <a:r>
-              <a:rPr lang="en-US" sz="1400" dirty="0">
-                <a:solidFill>
-                  <a:schemeClr val="accent1"/>
-                </a:solidFill>
-              </a:rPr>
-              <a:t>(endpoint, SPHttpClient.configurations.v1, request)</a:t>
-            </a:r>
-            <a:r>
-              <a:rPr lang="en-US" sz="1400" dirty="0"/>
-              <a:t>;</a:t>
-            </a:r>
-          </a:p>
-          <a:p>
-            <a:r>
-              <a:rPr lang="en-US" sz="1400" dirty="0"/>
-              <a:t>    });</a:t>
+              <a:t>, SPHttpClient.configurations.v1, request);</a:t>
             </a:r>
           </a:p>
           <a:p>

--- a/02 spfx sprest crud.pptx
+++ b/02 spfx sprest crud.pptx
@@ -284,7 +284,7 @@
               <a:rPr lang="en-US" smtClean="0">
                 <a:latin typeface="Segoe UI" pitchFamily="34" charset="0"/>
               </a:rPr>
-              <a:t>8/22/2022 4:23 PM</a:t>
+              <a:t>11/10/2022 7:58 AM</a:t>
             </a:fld>
             <a:endParaRPr lang="en-US" dirty="0">
               <a:latin typeface="Segoe UI" pitchFamily="34" charset="0"/>
@@ -581,7 +581,7 @@
           <a:p>
             <a:fld id="{D18B56EA-E28F-4F92-9F16-7A6F2501B303}" type="datetime8">
               <a:rPr lang="en-US" smtClean="0"/>
-              <a:t>8/22/2022 4:22 PM</a:t>
+              <a:t>11/10/2022 7:58 AM</a:t>
             </a:fld>
             <a:endParaRPr lang="en-US" dirty="0"/>
           </a:p>
@@ -964,7 +964,7 @@
           <a:p>
             <a:fld id="{D18B56EA-E28F-4F92-9F16-7A6F2501B303}" type="datetime8">
               <a:rPr lang="en-US" smtClean="0"/>
-              <a:t>8/22/2022 4:22 PM</a:t>
+              <a:t>11/10/2022 7:58 AM</a:t>
             </a:fld>
             <a:endParaRPr lang="en-US" dirty="0"/>
           </a:p>
@@ -1155,7 +1155,7 @@
           <a:p>
             <a:fld id="{D18B56EA-E28F-4F92-9F16-7A6F2501B303}" type="datetime8">
               <a:rPr lang="en-US" smtClean="0"/>
-              <a:t>8/22/2022 4:22 PM</a:t>
+              <a:t>11/10/2022 7:58 AM</a:t>
             </a:fld>
             <a:endParaRPr lang="en-US" dirty="0"/>
           </a:p>
@@ -1336,7 +1336,7 @@
           <a:p>
             <a:fld id="{D18B56EA-E28F-4F92-9F16-7A6F2501B303}" type="datetime8">
               <a:rPr lang="en-US" smtClean="0"/>
-              <a:t>8/22/2022 4:22 PM</a:t>
+              <a:t>11/10/2022 7:58 AM</a:t>
             </a:fld>
             <a:endParaRPr lang="en-US" dirty="0"/>
           </a:p>
@@ -1517,7 +1517,7 @@
           <a:p>
             <a:fld id="{D18B56EA-E28F-4F92-9F16-7A6F2501B303}" type="datetime8">
               <a:rPr lang="en-US" smtClean="0"/>
-              <a:t>8/22/2022 4:22 PM</a:t>
+              <a:t>11/10/2022 7:58 AM</a:t>
             </a:fld>
             <a:endParaRPr lang="en-US" dirty="0"/>
           </a:p>
@@ -1698,7 +1698,7 @@
           <a:p>
             <a:fld id="{D18B56EA-E28F-4F92-9F16-7A6F2501B303}" type="datetime8">
               <a:rPr lang="en-US" smtClean="0"/>
-              <a:t>8/22/2022 4:22 PM</a:t>
+              <a:t>11/10/2022 7:58 AM</a:t>
             </a:fld>
             <a:endParaRPr lang="en-US" dirty="0"/>
           </a:p>
@@ -1879,7 +1879,7 @@
           <a:p>
             <a:fld id="{D18B56EA-E28F-4F92-9F16-7A6F2501B303}" type="datetime8">
               <a:rPr lang="en-US" smtClean="0"/>
-              <a:t>8/22/2022 4:22 PM</a:t>
+              <a:t>11/10/2022 7:58 AM</a:t>
             </a:fld>
             <a:endParaRPr lang="en-US" dirty="0"/>
           </a:p>
@@ -2063,7 +2063,7 @@
           <a:p>
             <a:fld id="{D18B56EA-E28F-4F92-9F16-7A6F2501B303}" type="datetime8">
               <a:rPr lang="en-US" smtClean="0"/>
-              <a:t>8/22/2022 4:22 PM</a:t>
+              <a:t>11/10/2022 7:58 AM</a:t>
             </a:fld>
             <a:endParaRPr lang="en-US" dirty="0"/>
           </a:p>
@@ -2501,7 +2501,7 @@
           <a:p>
             <a:fld id="{D18B56EA-E28F-4F92-9F16-7A6F2501B303}" type="datetime8">
               <a:rPr lang="en-US" smtClean="0"/>
-              <a:t>8/22/2022 4:22 PM</a:t>
+              <a:t>11/10/2022 7:58 AM</a:t>
             </a:fld>
             <a:endParaRPr lang="en-US" dirty="0"/>
           </a:p>
@@ -2697,7 +2697,7 @@
           <a:p>
             <a:fld id="{D18B56EA-E28F-4F92-9F16-7A6F2501B303}" type="datetime8">
               <a:rPr lang="en-US" smtClean="0"/>
-              <a:t>8/22/2022 4:22 PM</a:t>
+              <a:t>11/10/2022 7:58 AM</a:t>
             </a:fld>
             <a:endParaRPr lang="en-US" dirty="0"/>
           </a:p>
@@ -2929,7 +2929,7 @@
           <a:p>
             <a:fld id="{D18B56EA-E28F-4F92-9F16-7A6F2501B303}" type="datetime8">
               <a:rPr lang="en-US" smtClean="0"/>
-              <a:t>8/22/2022 4:22 PM</a:t>
+              <a:t>11/10/2022 7:58 AM</a:t>
             </a:fld>
             <a:endParaRPr lang="en-US" dirty="0"/>
           </a:p>
@@ -3234,7 +3234,7 @@
           <a:p>
             <a:fld id="{D18B56EA-E28F-4F92-9F16-7A6F2501B303}" type="datetime8">
               <a:rPr lang="en-US" smtClean="0"/>
-              <a:t>8/22/2022 4:22 PM</a:t>
+              <a:t>11/10/2022 7:58 AM</a:t>
             </a:fld>
             <a:endParaRPr lang="en-US" dirty="0"/>
           </a:p>
@@ -3434,7 +3434,7 @@
           <a:p>
             <a:fld id="{D18B56EA-E28F-4F92-9F16-7A6F2501B303}" type="datetime8">
               <a:rPr lang="en-US" smtClean="0"/>
-              <a:t>8/22/2022 4:22 PM</a:t>
+              <a:t>11/10/2022 7:58 AM</a:t>
             </a:fld>
             <a:endParaRPr lang="en-US" dirty="0"/>
           </a:p>
@@ -3642,7 +3642,7 @@
           <a:p>
             <a:fld id="{D18B56EA-E28F-4F92-9F16-7A6F2501B303}" type="datetime8">
               <a:rPr lang="en-US" smtClean="0"/>
-              <a:t>8/22/2022 4:22 PM</a:t>
+              <a:t>11/10/2022 7:58 AM</a:t>
             </a:fld>
             <a:endParaRPr lang="en-US" dirty="0"/>
           </a:p>
@@ -17628,7 +17628,7 @@
                 <a:latin typeface="+mj-lt"/>
                 <a:hlinkClick r:id="rId3"/>
               </a:rPr>
-              <a:t>https://docs.microsoft.com/sharepoint/dev/spfx/sharepoint-framework-overview</a:t>
+              <a:t>https://learn.microsoft.com/sharepoint/dev/spfx/sharepoint-framework-overview</a:t>
             </a:r>
             <a:endParaRPr lang="en-US" sz="1800" dirty="0">
               <a:latin typeface="+mj-lt"/>
@@ -17683,7 +17683,7 @@
                 <a:latin typeface="+mj-lt"/>
                 <a:hlinkClick r:id="rId4"/>
               </a:rPr>
-              <a:t>https://docs.microsoft.com/sharepoint/dev/sp-add-ins/get-to-know-the-sharepoint-rest-service</a:t>
+              <a:t>https://learn.microsoft.com/sharepoint/dev/sp-add-ins/get-to-know-the-sharepoint-rest-service</a:t>
             </a:r>
             <a:r>
               <a:rPr lang="en-US" sz="1800" dirty="0">
@@ -17748,7 +17748,7 @@
                 <a:latin typeface="+mj-lt"/>
                 <a:hlinkClick r:id="rId5"/>
               </a:rPr>
-              <a:t>https://docs.microsoft.com/sharepoint/dev/spfx/connect-to-sharepoint</a:t>
+              <a:t>https://learn.microsoft.com/sharepoint/dev/spfx/connect-to-sharepoint</a:t>
             </a:r>
             <a:r>
               <a:rPr lang="en-US" sz="1800" dirty="0">
